--- a/Talleres/Taller2.pptx
+++ b/Talleres/Taller2.pptx
@@ -170,7 +170,7 @@
           <a:noFill/>
           <a:extLst>
             <a:ext uri="{909E8E84-426E-40dd-AFC4-6F175D3DCCD1}">
-              <a14:hiddenFill xmlns:a14="http://schemas.microsoft.com/office/drawing/2010/main" xmlns="">
+              <a14:hiddenFill xmlns="" xmlns:a14="http://schemas.microsoft.com/office/drawing/2010/main">
                 <a:solidFill>
                   <a:srgbClr val="FFFFFF"/>
                 </a:solidFill>
@@ -230,7 +230,7 @@
             </a:ln>
             <a:extLst>
               <a:ext uri="{91240B29-F687-4f45-9708-019B960494DF}">
-                <a14:hiddenLine xmlns:a14="http://schemas.microsoft.com/office/drawing/2010/main" xmlns="" w="9525">
+                <a14:hiddenLine xmlns="" xmlns:a14="http://schemas.microsoft.com/office/drawing/2010/main" w="9525">
                   <a:solidFill>
                     <a:srgbClr val="000000"/>
                   </a:solidFill>
@@ -320,7 +320,7 @@
             </a:ln>
             <a:extLst>
               <a:ext uri="{91240B29-F687-4f45-9708-019B960494DF}">
-                <a14:hiddenLine xmlns:a14="http://schemas.microsoft.com/office/drawing/2010/main" xmlns="" w="9525">
+                <a14:hiddenLine xmlns="" xmlns:a14="http://schemas.microsoft.com/office/drawing/2010/main" w="9525">
                   <a:solidFill>
                     <a:srgbClr val="000000"/>
                   </a:solidFill>
@@ -410,7 +410,7 @@
             </a:ln>
             <a:extLst>
               <a:ext uri="{91240B29-F687-4f45-9708-019B960494DF}">
-                <a14:hiddenLine xmlns:a14="http://schemas.microsoft.com/office/drawing/2010/main" xmlns="" w="9525">
+                <a14:hiddenLine xmlns="" xmlns:a14="http://schemas.microsoft.com/office/drawing/2010/main" w="9525">
                   <a:solidFill>
                     <a:srgbClr val="000000"/>
                   </a:solidFill>
@@ -444,7 +444,7 @@
             </a:ln>
             <a:extLst>
               <a:ext uri="{91240B29-F687-4f45-9708-019B960494DF}">
-                <a14:hiddenLine xmlns:a14="http://schemas.microsoft.com/office/drawing/2010/main" xmlns="" w="9525">
+                <a14:hiddenLine xmlns="" xmlns:a14="http://schemas.microsoft.com/office/drawing/2010/main" w="9525">
                   <a:solidFill>
                     <a:srgbClr val="000000"/>
                   </a:solidFill>
@@ -534,7 +534,7 @@
             </a:ln>
             <a:extLst>
               <a:ext uri="{91240B29-F687-4f45-9708-019B960494DF}">
-                <a14:hiddenLine xmlns:a14="http://schemas.microsoft.com/office/drawing/2010/main" xmlns="" w="9525">
+                <a14:hiddenLine xmlns="" xmlns:a14="http://schemas.microsoft.com/office/drawing/2010/main" w="9525">
                   <a:solidFill>
                     <a:srgbClr val="000000"/>
                   </a:solidFill>
@@ -596,7 +596,7 @@
             </a:ln>
             <a:extLst>
               <a:ext uri="{91240B29-F687-4f45-9708-019B960494DF}">
-                <a14:hiddenLine xmlns:a14="http://schemas.microsoft.com/office/drawing/2010/main" xmlns="" w="9525">
+                <a14:hiddenLine xmlns="" xmlns:a14="http://schemas.microsoft.com/office/drawing/2010/main" w="9525">
                   <a:solidFill>
                     <a:srgbClr val="000000"/>
                   </a:solidFill>
@@ -658,7 +658,7 @@
             </a:ln>
             <a:extLst>
               <a:ext uri="{91240B29-F687-4f45-9708-019B960494DF}">
-                <a14:hiddenLine xmlns:a14="http://schemas.microsoft.com/office/drawing/2010/main" xmlns="" w="9525">
+                <a14:hiddenLine xmlns="" xmlns:a14="http://schemas.microsoft.com/office/drawing/2010/main" w="9525">
                   <a:solidFill>
                     <a:srgbClr val="000000"/>
                   </a:solidFill>
@@ -748,7 +748,7 @@
             </a:ln>
             <a:extLst>
               <a:ext uri="{91240B29-F687-4f45-9708-019B960494DF}">
-                <a14:hiddenLine xmlns:a14="http://schemas.microsoft.com/office/drawing/2010/main" xmlns="" w="9525">
+                <a14:hiddenLine xmlns="" xmlns:a14="http://schemas.microsoft.com/office/drawing/2010/main" w="9525">
                   <a:solidFill>
                     <a:srgbClr val="000000"/>
                   </a:solidFill>
@@ -810,7 +810,7 @@
             </a:ln>
             <a:extLst>
               <a:ext uri="{91240B29-F687-4f45-9708-019B960494DF}">
-                <a14:hiddenLine xmlns:a14="http://schemas.microsoft.com/office/drawing/2010/main" xmlns="" w="9525">
+                <a14:hiddenLine xmlns="" xmlns:a14="http://schemas.microsoft.com/office/drawing/2010/main" w="9525">
                   <a:solidFill>
                     <a:srgbClr val="000000"/>
                   </a:solidFill>
@@ -872,7 +872,7 @@
             </a:ln>
             <a:extLst>
               <a:ext uri="{91240B29-F687-4f45-9708-019B960494DF}">
-                <a14:hiddenLine xmlns:a14="http://schemas.microsoft.com/office/drawing/2010/main" xmlns="" w="9525">
+                <a14:hiddenLine xmlns="" xmlns:a14="http://schemas.microsoft.com/office/drawing/2010/main" w="9525">
                   <a:solidFill>
                     <a:srgbClr val="000000"/>
                   </a:solidFill>
@@ -962,7 +962,7 @@
             </a:ln>
             <a:extLst>
               <a:ext uri="{91240B29-F687-4f45-9708-019B960494DF}">
-                <a14:hiddenLine xmlns:a14="http://schemas.microsoft.com/office/drawing/2010/main" xmlns="" w="9525">
+                <a14:hiddenLine xmlns="" xmlns:a14="http://schemas.microsoft.com/office/drawing/2010/main" w="9525">
                   <a:solidFill>
                     <a:srgbClr val="000000"/>
                   </a:solidFill>
@@ -1052,7 +1052,7 @@
             </a:ln>
             <a:extLst>
               <a:ext uri="{91240B29-F687-4f45-9708-019B960494DF}">
-                <a14:hiddenLine xmlns:a14="http://schemas.microsoft.com/office/drawing/2010/main" xmlns="" w="9525">
+                <a14:hiddenLine xmlns="" xmlns:a14="http://schemas.microsoft.com/office/drawing/2010/main" w="9525">
                   <a:solidFill>
                     <a:srgbClr val="000000"/>
                   </a:solidFill>
@@ -1114,7 +1114,7 @@
             </a:ln>
             <a:extLst>
               <a:ext uri="{91240B29-F687-4f45-9708-019B960494DF}">
-                <a14:hiddenLine xmlns:a14="http://schemas.microsoft.com/office/drawing/2010/main" xmlns="" w="9525">
+                <a14:hiddenLine xmlns="" xmlns:a14="http://schemas.microsoft.com/office/drawing/2010/main" w="9525">
                   <a:solidFill>
                     <a:srgbClr val="000000"/>
                   </a:solidFill>
@@ -1224,7 +1224,7 @@
             </a:ln>
             <a:extLst>
               <a:ext uri="{91240B29-F687-4f45-9708-019B960494DF}">
-                <a14:hiddenLine xmlns:a14="http://schemas.microsoft.com/office/drawing/2010/main" xmlns="" w="9525">
+                <a14:hiddenLine xmlns="" xmlns:a14="http://schemas.microsoft.com/office/drawing/2010/main" w="9525">
                   <a:solidFill>
                     <a:srgbClr val="000000"/>
                   </a:solidFill>
@@ -1286,7 +1286,7 @@
             </a:ln>
             <a:extLst>
               <a:ext uri="{91240B29-F687-4f45-9708-019B960494DF}">
-                <a14:hiddenLine xmlns:a14="http://schemas.microsoft.com/office/drawing/2010/main" xmlns="" w="9525">
+                <a14:hiddenLine xmlns="" xmlns:a14="http://schemas.microsoft.com/office/drawing/2010/main" w="9525">
                   <a:solidFill>
                     <a:srgbClr val="000000"/>
                   </a:solidFill>
@@ -1376,7 +1376,7 @@
             </a:ln>
             <a:extLst>
               <a:ext uri="{91240B29-F687-4f45-9708-019B960494DF}">
-                <a14:hiddenLine xmlns:a14="http://schemas.microsoft.com/office/drawing/2010/main" xmlns="" w="9525">
+                <a14:hiddenLine xmlns="" xmlns:a14="http://schemas.microsoft.com/office/drawing/2010/main" w="9525">
                   <a:solidFill>
                     <a:srgbClr val="000000"/>
                   </a:solidFill>
@@ -1466,7 +1466,7 @@
             </a:ln>
             <a:extLst>
               <a:ext uri="{91240B29-F687-4f45-9708-019B960494DF}">
-                <a14:hiddenLine xmlns:a14="http://schemas.microsoft.com/office/drawing/2010/main" xmlns="" w="9525">
+                <a14:hiddenLine xmlns="" xmlns:a14="http://schemas.microsoft.com/office/drawing/2010/main" w="9525">
                   <a:solidFill>
                     <a:srgbClr val="000000"/>
                   </a:solidFill>
@@ -1528,7 +1528,7 @@
             </a:ln>
             <a:extLst>
               <a:ext uri="{91240B29-F687-4f45-9708-019B960494DF}">
-                <a14:hiddenLine xmlns:a14="http://schemas.microsoft.com/office/drawing/2010/main" xmlns="" w="9525">
+                <a14:hiddenLine xmlns="" xmlns:a14="http://schemas.microsoft.com/office/drawing/2010/main" w="9525">
                   <a:solidFill>
                     <a:srgbClr val="000000"/>
                   </a:solidFill>
@@ -1618,7 +1618,7 @@
             </a:ln>
             <a:extLst>
               <a:ext uri="{91240B29-F687-4f45-9708-019B960494DF}">
-                <a14:hiddenLine xmlns:a14="http://schemas.microsoft.com/office/drawing/2010/main" xmlns="" w="9525">
+                <a14:hiddenLine xmlns="" xmlns:a14="http://schemas.microsoft.com/office/drawing/2010/main" w="9525">
                   <a:solidFill>
                     <a:srgbClr val="000000"/>
                   </a:solidFill>
@@ -1708,7 +1708,7 @@
             </a:ln>
             <a:extLst>
               <a:ext uri="{91240B29-F687-4f45-9708-019B960494DF}">
-                <a14:hiddenLine xmlns:a14="http://schemas.microsoft.com/office/drawing/2010/main" xmlns="" w="9525">
+                <a14:hiddenLine xmlns="" xmlns:a14="http://schemas.microsoft.com/office/drawing/2010/main" w="9525">
                   <a:solidFill>
                     <a:srgbClr val="000000"/>
                   </a:solidFill>
@@ -1764,7 +1764,7 @@
             </a:ln>
             <a:extLst>
               <a:ext uri="{91240B29-F687-4f45-9708-019B960494DF}">
-                <a14:hiddenLine xmlns:a14="http://schemas.microsoft.com/office/drawing/2010/main" xmlns="" w="9525">
+                <a14:hiddenLine xmlns="" xmlns:a14="http://schemas.microsoft.com/office/drawing/2010/main" w="9525">
                   <a:solidFill>
                     <a:srgbClr val="000000"/>
                   </a:solidFill>
@@ -1854,7 +1854,7 @@
             </a:ln>
             <a:extLst>
               <a:ext uri="{91240B29-F687-4f45-9708-019B960494DF}">
-                <a14:hiddenLine xmlns:a14="http://schemas.microsoft.com/office/drawing/2010/main" xmlns="" w="9525">
+                <a14:hiddenLine xmlns="" xmlns:a14="http://schemas.microsoft.com/office/drawing/2010/main" w="9525">
                   <a:solidFill>
                     <a:srgbClr val="000000"/>
                   </a:solidFill>
@@ -1910,7 +1910,7 @@
             </a:ln>
             <a:extLst>
               <a:ext uri="{91240B29-F687-4f45-9708-019B960494DF}">
-                <a14:hiddenLine xmlns:a14="http://schemas.microsoft.com/office/drawing/2010/main" xmlns="" w="9525">
+                <a14:hiddenLine xmlns="" xmlns:a14="http://schemas.microsoft.com/office/drawing/2010/main" w="9525">
                   <a:solidFill>
                     <a:srgbClr val="000000"/>
                   </a:solidFill>
@@ -2000,7 +2000,7 @@
             </a:ln>
             <a:extLst>
               <a:ext uri="{91240B29-F687-4f45-9708-019B960494DF}">
-                <a14:hiddenLine xmlns:a14="http://schemas.microsoft.com/office/drawing/2010/main" xmlns="" w="9525">
+                <a14:hiddenLine xmlns="" xmlns:a14="http://schemas.microsoft.com/office/drawing/2010/main" w="9525">
                   <a:solidFill>
                     <a:srgbClr val="000000"/>
                   </a:solidFill>
@@ -2068,7 +2068,7 @@
             </a:ln>
             <a:extLst>
               <a:ext uri="{91240B29-F687-4f45-9708-019B960494DF}">
-                <a14:hiddenLine xmlns:a14="http://schemas.microsoft.com/office/drawing/2010/main" xmlns="" w="9525">
+                <a14:hiddenLine xmlns="" xmlns:a14="http://schemas.microsoft.com/office/drawing/2010/main" w="9525">
                   <a:solidFill>
                     <a:srgbClr val="000000"/>
                   </a:solidFill>
@@ -2158,7 +2158,7 @@
             </a:ln>
             <a:extLst>
               <a:ext uri="{91240B29-F687-4f45-9708-019B960494DF}">
-                <a14:hiddenLine xmlns:a14="http://schemas.microsoft.com/office/drawing/2010/main" xmlns="" w="9525">
+                <a14:hiddenLine xmlns="" xmlns:a14="http://schemas.microsoft.com/office/drawing/2010/main" w="9525">
                   <a:solidFill>
                     <a:srgbClr val="000000"/>
                   </a:solidFill>
@@ -2226,7 +2226,7 @@
             </a:ln>
             <a:extLst>
               <a:ext uri="{91240B29-F687-4f45-9708-019B960494DF}">
-                <a14:hiddenLine xmlns:a14="http://schemas.microsoft.com/office/drawing/2010/main" xmlns="" w="9525">
+                <a14:hiddenLine xmlns="" xmlns:a14="http://schemas.microsoft.com/office/drawing/2010/main" w="9525">
                   <a:solidFill>
                     <a:srgbClr val="000000"/>
                   </a:solidFill>
@@ -2316,7 +2316,7 @@
             </a:ln>
             <a:extLst>
               <a:ext uri="{91240B29-F687-4f45-9708-019B960494DF}">
-                <a14:hiddenLine xmlns:a14="http://schemas.microsoft.com/office/drawing/2010/main" xmlns="" w="9525">
+                <a14:hiddenLine xmlns="" xmlns:a14="http://schemas.microsoft.com/office/drawing/2010/main" w="9525">
                   <a:solidFill>
                     <a:srgbClr val="000000"/>
                   </a:solidFill>
@@ -2350,7 +2350,7 @@
             </a:ln>
             <a:extLst>
               <a:ext uri="{91240B29-F687-4f45-9708-019B960494DF}">
-                <a14:hiddenLine xmlns:a14="http://schemas.microsoft.com/office/drawing/2010/main" xmlns="" w="9525">
+                <a14:hiddenLine xmlns="" xmlns:a14="http://schemas.microsoft.com/office/drawing/2010/main" w="9525">
                   <a:solidFill>
                     <a:srgbClr val="000000"/>
                   </a:solidFill>
@@ -2440,7 +2440,7 @@
             </a:ln>
             <a:extLst>
               <a:ext uri="{91240B29-F687-4f45-9708-019B960494DF}">
-                <a14:hiddenLine xmlns:a14="http://schemas.microsoft.com/office/drawing/2010/main" xmlns="" w="9525">
+                <a14:hiddenLine xmlns="" xmlns:a14="http://schemas.microsoft.com/office/drawing/2010/main" w="9525">
                   <a:solidFill>
                     <a:srgbClr val="000000"/>
                   </a:solidFill>
@@ -2502,7 +2502,7 @@
             </a:ln>
             <a:extLst>
               <a:ext uri="{91240B29-F687-4f45-9708-019B960494DF}">
-                <a14:hiddenLine xmlns:a14="http://schemas.microsoft.com/office/drawing/2010/main" xmlns="" w="9525">
+                <a14:hiddenLine xmlns="" xmlns:a14="http://schemas.microsoft.com/office/drawing/2010/main" w="9525">
                   <a:solidFill>
                     <a:srgbClr val="000000"/>
                   </a:solidFill>
@@ -2564,7 +2564,7 @@
             </a:ln>
             <a:extLst>
               <a:ext uri="{91240B29-F687-4f45-9708-019B960494DF}">
-                <a14:hiddenLine xmlns:a14="http://schemas.microsoft.com/office/drawing/2010/main" xmlns="" w="9525">
+                <a14:hiddenLine xmlns="" xmlns:a14="http://schemas.microsoft.com/office/drawing/2010/main" w="9525">
                   <a:solidFill>
                     <a:srgbClr val="000000"/>
                   </a:solidFill>
@@ -2654,7 +2654,7 @@
             </a:ln>
             <a:extLst>
               <a:ext uri="{91240B29-F687-4f45-9708-019B960494DF}">
-                <a14:hiddenLine xmlns:a14="http://schemas.microsoft.com/office/drawing/2010/main" xmlns="" w="9525">
+                <a14:hiddenLine xmlns="" xmlns:a14="http://schemas.microsoft.com/office/drawing/2010/main" w="9525">
                   <a:solidFill>
                     <a:srgbClr val="000000"/>
                   </a:solidFill>
@@ -2722,7 +2722,7 @@
             </a:ln>
             <a:extLst>
               <a:ext uri="{91240B29-F687-4f45-9708-019B960494DF}">
-                <a14:hiddenLine xmlns:a14="http://schemas.microsoft.com/office/drawing/2010/main" xmlns="" w="9525">
+                <a14:hiddenLine xmlns="" xmlns:a14="http://schemas.microsoft.com/office/drawing/2010/main" w="9525">
                   <a:solidFill>
                     <a:srgbClr val="000000"/>
                   </a:solidFill>
@@ -2784,7 +2784,7 @@
             </a:ln>
             <a:extLst>
               <a:ext uri="{91240B29-F687-4f45-9708-019B960494DF}">
-                <a14:hiddenLine xmlns:a14="http://schemas.microsoft.com/office/drawing/2010/main" xmlns="" w="9525">
+                <a14:hiddenLine xmlns="" xmlns:a14="http://schemas.microsoft.com/office/drawing/2010/main" w="9525">
                   <a:solidFill>
                     <a:srgbClr val="000000"/>
                   </a:solidFill>
@@ -2874,7 +2874,7 @@
             </a:ln>
             <a:extLst>
               <a:ext uri="{91240B29-F687-4f45-9708-019B960494DF}">
-                <a14:hiddenLine xmlns:a14="http://schemas.microsoft.com/office/drawing/2010/main" xmlns="" w="9525">
+                <a14:hiddenLine xmlns="" xmlns:a14="http://schemas.microsoft.com/office/drawing/2010/main" w="9525">
                   <a:solidFill>
                     <a:srgbClr val="000000"/>
                   </a:solidFill>
@@ -2936,7 +2936,7 @@
             </a:ln>
             <a:extLst>
               <a:ext uri="{91240B29-F687-4f45-9708-019B960494DF}">
-                <a14:hiddenLine xmlns:a14="http://schemas.microsoft.com/office/drawing/2010/main" xmlns="" w="9525">
+                <a14:hiddenLine xmlns="" xmlns:a14="http://schemas.microsoft.com/office/drawing/2010/main" w="9525">
                   <a:solidFill>
                     <a:srgbClr val="000000"/>
                   </a:solidFill>
@@ -3026,7 +3026,7 @@
             </a:ln>
             <a:extLst>
               <a:ext uri="{91240B29-F687-4f45-9708-019B960494DF}">
-                <a14:hiddenLine xmlns:a14="http://schemas.microsoft.com/office/drawing/2010/main" xmlns="" w="9525">
+                <a14:hiddenLine xmlns="" xmlns:a14="http://schemas.microsoft.com/office/drawing/2010/main" w="9525">
                   <a:solidFill>
                     <a:srgbClr val="000000"/>
                   </a:solidFill>
@@ -3088,7 +3088,7 @@
             </a:ln>
             <a:extLst>
               <a:ext uri="{91240B29-F687-4f45-9708-019B960494DF}">
-                <a14:hiddenLine xmlns:a14="http://schemas.microsoft.com/office/drawing/2010/main" xmlns="" w="9525">
+                <a14:hiddenLine xmlns="" xmlns:a14="http://schemas.microsoft.com/office/drawing/2010/main" w="9525">
                   <a:solidFill>
                     <a:srgbClr val="000000"/>
                   </a:solidFill>
@@ -3178,7 +3178,7 @@
             </a:ln>
             <a:extLst>
               <a:ext uri="{91240B29-F687-4f45-9708-019B960494DF}">
-                <a14:hiddenLine xmlns:a14="http://schemas.microsoft.com/office/drawing/2010/main" xmlns="" w="9525">
+                <a14:hiddenLine xmlns="" xmlns:a14="http://schemas.microsoft.com/office/drawing/2010/main" w="9525">
                   <a:solidFill>
                     <a:srgbClr val="000000"/>
                   </a:solidFill>
@@ -3212,7 +3212,7 @@
             </a:ln>
             <a:extLst>
               <a:ext uri="{91240B29-F687-4f45-9708-019B960494DF}">
-                <a14:hiddenLine xmlns:a14="http://schemas.microsoft.com/office/drawing/2010/main" xmlns="" w="9525">
+                <a14:hiddenLine xmlns="" xmlns:a14="http://schemas.microsoft.com/office/drawing/2010/main" w="9525">
                   <a:solidFill>
                     <a:srgbClr val="000000"/>
                   </a:solidFill>
@@ -3277,7 +3277,7 @@
             </a:ln>
             <a:extLst>
               <a:ext uri="{91240B29-F687-4f45-9708-019B960494DF}">
-                <a14:hiddenLine xmlns:a14="http://schemas.microsoft.com/office/drawing/2010/main" xmlns="" w="9525">
+                <a14:hiddenLine xmlns="" xmlns:a14="http://schemas.microsoft.com/office/drawing/2010/main" w="9525">
                   <a:solidFill>
                     <a:srgbClr val="000000"/>
                   </a:solidFill>
@@ -3367,7 +3367,7 @@
             </a:ln>
             <a:extLst>
               <a:ext uri="{91240B29-F687-4f45-9708-019B960494DF}">
-                <a14:hiddenLine xmlns:a14="http://schemas.microsoft.com/office/drawing/2010/main" xmlns="" w="9525">
+                <a14:hiddenLine xmlns="" xmlns:a14="http://schemas.microsoft.com/office/drawing/2010/main" w="9525">
                   <a:solidFill>
                     <a:srgbClr val="000000"/>
                   </a:solidFill>
@@ -3429,7 +3429,7 @@
             </a:ln>
             <a:extLst>
               <a:ext uri="{91240B29-F687-4f45-9708-019B960494DF}">
-                <a14:hiddenLine xmlns:a14="http://schemas.microsoft.com/office/drawing/2010/main" xmlns="" w="9525">
+                <a14:hiddenLine xmlns="" xmlns:a14="http://schemas.microsoft.com/office/drawing/2010/main" w="9525">
                   <a:solidFill>
                     <a:srgbClr val="000000"/>
                   </a:solidFill>
@@ -3519,7 +3519,7 @@
             </a:ln>
             <a:extLst>
               <a:ext uri="{91240B29-F687-4f45-9708-019B960494DF}">
-                <a14:hiddenLine xmlns:a14="http://schemas.microsoft.com/office/drawing/2010/main" xmlns="" w="9525">
+                <a14:hiddenLine xmlns="" xmlns:a14="http://schemas.microsoft.com/office/drawing/2010/main" w="9525">
                   <a:solidFill>
                     <a:srgbClr val="000000"/>
                   </a:solidFill>
@@ -3609,7 +3609,7 @@
             </a:ln>
             <a:extLst>
               <a:ext uri="{91240B29-F687-4f45-9708-019B960494DF}">
-                <a14:hiddenLine xmlns:a14="http://schemas.microsoft.com/office/drawing/2010/main" xmlns="" w="9525">
+                <a14:hiddenLine xmlns="" xmlns:a14="http://schemas.microsoft.com/office/drawing/2010/main" w="9525">
                   <a:solidFill>
                     <a:srgbClr val="000000"/>
                   </a:solidFill>
@@ -3674,7 +3674,7 @@
             </a:ln>
             <a:extLst>
               <a:ext uri="{91240B29-F687-4f45-9708-019B960494DF}">
-                <a14:hiddenLine xmlns:a14="http://schemas.microsoft.com/office/drawing/2010/main" xmlns="" w="9525">
+                <a14:hiddenLine xmlns="" xmlns:a14="http://schemas.microsoft.com/office/drawing/2010/main" w="9525">
                   <a:solidFill>
                     <a:srgbClr val="000000"/>
                   </a:solidFill>
@@ -3736,7 +3736,7 @@
             </a:ln>
             <a:extLst>
               <a:ext uri="{91240B29-F687-4f45-9708-019B960494DF}">
-                <a14:hiddenLine xmlns:a14="http://schemas.microsoft.com/office/drawing/2010/main" xmlns="" w="9525">
+                <a14:hiddenLine xmlns="" xmlns:a14="http://schemas.microsoft.com/office/drawing/2010/main" w="9525">
                   <a:solidFill>
                     <a:srgbClr val="000000"/>
                   </a:solidFill>
@@ -3826,7 +3826,7 @@
             </a:ln>
             <a:extLst>
               <a:ext uri="{91240B29-F687-4f45-9708-019B960494DF}">
-                <a14:hiddenLine xmlns:a14="http://schemas.microsoft.com/office/drawing/2010/main" xmlns="" w="9525">
+                <a14:hiddenLine xmlns="" xmlns:a14="http://schemas.microsoft.com/office/drawing/2010/main" w="9525">
                   <a:solidFill>
                     <a:srgbClr val="000000"/>
                   </a:solidFill>
@@ -3916,7 +3916,7 @@
             </a:ln>
             <a:extLst>
               <a:ext uri="{91240B29-F687-4f45-9708-019B960494DF}">
-                <a14:hiddenLine xmlns:a14="http://schemas.microsoft.com/office/drawing/2010/main" xmlns="" w="9525">
+                <a14:hiddenLine xmlns="" xmlns:a14="http://schemas.microsoft.com/office/drawing/2010/main" w="9525">
                   <a:solidFill>
                     <a:srgbClr val="000000"/>
                   </a:solidFill>
@@ -3978,7 +3978,7 @@
             </a:ln>
             <a:extLst>
               <a:ext uri="{91240B29-F687-4f45-9708-019B960494DF}">
-                <a14:hiddenLine xmlns:a14="http://schemas.microsoft.com/office/drawing/2010/main" xmlns="" w="9525">
+                <a14:hiddenLine xmlns="" xmlns:a14="http://schemas.microsoft.com/office/drawing/2010/main" w="9525">
                   <a:solidFill>
                     <a:srgbClr val="000000"/>
                   </a:solidFill>
@@ -4098,7 +4098,7 @@
             </a:ln>
             <a:extLst>
               <a:ext uri="{91240B29-F687-4f45-9708-019B960494DF}">
-                <a14:hiddenLine xmlns:a14="http://schemas.microsoft.com/office/drawing/2010/main" xmlns="" w="9525">
+                <a14:hiddenLine xmlns="" xmlns:a14="http://schemas.microsoft.com/office/drawing/2010/main" w="9525">
                   <a:solidFill>
                     <a:srgbClr val="000000"/>
                   </a:solidFill>
@@ -4166,7 +4166,7 @@
             </a:ln>
             <a:extLst>
               <a:ext uri="{91240B29-F687-4f45-9708-019B960494DF}">
-                <a14:hiddenLine xmlns:a14="http://schemas.microsoft.com/office/drawing/2010/main" xmlns="" w="9525">
+                <a14:hiddenLine xmlns="" xmlns:a14="http://schemas.microsoft.com/office/drawing/2010/main" w="9525">
                   <a:solidFill>
                     <a:srgbClr val="000000"/>
                   </a:solidFill>
@@ -4256,7 +4256,7 @@
             </a:ln>
             <a:extLst>
               <a:ext uri="{91240B29-F687-4f45-9708-019B960494DF}">
-                <a14:hiddenLine xmlns:a14="http://schemas.microsoft.com/office/drawing/2010/main" xmlns="" w="9525">
+                <a14:hiddenLine xmlns="" xmlns:a14="http://schemas.microsoft.com/office/drawing/2010/main" w="9525">
                   <a:solidFill>
                     <a:srgbClr val="000000"/>
                   </a:solidFill>
@@ -4396,7 +4396,7 @@
           <a:p>
             <a:fld id="{78ABE3C1-DBE1-495D-B57B-2849774B866A}" type="datetimeFigureOut">
               <a:rPr lang="en-US" smtClean="0"/>
-              <a:t>5/25/2019</a:t>
+              <a:t>5/26/2019</a:t>
             </a:fld>
             <a:endParaRPr lang="en-US" dirty="0"/>
           </a:p>
@@ -4663,7 +4663,7 @@
           <a:p>
             <a:fld id="{9D6E9DEC-419B-4CC5-A080-3B06BD5A8291}" type="datetimeFigureOut">
               <a:rPr lang="en-US" smtClean="0"/>
-              <a:t>5/25/2019</a:t>
+              <a:t>5/26/2019</a:t>
             </a:fld>
             <a:endParaRPr lang="en-US" dirty="0"/>
           </a:p>
@@ -4861,7 +4861,7 @@
           <a:p>
             <a:fld id="{9D6E9DEC-419B-4CC5-A080-3B06BD5A8291}" type="datetimeFigureOut">
               <a:rPr lang="en-US" smtClean="0"/>
-              <a:t>5/25/2019</a:t>
+              <a:t>5/26/2019</a:t>
             </a:fld>
             <a:endParaRPr lang="en-US" dirty="0"/>
           </a:p>
@@ -5126,7 +5126,7 @@
           <a:p>
             <a:fld id="{9D6E9DEC-419B-4CC5-A080-3B06BD5A8291}" type="datetimeFigureOut">
               <a:rPr lang="en-US" smtClean="0"/>
-              <a:t>5/25/2019</a:t>
+              <a:t>5/26/2019</a:t>
             </a:fld>
             <a:endParaRPr lang="en-US" dirty="0"/>
           </a:p>
@@ -5562,7 +5562,7 @@
           <a:p>
             <a:fld id="{9D6E9DEC-419B-4CC5-A080-3B06BD5A8291}" type="datetimeFigureOut">
               <a:rPr lang="en-US" smtClean="0"/>
-              <a:t>5/25/2019</a:t>
+              <a:t>5/26/2019</a:t>
             </a:fld>
             <a:endParaRPr lang="en-US" dirty="0"/>
           </a:p>
@@ -6110,7 +6110,7 @@
           <a:p>
             <a:fld id="{9D6E9DEC-419B-4CC5-A080-3B06BD5A8291}" type="datetimeFigureOut">
               <a:rPr lang="en-US" smtClean="0"/>
-              <a:t>5/25/2019</a:t>
+              <a:t>5/26/2019</a:t>
             </a:fld>
             <a:endParaRPr lang="en-US" dirty="0"/>
           </a:p>
@@ -6832,7 +6832,7 @@
           <a:p>
             <a:fld id="{9D6E9DEC-419B-4CC5-A080-3B06BD5A8291}" type="datetimeFigureOut">
               <a:rPr lang="en-US" smtClean="0"/>
-              <a:t>5/25/2019</a:t>
+              <a:t>5/26/2019</a:t>
             </a:fld>
             <a:endParaRPr lang="en-US" dirty="0"/>
           </a:p>
@@ -7004,7 +7004,7 @@
           <a:p>
             <a:fld id="{1FA3F48C-C7C6-4055-9F49-3777875E72AE}" type="datetimeFigureOut">
               <a:rPr lang="en-US" smtClean="0"/>
-              <a:t>5/25/2019</a:t>
+              <a:t>5/26/2019</a:t>
             </a:fld>
             <a:endParaRPr lang="en-US" dirty="0"/>
           </a:p>
@@ -7184,7 +7184,7 @@
           <a:p>
             <a:fld id="{6178E61D-D431-422C-9764-11DAFE33AB63}" type="datetimeFigureOut">
               <a:rPr lang="en-US" smtClean="0"/>
-              <a:t>5/25/2019</a:t>
+              <a:t>5/26/2019</a:t>
             </a:fld>
             <a:endParaRPr lang="en-US" dirty="0"/>
           </a:p>
@@ -7355,7 +7355,7 @@
           <a:p>
             <a:fld id="{12DE42F4-6EEF-4EF7-8ED4-2208F0F89A08}" type="datetimeFigureOut">
               <a:rPr lang="en-US" smtClean="0"/>
-              <a:t>5/25/2019</a:t>
+              <a:t>5/26/2019</a:t>
             </a:fld>
             <a:endParaRPr lang="en-US" dirty="0"/>
           </a:p>
@@ -7605,7 +7605,7 @@
           <a:p>
             <a:fld id="{30578ACC-22D6-47C1-A373-4FD133E34F3C}" type="datetimeFigureOut">
               <a:rPr lang="en-US" smtClean="0"/>
-              <a:t>5/25/2019</a:t>
+              <a:t>5/26/2019</a:t>
             </a:fld>
             <a:endParaRPr lang="en-US" dirty="0"/>
           </a:p>
@@ -7837,7 +7837,7 @@
           <a:p>
             <a:fld id="{4E5A6C69-6797-4E8A-BF37-F2C3751466E9}" type="datetimeFigureOut">
               <a:rPr lang="en-US" smtClean="0"/>
-              <a:t>5/25/2019</a:t>
+              <a:t>5/26/2019</a:t>
             </a:fld>
             <a:endParaRPr lang="en-US" dirty="0"/>
           </a:p>
@@ -8218,7 +8218,7 @@
           <a:p>
             <a:fld id="{D82014A1-A632-4878-A0D3-F52BA7563730}" type="datetimeFigureOut">
               <a:rPr lang="en-US" smtClean="0"/>
-              <a:t>5/25/2019</a:t>
+              <a:t>5/26/2019</a:t>
             </a:fld>
             <a:endParaRPr lang="en-US" dirty="0"/>
           </a:p>
@@ -8336,7 +8336,7 @@
           <a:p>
             <a:fld id="{CE99F462-093F-4566-844B-4C71F2739DA5}" type="datetimeFigureOut">
               <a:rPr lang="en-US" smtClean="0"/>
-              <a:t>5/25/2019</a:t>
+              <a:t>5/26/2019</a:t>
             </a:fld>
             <a:endParaRPr lang="en-US" dirty="0"/>
           </a:p>
@@ -8431,7 +8431,7 @@
           <a:p>
             <a:fld id="{3D24A7AC-904D-4781-85BA-7D10C17ED021}" type="datetimeFigureOut">
               <a:rPr lang="en-US" smtClean="0"/>
-              <a:t>5/25/2019</a:t>
+              <a:t>5/26/2019</a:t>
             </a:fld>
             <a:endParaRPr lang="en-US" dirty="0"/>
           </a:p>
@@ -8680,7 +8680,7 @@
           <a:p>
             <a:fld id="{E331444B-B92B-4E27-8C94-BB93EAF5CB18}" type="datetimeFigureOut">
               <a:rPr lang="en-US" smtClean="0"/>
-              <a:t>5/25/2019</a:t>
+              <a:t>5/26/2019</a:t>
             </a:fld>
             <a:endParaRPr lang="en-US" dirty="0"/>
           </a:p>
@@ -8960,7 +8960,7 @@
           <a:p>
             <a:fld id="{363EFA5E-FA76-400D-B3DC-F0BA90E6D107}" type="datetimeFigureOut">
               <a:rPr lang="en-US" smtClean="0"/>
-              <a:t>5/25/2019</a:t>
+              <a:t>5/26/2019</a:t>
             </a:fld>
             <a:endParaRPr lang="en-US" dirty="0"/>
           </a:p>
@@ -9076,7 +9076,7 @@
           <a:noFill/>
           <a:extLst>
             <a:ext uri="{909E8E84-426E-40dd-AFC4-6F175D3DCCD1}">
-              <a14:hiddenFill xmlns:a14="http://schemas.microsoft.com/office/drawing/2010/main" xmlns="">
+              <a14:hiddenFill xmlns="" xmlns:a14="http://schemas.microsoft.com/office/drawing/2010/main">
                 <a:solidFill>
                   <a:srgbClr val="FFFFFF"/>
                 </a:solidFill>
@@ -9150,7 +9150,7 @@
               </a:ln>
               <a:extLst>
                 <a:ext uri="{91240B29-F687-4f45-9708-019B960494DF}">
-                  <a14:hiddenLine xmlns:a14="http://schemas.microsoft.com/office/drawing/2010/main" xmlns="" w="9525">
+                  <a14:hiddenLine xmlns="" xmlns:a14="http://schemas.microsoft.com/office/drawing/2010/main" w="9525">
                     <a:solidFill>
                       <a:srgbClr val="000000"/>
                     </a:solidFill>
@@ -9240,7 +9240,7 @@
               </a:ln>
               <a:extLst>
                 <a:ext uri="{91240B29-F687-4f45-9708-019B960494DF}">
-                  <a14:hiddenLine xmlns:a14="http://schemas.microsoft.com/office/drawing/2010/main" xmlns="" w="9525">
+                  <a14:hiddenLine xmlns="" xmlns:a14="http://schemas.microsoft.com/office/drawing/2010/main" w="9525">
                     <a:solidFill>
                       <a:srgbClr val="000000"/>
                     </a:solidFill>
@@ -9330,7 +9330,7 @@
               </a:ln>
               <a:extLst>
                 <a:ext uri="{91240B29-F687-4f45-9708-019B960494DF}">
-                  <a14:hiddenLine xmlns:a14="http://schemas.microsoft.com/office/drawing/2010/main" xmlns="" w="9525">
+                  <a14:hiddenLine xmlns="" xmlns:a14="http://schemas.microsoft.com/office/drawing/2010/main" w="9525">
                     <a:solidFill>
                       <a:srgbClr val="000000"/>
                     </a:solidFill>
@@ -9392,7 +9392,7 @@
               </a:ln>
               <a:extLst>
                 <a:ext uri="{91240B29-F687-4f45-9708-019B960494DF}">
-                  <a14:hiddenLine xmlns:a14="http://schemas.microsoft.com/office/drawing/2010/main" xmlns="" w="9525">
+                  <a14:hiddenLine xmlns="" xmlns:a14="http://schemas.microsoft.com/office/drawing/2010/main" w="9525">
                     <a:solidFill>
                       <a:srgbClr val="000000"/>
                     </a:solidFill>
@@ -9482,7 +9482,7 @@
               </a:ln>
               <a:extLst>
                 <a:ext uri="{91240B29-F687-4f45-9708-019B960494DF}">
-                  <a14:hiddenLine xmlns:a14="http://schemas.microsoft.com/office/drawing/2010/main" xmlns="" w="9525">
+                  <a14:hiddenLine xmlns="" xmlns:a14="http://schemas.microsoft.com/office/drawing/2010/main" w="9525">
                     <a:solidFill>
                       <a:srgbClr val="000000"/>
                     </a:solidFill>
@@ -9544,7 +9544,7 @@
               </a:ln>
               <a:extLst>
                 <a:ext uri="{91240B29-F687-4f45-9708-019B960494DF}">
-                  <a14:hiddenLine xmlns:a14="http://schemas.microsoft.com/office/drawing/2010/main" xmlns="" w="9525">
+                  <a14:hiddenLine xmlns="" xmlns:a14="http://schemas.microsoft.com/office/drawing/2010/main" w="9525">
                     <a:solidFill>
                       <a:srgbClr val="000000"/>
                     </a:solidFill>
@@ -9606,7 +9606,7 @@
               </a:ln>
               <a:extLst>
                 <a:ext uri="{91240B29-F687-4f45-9708-019B960494DF}">
-                  <a14:hiddenLine xmlns:a14="http://schemas.microsoft.com/office/drawing/2010/main" xmlns="" w="9525">
+                  <a14:hiddenLine xmlns="" xmlns:a14="http://schemas.microsoft.com/office/drawing/2010/main" w="9525">
                     <a:solidFill>
                       <a:srgbClr val="000000"/>
                     </a:solidFill>
@@ -9696,7 +9696,7 @@
               </a:ln>
               <a:extLst>
                 <a:ext uri="{91240B29-F687-4f45-9708-019B960494DF}">
-                  <a14:hiddenLine xmlns:a14="http://schemas.microsoft.com/office/drawing/2010/main" xmlns="" w="9525">
+                  <a14:hiddenLine xmlns="" xmlns:a14="http://schemas.microsoft.com/office/drawing/2010/main" w="9525">
                     <a:solidFill>
                       <a:srgbClr val="000000"/>
                     </a:solidFill>
@@ -9786,7 +9786,7 @@
               </a:ln>
               <a:extLst>
                 <a:ext uri="{91240B29-F687-4f45-9708-019B960494DF}">
-                  <a14:hiddenLine xmlns:a14="http://schemas.microsoft.com/office/drawing/2010/main" xmlns="" w="9525">
+                  <a14:hiddenLine xmlns="" xmlns:a14="http://schemas.microsoft.com/office/drawing/2010/main" w="9525">
                     <a:solidFill>
                       <a:srgbClr val="000000"/>
                     </a:solidFill>
@@ -9848,7 +9848,7 @@
               </a:ln>
               <a:extLst>
                 <a:ext uri="{91240B29-F687-4f45-9708-019B960494DF}">
-                  <a14:hiddenLine xmlns:a14="http://schemas.microsoft.com/office/drawing/2010/main" xmlns="" w="9525">
+                  <a14:hiddenLine xmlns="" xmlns:a14="http://schemas.microsoft.com/office/drawing/2010/main" w="9525">
                     <a:solidFill>
                       <a:srgbClr val="000000"/>
                     </a:solidFill>
@@ -9958,7 +9958,7 @@
               </a:ln>
               <a:extLst>
                 <a:ext uri="{91240B29-F687-4f45-9708-019B960494DF}">
-                  <a14:hiddenLine xmlns:a14="http://schemas.microsoft.com/office/drawing/2010/main" xmlns="" w="9525">
+                  <a14:hiddenLine xmlns="" xmlns:a14="http://schemas.microsoft.com/office/drawing/2010/main" w="9525">
                     <a:solidFill>
                       <a:srgbClr val="000000"/>
                     </a:solidFill>
@@ -10042,7 +10042,7 @@
               </a:ln>
               <a:extLst>
                 <a:ext uri="{91240B29-F687-4f45-9708-019B960494DF}">
-                  <a14:hiddenLine xmlns:a14="http://schemas.microsoft.com/office/drawing/2010/main" xmlns="" w="9525">
+                  <a14:hiddenLine xmlns="" xmlns:a14="http://schemas.microsoft.com/office/drawing/2010/main" w="9525">
                     <a:solidFill>
                       <a:srgbClr val="000000"/>
                     </a:solidFill>
@@ -10104,7 +10104,7 @@
               </a:ln>
               <a:extLst>
                 <a:ext uri="{91240B29-F687-4f45-9708-019B960494DF}">
-                  <a14:hiddenLine xmlns:a14="http://schemas.microsoft.com/office/drawing/2010/main" xmlns="" w="9525">
+                  <a14:hiddenLine xmlns="" xmlns:a14="http://schemas.microsoft.com/office/drawing/2010/main" w="9525">
                     <a:solidFill>
                       <a:srgbClr val="000000"/>
                     </a:solidFill>
@@ -10166,7 +10166,7 @@
               </a:ln>
               <a:extLst>
                 <a:ext uri="{91240B29-F687-4f45-9708-019B960494DF}">
-                  <a14:hiddenLine xmlns:a14="http://schemas.microsoft.com/office/drawing/2010/main" xmlns="" w="9525">
+                  <a14:hiddenLine xmlns="" xmlns:a14="http://schemas.microsoft.com/office/drawing/2010/main" w="9525">
                     <a:solidFill>
                       <a:srgbClr val="000000"/>
                     </a:solidFill>
@@ -10256,7 +10256,7 @@
               </a:ln>
               <a:extLst>
                 <a:ext uri="{91240B29-F687-4f45-9708-019B960494DF}">
-                  <a14:hiddenLine xmlns:a14="http://schemas.microsoft.com/office/drawing/2010/main" xmlns="" w="9525">
+                  <a14:hiddenLine xmlns="" xmlns:a14="http://schemas.microsoft.com/office/drawing/2010/main" w="9525">
                     <a:solidFill>
                       <a:srgbClr val="000000"/>
                     </a:solidFill>
@@ -10290,7 +10290,7 @@
               </a:ln>
               <a:extLst>
                 <a:ext uri="{91240B29-F687-4f45-9708-019B960494DF}">
-                  <a14:hiddenLine xmlns:a14="http://schemas.microsoft.com/office/drawing/2010/main" xmlns="" w="9525">
+                  <a14:hiddenLine xmlns="" xmlns:a14="http://schemas.microsoft.com/office/drawing/2010/main" w="9525">
                     <a:solidFill>
                       <a:srgbClr val="000000"/>
                     </a:solidFill>
@@ -10355,7 +10355,7 @@
               </a:ln>
               <a:extLst>
                 <a:ext uri="{91240B29-F687-4f45-9708-019B960494DF}">
-                  <a14:hiddenLine xmlns:a14="http://schemas.microsoft.com/office/drawing/2010/main" xmlns="" w="9525">
+                  <a14:hiddenLine xmlns="" xmlns:a14="http://schemas.microsoft.com/office/drawing/2010/main" w="9525">
                     <a:solidFill>
                       <a:srgbClr val="000000"/>
                     </a:solidFill>
@@ -10445,7 +10445,7 @@
               </a:ln>
               <a:extLst>
                 <a:ext uri="{91240B29-F687-4f45-9708-019B960494DF}">
-                  <a14:hiddenLine xmlns:a14="http://schemas.microsoft.com/office/drawing/2010/main" xmlns="" w="9525">
+                  <a14:hiddenLine xmlns="" xmlns:a14="http://schemas.microsoft.com/office/drawing/2010/main" w="9525">
                     <a:solidFill>
                       <a:srgbClr val="000000"/>
                     </a:solidFill>
@@ -10507,7 +10507,7 @@
               </a:ln>
               <a:extLst>
                 <a:ext uri="{91240B29-F687-4f45-9708-019B960494DF}">
-                  <a14:hiddenLine xmlns:a14="http://schemas.microsoft.com/office/drawing/2010/main" xmlns="" w="9525">
+                  <a14:hiddenLine xmlns="" xmlns:a14="http://schemas.microsoft.com/office/drawing/2010/main" w="9525">
                     <a:solidFill>
                       <a:srgbClr val="000000"/>
                     </a:solidFill>
@@ -10597,7 +10597,7 @@
               </a:ln>
               <a:extLst>
                 <a:ext uri="{91240B29-F687-4f45-9708-019B960494DF}">
-                  <a14:hiddenLine xmlns:a14="http://schemas.microsoft.com/office/drawing/2010/main" xmlns="" w="9525">
+                  <a14:hiddenLine xmlns="" xmlns:a14="http://schemas.microsoft.com/office/drawing/2010/main" w="9525">
                     <a:solidFill>
                       <a:srgbClr val="000000"/>
                     </a:solidFill>
@@ -10662,7 +10662,7 @@
               </a:ln>
               <a:extLst>
                 <a:ext uri="{91240B29-F687-4f45-9708-019B960494DF}">
-                  <a14:hiddenLine xmlns:a14="http://schemas.microsoft.com/office/drawing/2010/main" xmlns="" w="9525">
+                  <a14:hiddenLine xmlns="" xmlns:a14="http://schemas.microsoft.com/office/drawing/2010/main" w="9525">
                     <a:solidFill>
                       <a:srgbClr val="000000"/>
                     </a:solidFill>
@@ -10724,7 +10724,7 @@
               </a:ln>
               <a:extLst>
                 <a:ext uri="{91240B29-F687-4f45-9708-019B960494DF}">
-                  <a14:hiddenLine xmlns:a14="http://schemas.microsoft.com/office/drawing/2010/main" xmlns="" w="9525">
+                  <a14:hiddenLine xmlns="" xmlns:a14="http://schemas.microsoft.com/office/drawing/2010/main" w="9525">
                     <a:solidFill>
                       <a:srgbClr val="000000"/>
                     </a:solidFill>
@@ -10814,7 +10814,7 @@
               </a:ln>
               <a:extLst>
                 <a:ext uri="{91240B29-F687-4f45-9708-019B960494DF}">
-                  <a14:hiddenLine xmlns:a14="http://schemas.microsoft.com/office/drawing/2010/main" xmlns="" w="9525">
+                  <a14:hiddenLine xmlns="" xmlns:a14="http://schemas.microsoft.com/office/drawing/2010/main" w="9525">
                     <a:solidFill>
                       <a:srgbClr val="000000"/>
                     </a:solidFill>
@@ -10904,7 +10904,7 @@
               </a:ln>
               <a:extLst>
                 <a:ext uri="{91240B29-F687-4f45-9708-019B960494DF}">
-                  <a14:hiddenLine xmlns:a14="http://schemas.microsoft.com/office/drawing/2010/main" xmlns="" w="9525">
+                  <a14:hiddenLine xmlns="" xmlns:a14="http://schemas.microsoft.com/office/drawing/2010/main" w="9525">
                     <a:solidFill>
                       <a:srgbClr val="000000"/>
                     </a:solidFill>
@@ -10969,7 +10969,7 @@
               </a:ln>
               <a:extLst>
                 <a:ext uri="{91240B29-F687-4f45-9708-019B960494DF}">
-                  <a14:hiddenLine xmlns:a14="http://schemas.microsoft.com/office/drawing/2010/main" xmlns="" w="9525">
+                  <a14:hiddenLine xmlns="" xmlns:a14="http://schemas.microsoft.com/office/drawing/2010/main" w="9525">
                     <a:solidFill>
                       <a:srgbClr val="000000"/>
                     </a:solidFill>
@@ -11089,7 +11089,7 @@
               </a:ln>
               <a:extLst>
                 <a:ext uri="{91240B29-F687-4f45-9708-019B960494DF}">
-                  <a14:hiddenLine xmlns:a14="http://schemas.microsoft.com/office/drawing/2010/main" xmlns="" w="9525">
+                  <a14:hiddenLine xmlns="" xmlns:a14="http://schemas.microsoft.com/office/drawing/2010/main" w="9525">
                     <a:solidFill>
                       <a:srgbClr val="000000"/>
                     </a:solidFill>
@@ -11187,7 +11187,7 @@
               </a:ln>
               <a:extLst>
                 <a:ext uri="{91240B29-F687-4f45-9708-019B960494DF}">
-                  <a14:hiddenLine xmlns:a14="http://schemas.microsoft.com/office/drawing/2010/main" xmlns="" w="9525">
+                  <a14:hiddenLine xmlns="" xmlns:a14="http://schemas.microsoft.com/office/drawing/2010/main" w="9525">
                     <a:solidFill>
                       <a:srgbClr val="000000"/>
                     </a:solidFill>
@@ -11302,7 +11302,7 @@
               </a:ln>
               <a:extLst>
                 <a:ext uri="{91240B29-F687-4f45-9708-019B960494DF}">
-                  <a14:hiddenLine xmlns:a14="http://schemas.microsoft.com/office/drawing/2010/main" xmlns="" w="9525">
+                  <a14:hiddenLine xmlns="" xmlns:a14="http://schemas.microsoft.com/office/drawing/2010/main" w="9525">
                     <a:solidFill>
                       <a:srgbClr val="000000"/>
                     </a:solidFill>
@@ -11392,7 +11392,7 @@
               </a:ln>
               <a:extLst>
                 <a:ext uri="{91240B29-F687-4f45-9708-019B960494DF}">
-                  <a14:hiddenLine xmlns:a14="http://schemas.microsoft.com/office/drawing/2010/main" xmlns="" w="9525">
+                  <a14:hiddenLine xmlns="" xmlns:a14="http://schemas.microsoft.com/office/drawing/2010/main" w="9525">
                     <a:solidFill>
                       <a:srgbClr val="000000"/>
                     </a:solidFill>
@@ -11457,7 +11457,7 @@
               </a:ln>
               <a:extLst>
                 <a:ext uri="{91240B29-F687-4f45-9708-019B960494DF}">
-                  <a14:hiddenLine xmlns:a14="http://schemas.microsoft.com/office/drawing/2010/main" xmlns="" w="9525">
+                  <a14:hiddenLine xmlns="" xmlns:a14="http://schemas.microsoft.com/office/drawing/2010/main" w="9525">
                     <a:solidFill>
                       <a:srgbClr val="000000"/>
                     </a:solidFill>
@@ -11547,7 +11547,7 @@
               </a:ln>
               <a:extLst>
                 <a:ext uri="{91240B29-F687-4f45-9708-019B960494DF}">
-                  <a14:hiddenLine xmlns:a14="http://schemas.microsoft.com/office/drawing/2010/main" xmlns="" w="9525">
+                  <a14:hiddenLine xmlns="" xmlns:a14="http://schemas.microsoft.com/office/drawing/2010/main" w="9525">
                     <a:solidFill>
                       <a:srgbClr val="000000"/>
                     </a:solidFill>
@@ -11615,7 +11615,7 @@
               </a:ln>
               <a:extLst>
                 <a:ext uri="{91240B29-F687-4f45-9708-019B960494DF}">
-                  <a14:hiddenLine xmlns:a14="http://schemas.microsoft.com/office/drawing/2010/main" xmlns="" w="9525">
+                  <a14:hiddenLine xmlns="" xmlns:a14="http://schemas.microsoft.com/office/drawing/2010/main" w="9525">
                     <a:solidFill>
                       <a:srgbClr val="000000"/>
                     </a:solidFill>
@@ -11705,7 +11705,7 @@
               </a:ln>
               <a:extLst>
                 <a:ext uri="{91240B29-F687-4f45-9708-019B960494DF}">
-                  <a14:hiddenLine xmlns:a14="http://schemas.microsoft.com/office/drawing/2010/main" xmlns="" w="9525">
+                  <a14:hiddenLine xmlns="" xmlns:a14="http://schemas.microsoft.com/office/drawing/2010/main" w="9525">
                     <a:solidFill>
                       <a:srgbClr val="000000"/>
                     </a:solidFill>
@@ -11773,7 +11773,7 @@
               </a:ln>
               <a:extLst>
                 <a:ext uri="{91240B29-F687-4f45-9708-019B960494DF}">
-                  <a14:hiddenLine xmlns:a14="http://schemas.microsoft.com/office/drawing/2010/main" xmlns="" w="9525">
+                  <a14:hiddenLine xmlns="" xmlns:a14="http://schemas.microsoft.com/office/drawing/2010/main" w="9525">
                     <a:solidFill>
                       <a:srgbClr val="000000"/>
                     </a:solidFill>
@@ -11863,7 +11863,7 @@
               </a:ln>
               <a:extLst>
                 <a:ext uri="{91240B29-F687-4f45-9708-019B960494DF}">
-                  <a14:hiddenLine xmlns:a14="http://schemas.microsoft.com/office/drawing/2010/main" xmlns="" w="9525">
+                  <a14:hiddenLine xmlns="" xmlns:a14="http://schemas.microsoft.com/office/drawing/2010/main" w="9525">
                     <a:solidFill>
                       <a:srgbClr val="000000"/>
                     </a:solidFill>
@@ -11897,7 +11897,7 @@
               </a:ln>
               <a:extLst>
                 <a:ext uri="{91240B29-F687-4f45-9708-019B960494DF}">
-                  <a14:hiddenLine xmlns:a14="http://schemas.microsoft.com/office/drawing/2010/main" xmlns="" w="9525">
+                  <a14:hiddenLine xmlns="" xmlns:a14="http://schemas.microsoft.com/office/drawing/2010/main" w="9525">
                     <a:solidFill>
                       <a:srgbClr val="000000"/>
                     </a:solidFill>
@@ -12037,7 +12037,7 @@
           <a:p>
             <a:fld id="{9D6E9DEC-419B-4CC5-A080-3B06BD5A8291}" type="datetimeFigureOut">
               <a:rPr lang="en-US" smtClean="0"/>
-              <a:t>5/25/2019</a:t>
+              <a:t>5/26/2019</a:t>
             </a:fld>
             <a:endParaRPr lang="en-US" dirty="0"/>
           </a:p>
@@ -13279,13 +13279,13 @@
         </p:nvSpPr>
         <p:spPr>
           <a:xfrm>
-            <a:off x="908919" y="2218340"/>
-            <a:ext cx="10339048" cy="2764294"/>
+            <a:off x="908919" y="2218339"/>
+            <a:ext cx="10339048" cy="3386593"/>
           </a:xfrm>
         </p:spPr>
         <p:txBody>
           <a:bodyPr>
-            <a:normAutofit fontScale="92500" lnSpcReduction="20000"/>
+            <a:normAutofit/>
           </a:bodyPr>
           <a:lstStyle/>
           <a:p>
@@ -13303,55 +13303,416 @@
             </a:r>
           </a:p>
           <a:p>
-            <a:pPr lvl="1"/>
-            <a:r>
-              <a:rPr lang="es-ES" sz="1100" dirty="0" err="1"/>
+            <a:pPr marL="457200" lvl="1" indent="0">
+              <a:buNone/>
+            </a:pPr>
+            <a:endParaRPr lang="es-ES" sz="1100" b="1" dirty="0">
+              <a:solidFill>
+                <a:schemeClr val="bg1">
+                  <a:lumMod val="75000"/>
+                  <a:lumOff val="25000"/>
+                </a:schemeClr>
+              </a:solidFill>
+            </a:endParaRPr>
+          </a:p>
+          <a:p>
+            <a:pPr marL="457200" lvl="1" indent="0">
+              <a:buNone/>
+            </a:pPr>
+            <a:r>
+              <a:rPr lang="es-ES" sz="1100" b="1" dirty="0">
+                <a:solidFill>
+                  <a:schemeClr val="bg1">
+                    <a:lumMod val="75000"/>
+                    <a:lumOff val="25000"/>
+                  </a:schemeClr>
+                </a:solidFill>
+              </a:rPr>
+              <a:t>	</a:t>
+            </a:r>
+            <a:r>
+              <a:rPr lang="es-ES" sz="1100" b="1" dirty="0" err="1">
+                <a:solidFill>
+                  <a:schemeClr val="bg1">
+                    <a:lumMod val="75000"/>
+                    <a:lumOff val="25000"/>
+                  </a:schemeClr>
+                </a:solidFill>
+                <a:effectLst>
+                  <a:outerShdw blurRad="38100" dist="38100" dir="2700000" algn="tl">
+                    <a:srgbClr val="000000">
+                      <a:alpha val="43137"/>
+                    </a:srgbClr>
+                  </a:outerShdw>
+                </a:effectLst>
+              </a:rPr>
               <a:t>mkdir</a:t>
             </a:r>
             <a:r>
-              <a:rPr lang="es-ES" sz="1100" dirty="0"/>
+              <a:rPr lang="es-ES" sz="1100" b="1" dirty="0">
+                <a:solidFill>
+                  <a:schemeClr val="bg1">
+                    <a:lumMod val="75000"/>
+                    <a:lumOff val="25000"/>
+                  </a:schemeClr>
+                </a:solidFill>
+                <a:effectLst>
+                  <a:outerShdw blurRad="38100" dist="38100" dir="2700000" algn="tl">
+                    <a:srgbClr val="000000">
+                      <a:alpha val="43137"/>
+                    </a:srgbClr>
+                  </a:outerShdw>
+                </a:effectLst>
+              </a:rPr>
               <a:t> A-</a:t>
             </a:r>
             <a:r>
-              <a:rPr lang="es-ES" sz="1100" dirty="0" err="1"/>
+              <a:rPr lang="es-ES" sz="1100" b="1" dirty="0" err="1">
+                <a:solidFill>
+                  <a:schemeClr val="bg1">
+                    <a:lumMod val="75000"/>
+                    <a:lumOff val="25000"/>
+                  </a:schemeClr>
+                </a:solidFill>
+                <a:effectLst>
+                  <a:outerShdw blurRad="38100" dist="38100" dir="2700000" algn="tl">
+                    <a:srgbClr val="000000">
+                      <a:alpha val="43137"/>
+                    </a:srgbClr>
+                  </a:outerShdw>
+                </a:effectLst>
+              </a:rPr>
               <a:t>Frame</a:t>
             </a:r>
-            <a:endParaRPr lang="es-ES" sz="1100" dirty="0"/>
-          </a:p>
-          <a:p>
-            <a:pPr lvl="1"/>
-            <a:r>
-              <a:rPr lang="es-ES" sz="1100" dirty="0"/>
-              <a:t>cd A-</a:t>
-            </a:r>
-            <a:r>
-              <a:rPr lang="es-ES" sz="1100" dirty="0" err="1"/>
+            <a:endParaRPr lang="es-ES" sz="1100" b="1" dirty="0">
+              <a:solidFill>
+                <a:schemeClr val="bg1">
+                  <a:lumMod val="75000"/>
+                  <a:lumOff val="25000"/>
+                </a:schemeClr>
+              </a:solidFill>
+              <a:effectLst>
+                <a:outerShdw blurRad="38100" dist="38100" dir="2700000" algn="tl">
+                  <a:srgbClr val="000000">
+                    <a:alpha val="43137"/>
+                  </a:srgbClr>
+                </a:outerShdw>
+              </a:effectLst>
+            </a:endParaRPr>
+          </a:p>
+          <a:p>
+            <a:pPr marL="457200" lvl="1" indent="0">
+              <a:buNone/>
+            </a:pPr>
+            <a:r>
+              <a:rPr lang="es-ES" sz="1100" b="1" dirty="0">
+                <a:solidFill>
+                  <a:schemeClr val="bg1">
+                    <a:lumMod val="75000"/>
+                    <a:lumOff val="25000"/>
+                  </a:schemeClr>
+                </a:solidFill>
+                <a:effectLst>
+                  <a:outerShdw blurRad="38100" dist="38100" dir="2700000" algn="tl">
+                    <a:srgbClr val="000000">
+                      <a:alpha val="43137"/>
+                    </a:srgbClr>
+                  </a:outerShdw>
+                </a:effectLst>
+              </a:rPr>
+              <a:t>	cd A-</a:t>
+            </a:r>
+            <a:r>
+              <a:rPr lang="es-ES" sz="1100" b="1" dirty="0" err="1">
+                <a:solidFill>
+                  <a:schemeClr val="bg1">
+                    <a:lumMod val="75000"/>
+                    <a:lumOff val="25000"/>
+                  </a:schemeClr>
+                </a:solidFill>
+                <a:effectLst>
+                  <a:outerShdw blurRad="38100" dist="38100" dir="2700000" algn="tl">
+                    <a:srgbClr val="000000">
+                      <a:alpha val="43137"/>
+                    </a:srgbClr>
+                  </a:outerShdw>
+                </a:effectLst>
+              </a:rPr>
               <a:t>Frame</a:t>
             </a:r>
-            <a:endParaRPr lang="es-ES" sz="1100" dirty="0"/>
-          </a:p>
-          <a:p>
-            <a:pPr lvl="1"/>
-            <a:r>
-              <a:rPr lang="es-ES" sz="1100" dirty="0" err="1"/>
+            <a:endParaRPr lang="es-ES" sz="1100" b="1" dirty="0">
+              <a:solidFill>
+                <a:schemeClr val="bg1">
+                  <a:lumMod val="75000"/>
+                  <a:lumOff val="25000"/>
+                </a:schemeClr>
+              </a:solidFill>
+              <a:effectLst>
+                <a:outerShdw blurRad="38100" dist="38100" dir="2700000" algn="tl">
+                  <a:srgbClr val="000000">
+                    <a:alpha val="43137"/>
+                  </a:srgbClr>
+                </a:outerShdw>
+              </a:effectLst>
+            </a:endParaRPr>
+          </a:p>
+          <a:p>
+            <a:pPr marL="457200" lvl="1" indent="0">
+              <a:buNone/>
+            </a:pPr>
+            <a:r>
+              <a:rPr lang="es-ES" sz="1100" b="1" dirty="0">
+                <a:solidFill>
+                  <a:schemeClr val="bg1">
+                    <a:lumMod val="75000"/>
+                    <a:lumOff val="25000"/>
+                  </a:schemeClr>
+                </a:solidFill>
+                <a:effectLst>
+                  <a:outerShdw blurRad="38100" dist="38100" dir="2700000" algn="tl">
+                    <a:srgbClr val="000000">
+                      <a:alpha val="43137"/>
+                    </a:srgbClr>
+                  </a:outerShdw>
+                </a:effectLst>
+              </a:rPr>
+              <a:t>	</a:t>
+            </a:r>
+            <a:r>
+              <a:rPr lang="es-ES" sz="1100" b="1" dirty="0" err="1">
+                <a:solidFill>
+                  <a:schemeClr val="bg1">
+                    <a:lumMod val="75000"/>
+                    <a:lumOff val="25000"/>
+                  </a:schemeClr>
+                </a:solidFill>
+                <a:effectLst>
+                  <a:outerShdw blurRad="38100" dist="38100" dir="2700000" algn="tl">
+                    <a:srgbClr val="000000">
+                      <a:alpha val="43137"/>
+                    </a:srgbClr>
+                  </a:outerShdw>
+                </a:effectLst>
+              </a:rPr>
+              <a:t>mkdir</a:t>
+            </a:r>
+            <a:r>
+              <a:rPr lang="es-ES" sz="1100" b="1" dirty="0">
+                <a:solidFill>
+                  <a:schemeClr val="bg1">
+                    <a:lumMod val="75000"/>
+                    <a:lumOff val="25000"/>
+                  </a:schemeClr>
+                </a:solidFill>
+                <a:effectLst>
+                  <a:outerShdw blurRad="38100" dist="38100" dir="2700000" algn="tl">
+                    <a:srgbClr val="000000">
+                      <a:alpha val="43137"/>
+                    </a:srgbClr>
+                  </a:outerShdw>
+                </a:effectLst>
+              </a:rPr>
+              <a:t> </a:t>
+            </a:r>
+            <a:r>
+              <a:rPr lang="es-ES" sz="1100" b="1" dirty="0" err="1">
+                <a:solidFill>
+                  <a:schemeClr val="bg1">
+                    <a:lumMod val="75000"/>
+                    <a:lumOff val="25000"/>
+                  </a:schemeClr>
+                </a:solidFill>
+                <a:effectLst>
+                  <a:outerShdw blurRad="38100" dist="38100" dir="2700000" algn="tl">
+                    <a:srgbClr val="000000">
+                      <a:alpha val="43137"/>
+                    </a:srgbClr>
+                  </a:outerShdw>
+                </a:effectLst>
+              </a:rPr>
+              <a:t>img</a:t>
+            </a:r>
+            <a:r>
+              <a:rPr lang="es-ES" sz="1100" b="1" dirty="0">
+                <a:solidFill>
+                  <a:schemeClr val="bg1">
+                    <a:lumMod val="75000"/>
+                    <a:lumOff val="25000"/>
+                  </a:schemeClr>
+                </a:solidFill>
+                <a:effectLst>
+                  <a:outerShdw blurRad="38100" dist="38100" dir="2700000" algn="tl">
+                    <a:srgbClr val="000000">
+                      <a:alpha val="43137"/>
+                    </a:srgbClr>
+                  </a:outerShdw>
+                </a:effectLst>
+              </a:rPr>
+              <a:t> </a:t>
+            </a:r>
+            <a:r>
+              <a:rPr lang="es-ES" sz="1100" b="1" dirty="0" err="1">
+                <a:solidFill>
+                  <a:schemeClr val="bg1">
+                    <a:lumMod val="75000"/>
+                    <a:lumOff val="25000"/>
+                  </a:schemeClr>
+                </a:solidFill>
+                <a:effectLst>
+                  <a:outerShdw blurRad="38100" dist="38100" dir="2700000" algn="tl">
+                    <a:srgbClr val="000000">
+                      <a:alpha val="43137"/>
+                    </a:srgbClr>
+                  </a:outerShdw>
+                </a:effectLst>
+              </a:rPr>
+              <a:t>js</a:t>
+            </a:r>
+            <a:r>
+              <a:rPr lang="es-ES" sz="1100" b="1" dirty="0">
+                <a:solidFill>
+                  <a:schemeClr val="bg1">
+                    <a:lumMod val="75000"/>
+                    <a:lumOff val="25000"/>
+                  </a:schemeClr>
+                </a:solidFill>
+                <a:effectLst>
+                  <a:outerShdw blurRad="38100" dist="38100" dir="2700000" algn="tl">
+                    <a:srgbClr val="000000">
+                      <a:alpha val="43137"/>
+                    </a:srgbClr>
+                  </a:outerShdw>
+                </a:effectLst>
+              </a:rPr>
+              <a:t> </a:t>
+            </a:r>
+            <a:r>
+              <a:rPr lang="es-ES" sz="1100" b="1" dirty="0" err="1">
+                <a:solidFill>
+                  <a:schemeClr val="bg1">
+                    <a:lumMod val="75000"/>
+                    <a:lumOff val="25000"/>
+                  </a:schemeClr>
+                </a:solidFill>
+                <a:effectLst>
+                  <a:outerShdw blurRad="38100" dist="38100" dir="2700000" algn="tl">
+                    <a:srgbClr val="000000">
+                      <a:alpha val="43137"/>
+                    </a:srgbClr>
+                  </a:outerShdw>
+                </a:effectLst>
+              </a:rPr>
+              <a:t>models</a:t>
+            </a:r>
+            <a:r>
+              <a:rPr lang="es-ES" sz="1100" b="1" dirty="0">
+                <a:solidFill>
+                  <a:schemeClr val="bg1">
+                    <a:lumMod val="75000"/>
+                    <a:lumOff val="25000"/>
+                  </a:schemeClr>
+                </a:solidFill>
+                <a:effectLst>
+                  <a:outerShdw blurRad="38100" dist="38100" dir="2700000" algn="tl">
+                    <a:srgbClr val="000000">
+                      <a:alpha val="43137"/>
+                    </a:srgbClr>
+                  </a:outerShdw>
+                </a:effectLst>
+              </a:rPr>
+              <a:t> </a:t>
+            </a:r>
+          </a:p>
+          <a:p>
+            <a:pPr marL="457200" lvl="1" indent="0">
+              <a:buNone/>
+            </a:pPr>
+            <a:r>
+              <a:rPr lang="es-ES" sz="1100" b="1" dirty="0">
+                <a:solidFill>
+                  <a:schemeClr val="bg1">
+                    <a:lumMod val="75000"/>
+                    <a:lumOff val="25000"/>
+                  </a:schemeClr>
+                </a:solidFill>
+                <a:effectLst>
+                  <a:outerShdw blurRad="38100" dist="38100" dir="2700000" algn="tl">
+                    <a:srgbClr val="000000">
+                      <a:alpha val="43137"/>
+                    </a:srgbClr>
+                  </a:outerShdw>
+                </a:effectLst>
+              </a:rPr>
+              <a:t>	</a:t>
+            </a:r>
+            <a:r>
+              <a:rPr lang="es-ES" sz="1100" b="1" dirty="0" err="1">
+                <a:solidFill>
+                  <a:schemeClr val="bg1">
+                    <a:lumMod val="75000"/>
+                    <a:lumOff val="25000"/>
+                  </a:schemeClr>
+                </a:solidFill>
+                <a:effectLst>
+                  <a:outerShdw blurRad="38100" dist="38100" dir="2700000" algn="tl">
+                    <a:srgbClr val="000000">
+                      <a:alpha val="43137"/>
+                    </a:srgbClr>
+                  </a:outerShdw>
+                </a:effectLst>
+              </a:rPr>
               <a:t>makefile</a:t>
             </a:r>
             <a:r>
-              <a:rPr lang="es-ES" sz="1100" dirty="0"/>
+              <a:rPr lang="es-ES" sz="1100" b="1" dirty="0">
+                <a:solidFill>
+                  <a:schemeClr val="bg1">
+                    <a:lumMod val="75000"/>
+                    <a:lumOff val="25000"/>
+                  </a:schemeClr>
+                </a:solidFill>
+                <a:effectLst>
+                  <a:outerShdw blurRad="38100" dist="38100" dir="2700000" algn="tl">
+                    <a:srgbClr val="000000">
+                      <a:alpha val="43137"/>
+                    </a:srgbClr>
+                  </a:outerShdw>
+                </a:effectLst>
+              </a:rPr>
               <a:t> index.html</a:t>
             </a:r>
           </a:p>
           <a:p>
-            <a:pPr lvl="1"/>
-            <a:endParaRPr lang="es-ES" sz="1000" dirty="0"/>
-          </a:p>
-          <a:p>
-            <a:pPr lvl="1"/>
-            <a:endParaRPr lang="es-ES" sz="1000" dirty="0"/>
-          </a:p>
-          <a:p>
-            <a:pPr lvl="1"/>
-            <a:endParaRPr lang="es-ES" sz="1000" dirty="0"/>
+            <a:pPr marL="457200" lvl="1" indent="0">
+              <a:buNone/>
+            </a:pPr>
+            <a:r>
+              <a:rPr lang="es-ES" sz="1100" b="1" dirty="0">
+                <a:solidFill>
+                  <a:schemeClr val="bg1">
+                    <a:lumMod val="75000"/>
+                    <a:lumOff val="25000"/>
+                  </a:schemeClr>
+                </a:solidFill>
+                <a:effectLst>
+                  <a:outerShdw blurRad="38100" dist="38100" dir="2700000" algn="tl">
+                    <a:srgbClr val="000000">
+                      <a:alpha val="43137"/>
+                    </a:srgbClr>
+                  </a:outerShdw>
+                </a:effectLst>
+              </a:rPr>
+              <a:t>	</a:t>
+            </a:r>
+            <a:endParaRPr lang="es-ES" sz="1000" b="1" dirty="0">
+              <a:effectLst>
+                <a:outerShdw blurRad="38100" dist="38100" dir="2700000" algn="tl">
+                  <a:srgbClr val="000000">
+                    <a:alpha val="43137"/>
+                  </a:srgbClr>
+                </a:outerShdw>
+              </a:effectLst>
+            </a:endParaRPr>
           </a:p>
           <a:p>
             <a:r>
@@ -13388,7 +13749,7 @@
         </p:blipFill>
         <p:spPr>
           <a:xfrm>
-            <a:off x="7540628" y="3876434"/>
+            <a:off x="7599895" y="4545301"/>
             <a:ext cx="2081503" cy="1557555"/>
           </a:xfrm>
         </p:spPr>
@@ -13500,7 +13861,7 @@
                                         <p:tgtEl>
                                           <p:spTgt spid="3">
                                             <p:txEl>
-                                              <p:pRg st="1" end="1"/>
+                                              <p:pRg st="2" end="2"/>
                                             </p:txEl>
                                           </p:spTgt>
                                         </p:tgtEl>
@@ -13518,7 +13879,7 @@
                                         <p:tgtEl>
                                           <p:spTgt spid="3">
                                             <p:txEl>
-                                              <p:pRg st="1" end="1"/>
+                                              <p:pRg st="2" end="2"/>
                                             </p:txEl>
                                           </p:spTgt>
                                         </p:tgtEl>
@@ -13561,7 +13922,7 @@
                                         <p:tgtEl>
                                           <p:spTgt spid="3">
                                             <p:txEl>
-                                              <p:pRg st="2" end="2"/>
+                                              <p:pRg st="3" end="3"/>
                                             </p:txEl>
                                           </p:spTgt>
                                         </p:tgtEl>
@@ -13579,7 +13940,7 @@
                                         <p:tgtEl>
                                           <p:spTgt spid="3">
                                             <p:txEl>
-                                              <p:pRg st="2" end="2"/>
+                                              <p:pRg st="3" end="3"/>
                                             </p:txEl>
                                           </p:spTgt>
                                         </p:tgtEl>
@@ -13622,7 +13983,7 @@
                                         <p:tgtEl>
                                           <p:spTgt spid="3">
                                             <p:txEl>
-                                              <p:pRg st="3" end="3"/>
+                                              <p:pRg st="4" end="4"/>
                                             </p:txEl>
                                           </p:spTgt>
                                         </p:tgtEl>
@@ -13640,7 +14001,7 @@
                                         <p:tgtEl>
                                           <p:spTgt spid="3">
                                             <p:txEl>
-                                              <p:pRg st="3" end="3"/>
+                                              <p:pRg st="4" end="4"/>
                                             </p:txEl>
                                           </p:spTgt>
                                         </p:tgtEl>
@@ -13683,7 +14044,7 @@
                                         <p:tgtEl>
                                           <p:spTgt spid="3">
                                             <p:txEl>
-                                              <p:pRg st="7" end="7"/>
+                                              <p:pRg st="5" end="5"/>
                                             </p:txEl>
                                           </p:spTgt>
                                         </p:tgtEl>
@@ -13701,7 +14062,7 @@
                                         <p:tgtEl>
                                           <p:spTgt spid="3">
                                             <p:txEl>
-                                              <p:pRg st="7" end="7"/>
+                                              <p:pRg st="5" end="5"/>
                                             </p:txEl>
                                           </p:spTgt>
                                         </p:tgtEl>
@@ -13742,6 +14103,128 @@
                                           </p:stCondLst>
                                         </p:cTn>
                                         <p:tgtEl>
+                                          <p:spTgt spid="3">
+                                            <p:txEl>
+                                              <p:pRg st="6" end="6"/>
+                                            </p:txEl>
+                                          </p:spTgt>
+                                        </p:tgtEl>
+                                        <p:attrNameLst>
+                                          <p:attrName>style.visibility</p:attrName>
+                                        </p:attrNameLst>
+                                      </p:cBhvr>
+                                      <p:to>
+                                        <p:strVal val="visible"/>
+                                      </p:to>
+                                    </p:set>
+                                    <p:animEffect transition="in" filter="fade">
+                                      <p:cBhvr>
+                                        <p:cTn id="32" dur="500"/>
+                                        <p:tgtEl>
+                                          <p:spTgt spid="3">
+                                            <p:txEl>
+                                              <p:pRg st="6" end="6"/>
+                                            </p:txEl>
+                                          </p:spTgt>
+                                        </p:tgtEl>
+                                      </p:cBhvr>
+                                    </p:animEffect>
+                                  </p:childTnLst>
+                                </p:cTn>
+                              </p:par>
+                            </p:childTnLst>
+                          </p:cTn>
+                        </p:par>
+                      </p:childTnLst>
+                    </p:cTn>
+                  </p:par>
+                  <p:par>
+                    <p:cTn id="33" fill="hold">
+                      <p:stCondLst>
+                        <p:cond delay="indefinite"/>
+                      </p:stCondLst>
+                      <p:childTnLst>
+                        <p:par>
+                          <p:cTn id="34" fill="hold">
+                            <p:stCondLst>
+                              <p:cond delay="0"/>
+                            </p:stCondLst>
+                            <p:childTnLst>
+                              <p:par>
+                                <p:cTn id="35" presetID="10" presetClass="entr" presetSubtype="0" fill="hold" nodeType="clickEffect">
+                                  <p:stCondLst>
+                                    <p:cond delay="0"/>
+                                  </p:stCondLst>
+                                  <p:childTnLst>
+                                    <p:set>
+                                      <p:cBhvr>
+                                        <p:cTn id="36" dur="1" fill="hold">
+                                          <p:stCondLst>
+                                            <p:cond delay="0"/>
+                                          </p:stCondLst>
+                                        </p:cTn>
+                                        <p:tgtEl>
+                                          <p:spTgt spid="3">
+                                            <p:txEl>
+                                              <p:pRg st="7" end="7"/>
+                                            </p:txEl>
+                                          </p:spTgt>
+                                        </p:tgtEl>
+                                        <p:attrNameLst>
+                                          <p:attrName>style.visibility</p:attrName>
+                                        </p:attrNameLst>
+                                      </p:cBhvr>
+                                      <p:to>
+                                        <p:strVal val="visible"/>
+                                      </p:to>
+                                    </p:set>
+                                    <p:animEffect transition="in" filter="fade">
+                                      <p:cBhvr>
+                                        <p:cTn id="37" dur="500"/>
+                                        <p:tgtEl>
+                                          <p:spTgt spid="3">
+                                            <p:txEl>
+                                              <p:pRg st="7" end="7"/>
+                                            </p:txEl>
+                                          </p:spTgt>
+                                        </p:tgtEl>
+                                      </p:cBhvr>
+                                    </p:animEffect>
+                                  </p:childTnLst>
+                                </p:cTn>
+                              </p:par>
+                            </p:childTnLst>
+                          </p:cTn>
+                        </p:par>
+                      </p:childTnLst>
+                    </p:cTn>
+                  </p:par>
+                  <p:par>
+                    <p:cTn id="38" fill="hold">
+                      <p:stCondLst>
+                        <p:cond delay="indefinite"/>
+                      </p:stCondLst>
+                      <p:childTnLst>
+                        <p:par>
+                          <p:cTn id="39" fill="hold">
+                            <p:stCondLst>
+                              <p:cond delay="0"/>
+                            </p:stCondLst>
+                            <p:childTnLst>
+                              <p:par>
+                                <p:cTn id="40" presetID="10" presetClass="entr" presetSubtype="0" fill="hold" nodeType="clickEffect">
+                                  <p:stCondLst>
+                                    <p:cond delay="0"/>
+                                  </p:stCondLst>
+                                  <p:childTnLst>
+                                    <p:set>
+                                      <p:cBhvr>
+                                        <p:cTn id="41" dur="1" fill="hold">
+                                          <p:stCondLst>
+                                            <p:cond delay="0"/>
+                                          </p:stCondLst>
+                                        </p:cTn>
+                                        <p:tgtEl>
                                           <p:spTgt spid="7"/>
                                         </p:tgtEl>
                                         <p:attrNameLst>
@@ -13754,7 +14237,7 @@
                                     </p:set>
                                     <p:animEffect transition="in" filter="fade">
                                       <p:cBhvr>
-                                        <p:cTn id="32" dur="500"/>
+                                        <p:cTn id="42" dur="500"/>
                                         <p:tgtEl>
                                           <p:spTgt spid="7"/>
                                         </p:tgtEl>
@@ -13901,8 +14384,8 @@
               <a:rPr lang="en-US" sz="1200" b="1" dirty="0">
                 <a:solidFill>
                   <a:schemeClr val="bg1">
-                    <a:lumMod val="95000"/>
-                    <a:lumOff val="5000"/>
+                    <a:lumMod val="75000"/>
+                    <a:lumOff val="25000"/>
                   </a:schemeClr>
                 </a:solidFill>
               </a:rPr>
@@ -13917,8 +14400,8 @@
               <a:rPr lang="en-US" sz="1200" b="1" dirty="0">
                 <a:solidFill>
                   <a:schemeClr val="bg1">
-                    <a:lumMod val="95000"/>
-                    <a:lumOff val="5000"/>
+                    <a:lumMod val="75000"/>
+                    <a:lumOff val="25000"/>
                   </a:schemeClr>
                 </a:solidFill>
               </a:rPr>
@@ -13928,8 +14411,8 @@
               <a:rPr lang="en-US" sz="1200" b="1" dirty="0" err="1">
                 <a:solidFill>
                   <a:schemeClr val="bg1">
-                    <a:lumMod val="95000"/>
-                    <a:lumOff val="5000"/>
+                    <a:lumMod val="75000"/>
+                    <a:lumOff val="25000"/>
                   </a:schemeClr>
                 </a:solidFill>
               </a:rPr>
@@ -13939,8 +14422,8 @@
               <a:rPr lang="en-US" sz="1200" b="1" dirty="0">
                 <a:solidFill>
                   <a:schemeClr val="bg1">
-                    <a:lumMod val="95000"/>
-                    <a:lumOff val="5000"/>
+                    <a:lumMod val="75000"/>
+                    <a:lumOff val="25000"/>
                   </a:schemeClr>
                 </a:solidFill>
               </a:rPr>
@@ -14009,8 +14492,8 @@
               <a:rPr lang="en-US" sz="1400" b="1" dirty="0">
                 <a:solidFill>
                   <a:schemeClr val="bg1">
-                    <a:lumMod val="95000"/>
-                    <a:lumOff val="5000"/>
+                    <a:lumMod val="75000"/>
+                    <a:lumOff val="25000"/>
                   </a:schemeClr>
                 </a:solidFill>
               </a:rPr>
@@ -14025,8 +14508,8 @@
               <a:rPr lang="en-US" sz="1400" b="1" dirty="0">
                 <a:solidFill>
                   <a:schemeClr val="bg1">
-                    <a:lumMod val="95000"/>
-                    <a:lumOff val="5000"/>
+                    <a:lumMod val="75000"/>
+                    <a:lumOff val="25000"/>
                   </a:schemeClr>
                 </a:solidFill>
               </a:rPr>
@@ -14041,8 +14524,8 @@
               <a:rPr lang="en-US" sz="1400" b="1" dirty="0">
                 <a:solidFill>
                   <a:schemeClr val="bg1">
-                    <a:lumMod val="95000"/>
-                    <a:lumOff val="5000"/>
+                    <a:lumMod val="75000"/>
+                    <a:lumOff val="25000"/>
                   </a:schemeClr>
                 </a:solidFill>
               </a:rPr>
@@ -14114,7 +14597,7 @@
             </a:r>
             <a:r>
               <a:rPr lang="en-US" sz="1800" dirty="0"/>
-              <a:t> </a:t>
+              <a:t>, </a:t>
             </a:r>
             <a:r>
               <a:rPr lang="en-US" sz="1800" dirty="0" err="1"/>
@@ -14134,7 +14617,11 @@
             </a:r>
             <a:r>
               <a:rPr lang="en-US" sz="1800" u="sng" dirty="0"/>
-              <a:t>&lt;a-entity&gt;.</a:t>
+              <a:t>&lt;a-entity&gt;</a:t>
+            </a:r>
+            <a:r>
+              <a:rPr lang="en-US" sz="1800" dirty="0"/>
+              <a:t>.</a:t>
             </a:r>
           </a:p>
           <a:p>
@@ -14672,7 +15159,7 @@
         </p:nvSpPr>
         <p:spPr>
           <a:xfrm>
-            <a:off x="680319" y="2336873"/>
+            <a:off x="850881" y="2298970"/>
             <a:ext cx="10237448" cy="3599316"/>
           </a:xfrm>
         </p:spPr>
@@ -14715,20 +15202,35 @@
             <a:pPr marL="0" indent="0">
               <a:buNone/>
             </a:pPr>
-            <a:endParaRPr lang="es-ES" sz="1400" dirty="0"/>
+            <a:endParaRPr lang="es-ES" sz="1400" b="1" dirty="0">
+              <a:effectLst>
+                <a:outerShdw blurRad="38100" dist="38100" dir="2700000" algn="tl">
+                  <a:srgbClr val="000000">
+                    <a:alpha val="43137"/>
+                  </a:srgbClr>
+                </a:outerShdw>
+              </a:effectLst>
+            </a:endParaRPr>
           </a:p>
           <a:p>
             <a:pPr marL="457200" lvl="1" indent="0">
               <a:buNone/>
             </a:pPr>
             <a:r>
-              <a:rPr lang="en-US" sz="1250" dirty="0">
+              <a:rPr lang="en-US" sz="1250" b="1" dirty="0">
                 <a:solidFill>
                   <a:schemeClr val="bg1">
                     <a:lumMod val="75000"/>
                     <a:lumOff val="25000"/>
                   </a:schemeClr>
                 </a:solidFill>
+                <a:effectLst>
+                  <a:outerShdw blurRad="38100" dist="38100" dir="2700000" algn="tl">
+                    <a:srgbClr val="000000">
+                      <a:alpha val="43137"/>
+                    </a:srgbClr>
+                  </a:outerShdw>
+                </a:effectLst>
               </a:rPr>
               <a:t>&lt;body&gt;</a:t>
             </a:r>
@@ -14738,13 +15240,20 @@
               <a:buNone/>
             </a:pPr>
             <a:r>
-              <a:rPr lang="en-US" sz="1250" dirty="0">
+              <a:rPr lang="en-US" sz="1250" b="1" dirty="0">
                 <a:solidFill>
                   <a:schemeClr val="bg1">
                     <a:lumMod val="75000"/>
                     <a:lumOff val="25000"/>
                   </a:schemeClr>
                 </a:solidFill>
+                <a:effectLst>
+                  <a:outerShdw blurRad="38100" dist="38100" dir="2700000" algn="tl">
+                    <a:srgbClr val="000000">
+                      <a:alpha val="43137"/>
+                    </a:srgbClr>
+                  </a:outerShdw>
+                </a:effectLst>
               </a:rPr>
               <a:t>     &lt;a-scene&gt;</a:t>
             </a:r>
@@ -14754,13 +15263,20 @@
               <a:buNone/>
             </a:pPr>
             <a:r>
-              <a:rPr lang="en-US" sz="1250" dirty="0">
+              <a:rPr lang="en-US" sz="1250" b="1" dirty="0">
                 <a:solidFill>
                   <a:schemeClr val="bg1">
                     <a:lumMod val="75000"/>
                     <a:lumOff val="25000"/>
                   </a:schemeClr>
                 </a:solidFill>
+                <a:effectLst>
+                  <a:outerShdw blurRad="38100" dist="38100" dir="2700000" algn="tl">
+                    <a:srgbClr val="000000">
+                      <a:alpha val="43137"/>
+                    </a:srgbClr>
+                  </a:outerShdw>
+                </a:effectLst>
               </a:rPr>
               <a:t>           &lt;a-box position="-1 0.5 -3" rotation="0 45 0" color="#4CC3D9"&gt;   &lt;/a-box&gt;</a:t>
             </a:r>
@@ -14770,13 +15286,20 @@
               <a:buNone/>
             </a:pPr>
             <a:r>
-              <a:rPr lang="en-US" sz="1250" dirty="0">
+              <a:rPr lang="en-US" sz="1250" b="1" dirty="0">
                 <a:solidFill>
                   <a:schemeClr val="bg1">
                     <a:lumMod val="75000"/>
                     <a:lumOff val="25000"/>
                   </a:schemeClr>
                 </a:solidFill>
+                <a:effectLst>
+                  <a:outerShdw blurRad="38100" dist="38100" dir="2700000" algn="tl">
+                    <a:srgbClr val="000000">
+                      <a:alpha val="43137"/>
+                    </a:srgbClr>
+                  </a:outerShdw>
+                </a:effectLst>
               </a:rPr>
               <a:t>           &lt;a-sphere position="0 1.25 -5" radius="1.25" color="#EF2D5E"&gt;    &lt;/a-sphere&gt;</a:t>
             </a:r>
@@ -15453,7 +15976,7 @@
         </p:spPr>
         <p:txBody>
           <a:bodyPr>
-            <a:normAutofit fontScale="55000" lnSpcReduction="20000"/>
+            <a:normAutofit fontScale="47500" lnSpcReduction="20000"/>
           </a:bodyPr>
           <a:lstStyle/>
           <a:p>
@@ -15480,8 +16003,36 @@
           <a:p>
             <a:pPr lvl="1"/>
             <a:r>
+              <a:rPr lang="es-ES" sz="2500" dirty="0"/>
+              <a:t>Para cargar una imagen primero hay que declararla dentro de la zona de </a:t>
+            </a:r>
+            <a:r>
+              <a:rPr lang="es-ES" sz="2500" dirty="0" err="1"/>
+              <a:t>assets</a:t>
+            </a:r>
+            <a:r>
+              <a:rPr lang="es-ES" sz="2500" dirty="0"/>
+              <a:t>. Todos los elementos externos que se introducen en A-</a:t>
+            </a:r>
+            <a:r>
+              <a:rPr lang="es-ES" sz="2500" dirty="0" err="1"/>
+              <a:t>Frame</a:t>
+            </a:r>
+            <a:r>
+              <a:rPr lang="es-ES" sz="2500" dirty="0"/>
+              <a:t> deben de declararse primero en esta zona que A-</a:t>
+            </a:r>
+            <a:r>
+              <a:rPr lang="es-ES" sz="2500" dirty="0" err="1"/>
+              <a:t>Frame</a:t>
+            </a:r>
+            <a:r>
+              <a:rPr lang="es-ES" sz="2500" dirty="0"/>
+              <a:t> la identifica como </a:t>
+            </a:r>
+            <a:r>
               <a:rPr lang="es-ES" sz="2500" i="1" dirty="0"/>
-              <a:t>Para cargar una imagen primero hay que declararla dentro de la zona de </a:t>
+              <a:t>&lt;a-</a:t>
             </a:r>
             <a:r>
               <a:rPr lang="es-ES" sz="2500" i="1" dirty="0" err="1"/>
@@ -15489,23 +16040,7 @@
             </a:r>
             <a:r>
               <a:rPr lang="es-ES" sz="2500" i="1" dirty="0"/>
-              <a:t>. Todos los elementos externos que se introducen en A-</a:t>
-            </a:r>
-            <a:r>
-              <a:rPr lang="es-ES" sz="2500" i="1" dirty="0" err="1"/>
-              <a:t>Frame</a:t>
-            </a:r>
-            <a:r>
-              <a:rPr lang="es-ES" sz="2500" i="1" dirty="0"/>
-              <a:t> deben de declararse primero en esta zona que A-</a:t>
-            </a:r>
-            <a:r>
-              <a:rPr lang="es-ES" sz="2500" i="1" dirty="0" err="1"/>
-              <a:t>Frame</a:t>
-            </a:r>
-            <a:r>
-              <a:rPr lang="es-ES" sz="2500" i="1" dirty="0"/>
-              <a:t> la identifica con el tag &lt;a-</a:t>
+              <a:t>&gt; &lt;/</a:t>
             </a:r>
             <a:r>
               <a:rPr lang="es-ES" sz="2500" i="1" dirty="0" err="1"/>
@@ -15513,37 +16048,33 @@
             </a:r>
             <a:r>
               <a:rPr lang="es-ES" sz="2500" i="1" dirty="0"/>
-              <a:t>&gt; &lt;/</a:t>
+              <a:t>&gt;.</a:t>
+            </a:r>
+          </a:p>
+          <a:p>
+            <a:pPr lvl="1"/>
+            <a:r>
+              <a:rPr lang="es-ES" sz="2500" dirty="0"/>
+              <a:t>Cuando se crea un </a:t>
             </a:r>
             <a:r>
               <a:rPr lang="es-ES" sz="2500" i="1" dirty="0" err="1"/>
-              <a:t>assets</a:t>
+              <a:t>asset</a:t>
+            </a:r>
+            <a:r>
+              <a:rPr lang="es-ES" sz="2500" dirty="0"/>
+              <a:t> se le debe dar un identificador, para posteriormente poder llamarlo en la parte de la escena que se desee.</a:t>
+            </a:r>
+          </a:p>
+          <a:p>
+            <a:pPr lvl="1"/>
+            <a:r>
+              <a:rPr lang="es-ES" sz="2500" dirty="0"/>
+              <a:t>En el siguiente ejemplo se muestra como declarar la imagen e invocarla posteriormente con unos valores de tamaño y posición concretos</a:t>
             </a:r>
             <a:r>
               <a:rPr lang="es-ES" sz="2500" i="1" dirty="0"/>
-              <a:t>&gt;.</a:t>
-            </a:r>
-          </a:p>
-          <a:p>
-            <a:pPr lvl="1"/>
-            <a:r>
-              <a:rPr lang="es-ES" sz="2500" i="1" dirty="0"/>
-              <a:t>Cuando se crea un </a:t>
-            </a:r>
-            <a:r>
-              <a:rPr lang="es-ES" sz="2500" i="1" dirty="0" err="1"/>
-              <a:t>assets</a:t>
-            </a:r>
-            <a:r>
-              <a:rPr lang="es-ES" sz="2500" i="1" dirty="0"/>
-              <a:t> se le debe dar un identificador o tag para posteriormente poder llamarlo en la parte de la escena que se desee.</a:t>
-            </a:r>
-          </a:p>
-          <a:p>
-            <a:pPr lvl="1"/>
-            <a:r>
-              <a:rPr lang="es-ES" sz="2500" i="1" dirty="0"/>
-              <a:t>En el siguiente ejemplo se muestra como declarar primero la imagen e invocarla posteriormente:</a:t>
+              <a:t>:</a:t>
             </a:r>
           </a:p>
           <a:p>
@@ -15563,24 +16094,54 @@
             <a:r>
               <a:rPr lang="es-ES" sz="2500" b="1" dirty="0">
                 <a:solidFill>
-                  <a:schemeClr val="bg1"/>
+                  <a:schemeClr val="bg1">
+                    <a:lumMod val="75000"/>
+                    <a:lumOff val="25000"/>
+                  </a:schemeClr>
                 </a:solidFill>
+                <a:effectLst>
+                  <a:outerShdw blurRad="38100" dist="38100" dir="2700000" algn="tl">
+                    <a:srgbClr val="000000">
+                      <a:alpha val="43137"/>
+                    </a:srgbClr>
+                  </a:outerShdw>
+                </a:effectLst>
               </a:rPr>
               <a:t>&lt;a-</a:t>
             </a:r>
             <a:r>
               <a:rPr lang="es-ES" sz="2500" b="1" dirty="0" err="1">
                 <a:solidFill>
-                  <a:schemeClr val="bg1"/>
+                  <a:schemeClr val="bg1">
+                    <a:lumMod val="75000"/>
+                    <a:lumOff val="25000"/>
+                  </a:schemeClr>
                 </a:solidFill>
+                <a:effectLst>
+                  <a:outerShdw blurRad="38100" dist="38100" dir="2700000" algn="tl">
+                    <a:srgbClr val="000000">
+                      <a:alpha val="43137"/>
+                    </a:srgbClr>
+                  </a:outerShdw>
+                </a:effectLst>
               </a:rPr>
               <a:t>assets</a:t>
             </a:r>
             <a:r>
               <a:rPr lang="es-ES" sz="2500" b="1" dirty="0">
                 <a:solidFill>
-                  <a:schemeClr val="bg1"/>
+                  <a:schemeClr val="bg1">
+                    <a:lumMod val="75000"/>
+                    <a:lumOff val="25000"/>
+                  </a:schemeClr>
                 </a:solidFill>
+                <a:effectLst>
+                  <a:outerShdw blurRad="38100" dist="38100" dir="2700000" algn="tl">
+                    <a:srgbClr val="000000">
+                      <a:alpha val="43137"/>
+                    </a:srgbClr>
+                  </a:outerShdw>
+                </a:effectLst>
               </a:rPr>
               <a:t>&gt;</a:t>
             </a:r>
@@ -15590,101 +16151,200 @@
               <a:buNone/>
             </a:pPr>
             <a:r>
-              <a:rPr lang="es-ES" altLang="es-ES" sz="2200" b="1" dirty="0">
+              <a:rPr lang="es-ES" altLang="es-ES" sz="2500" b="1" dirty="0">
                 <a:solidFill>
-                  <a:schemeClr val="bg1"/>
+                  <a:schemeClr val="bg1">
+                    <a:lumMod val="75000"/>
+                    <a:lumOff val="25000"/>
+                  </a:schemeClr>
                 </a:solidFill>
-                <a:latin typeface="Arial Unicode MS"/>
+                <a:effectLst>
+                  <a:outerShdw blurRad="38100" dist="38100" dir="2700000" algn="tl">
+                    <a:srgbClr val="000000">
+                      <a:alpha val="43137"/>
+                    </a:srgbClr>
+                  </a:outerShdw>
+                </a:effectLst>
               </a:rPr>
               <a:t>    &lt;</a:t>
             </a:r>
             <a:r>
-              <a:rPr lang="es-ES" altLang="es-ES" sz="2200" b="1" dirty="0" err="1">
+              <a:rPr lang="es-ES" altLang="es-ES" sz="2500" b="1" dirty="0" err="1">
                 <a:solidFill>
-                  <a:schemeClr val="bg1"/>
+                  <a:schemeClr val="bg1">
+                    <a:lumMod val="75000"/>
+                    <a:lumOff val="25000"/>
+                  </a:schemeClr>
                 </a:solidFill>
-                <a:latin typeface="Arial Unicode MS"/>
+                <a:effectLst>
+                  <a:outerShdw blurRad="38100" dist="38100" dir="2700000" algn="tl">
+                    <a:srgbClr val="000000">
+                      <a:alpha val="43137"/>
+                    </a:srgbClr>
+                  </a:outerShdw>
+                </a:effectLst>
               </a:rPr>
               <a:t>img</a:t>
             </a:r>
             <a:r>
-              <a:rPr lang="es-ES" altLang="es-ES" sz="2200" b="1" dirty="0">
+              <a:rPr lang="es-ES" altLang="es-ES" sz="2500" b="1" dirty="0">
                 <a:solidFill>
-                  <a:schemeClr val="bg1"/>
+                  <a:schemeClr val="bg1">
+                    <a:lumMod val="75000"/>
+                    <a:lumOff val="25000"/>
+                  </a:schemeClr>
                 </a:solidFill>
-                <a:latin typeface="Arial Unicode MS"/>
+                <a:effectLst>
+                  <a:outerShdw blurRad="38100" dist="38100" dir="2700000" algn="tl">
+                    <a:srgbClr val="000000">
+                      <a:alpha val="43137"/>
+                    </a:srgbClr>
+                  </a:outerShdw>
+                </a:effectLst>
               </a:rPr>
               <a:t> id="</a:t>
             </a:r>
             <a:r>
-              <a:rPr lang="es-ES" altLang="es-ES" sz="2200" b="1" dirty="0" err="1">
+              <a:rPr lang="es-ES" altLang="es-ES" sz="2500" b="1" dirty="0" err="1">
                 <a:solidFill>
-                  <a:schemeClr val="bg1"/>
+                  <a:schemeClr val="bg1">
+                    <a:lumMod val="75000"/>
+                    <a:lumOff val="25000"/>
+                  </a:schemeClr>
                 </a:solidFill>
-                <a:latin typeface="Arial Unicode MS"/>
+                <a:effectLst>
+                  <a:outerShdw blurRad="38100" dist="38100" dir="2700000" algn="tl">
+                    <a:srgbClr val="000000">
+                      <a:alpha val="43137"/>
+                    </a:srgbClr>
+                  </a:outerShdw>
+                </a:effectLst>
               </a:rPr>
               <a:t>city</a:t>
             </a:r>
             <a:r>
-              <a:rPr lang="es-ES" altLang="es-ES" sz="2200" b="1" dirty="0">
+              <a:rPr lang="es-ES" altLang="es-ES" sz="2500" b="1" dirty="0">
                 <a:solidFill>
-                  <a:schemeClr val="bg1"/>
+                  <a:schemeClr val="bg1">
+                    <a:lumMod val="75000"/>
+                    <a:lumOff val="25000"/>
+                  </a:schemeClr>
                 </a:solidFill>
-                <a:latin typeface="Arial Unicode MS"/>
+                <a:effectLst>
+                  <a:outerShdw blurRad="38100" dist="38100" dir="2700000" algn="tl">
+                    <a:srgbClr val="000000">
+                      <a:alpha val="43137"/>
+                    </a:srgbClr>
+                  </a:outerShdw>
+                </a:effectLst>
               </a:rPr>
               <a:t>" </a:t>
             </a:r>
             <a:r>
-              <a:rPr lang="es-ES" altLang="es-ES" sz="2200" b="1" dirty="0" err="1">
+              <a:rPr lang="es-ES" altLang="es-ES" sz="2500" b="1" dirty="0" err="1">
                 <a:solidFill>
-                  <a:schemeClr val="bg1"/>
+                  <a:schemeClr val="bg1">
+                    <a:lumMod val="75000"/>
+                    <a:lumOff val="25000"/>
+                  </a:schemeClr>
                 </a:solidFill>
-                <a:latin typeface="Arial Unicode MS"/>
+                <a:effectLst>
+                  <a:outerShdw blurRad="38100" dist="38100" dir="2700000" algn="tl">
+                    <a:srgbClr val="000000">
+                      <a:alpha val="43137"/>
+                    </a:srgbClr>
+                  </a:outerShdw>
+                </a:effectLst>
               </a:rPr>
               <a:t>src</a:t>
             </a:r>
             <a:r>
-              <a:rPr lang="es-ES" altLang="es-ES" sz="2200" b="1" dirty="0">
+              <a:rPr lang="es-ES" altLang="es-ES" sz="2500" b="1" dirty="0">
                 <a:solidFill>
-                  <a:schemeClr val="bg1"/>
+                  <a:schemeClr val="bg1">
+                    <a:lumMod val="75000"/>
+                    <a:lumOff val="25000"/>
+                  </a:schemeClr>
                 </a:solidFill>
-                <a:latin typeface="Arial Unicode MS"/>
+                <a:effectLst>
+                  <a:outerShdw blurRad="38100" dist="38100" dir="2700000" algn="tl">
+                    <a:srgbClr val="000000">
+                      <a:alpha val="43137"/>
+                    </a:srgbClr>
+                  </a:outerShdw>
+                </a:effectLst>
               </a:rPr>
               <a:t>=“</a:t>
             </a:r>
             <a:r>
-              <a:rPr lang="es-ES" altLang="es-ES" sz="2200" b="1" dirty="0" err="1">
+              <a:rPr lang="es-ES" altLang="es-ES" sz="2500" b="1" dirty="0" err="1">
                 <a:solidFill>
-                  <a:schemeClr val="bg1"/>
+                  <a:schemeClr val="bg1">
+                    <a:lumMod val="75000"/>
+                    <a:lumOff val="25000"/>
+                  </a:schemeClr>
                 </a:solidFill>
-                <a:latin typeface="Arial Unicode MS"/>
+                <a:effectLst>
+                  <a:outerShdw blurRad="38100" dist="38100" dir="2700000" algn="tl">
+                    <a:srgbClr val="000000">
+                      <a:alpha val="43137"/>
+                    </a:srgbClr>
+                  </a:outerShdw>
+                </a:effectLst>
               </a:rPr>
               <a:t>a_frame</a:t>
             </a:r>
             <a:r>
-              <a:rPr lang="es-ES" altLang="es-ES" sz="2200" b="1" dirty="0">
+              <a:rPr lang="es-ES" altLang="es-ES" sz="2500" b="1" dirty="0">
                 <a:solidFill>
-                  <a:schemeClr val="bg1"/>
+                  <a:schemeClr val="bg1">
+                    <a:lumMod val="75000"/>
+                    <a:lumOff val="25000"/>
+                  </a:schemeClr>
                 </a:solidFill>
-                <a:latin typeface="Arial Unicode MS"/>
+                <a:effectLst>
+                  <a:outerShdw blurRad="38100" dist="38100" dir="2700000" algn="tl">
+                    <a:srgbClr val="000000">
+                      <a:alpha val="43137"/>
+                    </a:srgbClr>
+                  </a:outerShdw>
+                </a:effectLst>
               </a:rPr>
               <a:t>/</a:t>
             </a:r>
             <a:r>
-              <a:rPr lang="es-ES" altLang="es-ES" sz="2200" b="1" dirty="0" err="1">
+              <a:rPr lang="es-ES" altLang="es-ES" sz="2500" b="1" dirty="0" err="1">
                 <a:solidFill>
-                  <a:schemeClr val="bg1"/>
+                  <a:schemeClr val="bg1">
+                    <a:lumMod val="75000"/>
+                    <a:lumOff val="25000"/>
+                  </a:schemeClr>
                 </a:solidFill>
-                <a:latin typeface="Arial Unicode MS"/>
+                <a:effectLst>
+                  <a:outerShdw blurRad="38100" dist="38100" dir="2700000" algn="tl">
+                    <a:srgbClr val="000000">
+                      <a:alpha val="43137"/>
+                    </a:srgbClr>
+                  </a:outerShdw>
+                </a:effectLst>
               </a:rPr>
               <a:t>img</a:t>
             </a:r>
             <a:r>
-              <a:rPr lang="es-ES" altLang="es-ES" sz="2200" b="1" dirty="0">
+              <a:rPr lang="es-ES" altLang="es-ES" sz="2500" b="1" dirty="0">
                 <a:solidFill>
-                  <a:schemeClr val="bg1"/>
+                  <a:schemeClr val="bg1">
+                    <a:lumMod val="75000"/>
+                    <a:lumOff val="25000"/>
+                  </a:schemeClr>
                 </a:solidFill>
-                <a:latin typeface="Arial Unicode MS"/>
+                <a:effectLst>
+                  <a:outerShdw blurRad="38100" dist="38100" dir="2700000" algn="tl">
+                    <a:srgbClr val="000000">
+                      <a:alpha val="43137"/>
+                    </a:srgbClr>
+                  </a:outerShdw>
+                </a:effectLst>
               </a:rPr>
               <a:t>/city.jpg"&gt;</a:t>
             </a:r>
@@ -15696,68 +16356,171 @@
             <a:r>
               <a:rPr lang="es-ES" sz="2500" b="1" dirty="0">
                 <a:solidFill>
-                  <a:schemeClr val="bg1"/>
+                  <a:schemeClr val="bg1">
+                    <a:lumMod val="75000"/>
+                    <a:lumOff val="25000"/>
+                  </a:schemeClr>
                 </a:solidFill>
+                <a:effectLst>
+                  <a:outerShdw blurRad="38100" dist="38100" dir="2700000" algn="tl">
+                    <a:srgbClr val="000000">
+                      <a:alpha val="43137"/>
+                    </a:srgbClr>
+                  </a:outerShdw>
+                </a:effectLst>
               </a:rPr>
               <a:t>&lt;/a-</a:t>
             </a:r>
             <a:r>
               <a:rPr lang="es-ES" sz="2500" b="1" dirty="0" err="1">
                 <a:solidFill>
-                  <a:schemeClr val="bg1"/>
+                  <a:schemeClr val="bg1">
+                    <a:lumMod val="75000"/>
+                    <a:lumOff val="25000"/>
+                  </a:schemeClr>
                 </a:solidFill>
+                <a:effectLst>
+                  <a:outerShdw blurRad="38100" dist="38100" dir="2700000" algn="tl">
+                    <a:srgbClr val="000000">
+                      <a:alpha val="43137"/>
+                    </a:srgbClr>
+                  </a:outerShdw>
+                </a:effectLst>
               </a:rPr>
               <a:t>assets</a:t>
             </a:r>
             <a:r>
               <a:rPr lang="es-ES" sz="2500" b="1" dirty="0">
                 <a:solidFill>
-                  <a:schemeClr val="bg1"/>
+                  <a:schemeClr val="bg1">
+                    <a:lumMod val="75000"/>
+                    <a:lumOff val="25000"/>
+                  </a:schemeClr>
                 </a:solidFill>
+                <a:effectLst>
+                  <a:outerShdw blurRad="38100" dist="38100" dir="2700000" algn="tl">
+                    <a:srgbClr val="000000">
+                      <a:alpha val="43137"/>
+                    </a:srgbClr>
+                  </a:outerShdw>
+                </a:effectLst>
               </a:rPr>
               <a:t>&gt;</a:t>
             </a:r>
           </a:p>
           <a:p>
+            <a:pPr marL="914400" lvl="2" indent="0">
+              <a:buNone/>
+            </a:pPr>
+            <a:r>
+              <a:rPr lang="es-ES" sz="2500" b="1" dirty="0">
+                <a:solidFill>
+                  <a:schemeClr val="bg1">
+                    <a:lumMod val="75000"/>
+                    <a:lumOff val="25000"/>
+                  </a:schemeClr>
+                </a:solidFill>
+                <a:effectLst>
+                  <a:outerShdw blurRad="38100" dist="38100" dir="2700000" algn="tl">
+                    <a:srgbClr val="000000">
+                      <a:alpha val="43137"/>
+                    </a:srgbClr>
+                  </a:outerShdw>
+                </a:effectLst>
+              </a:rPr>
+              <a:t>[…]</a:t>
+            </a:r>
+          </a:p>
+          <a:p>
             <a:pPr marL="0" indent="0">
               <a:buNone/>
             </a:pPr>
             <a:r>
               <a:rPr lang="en-US" sz="2000" b="1" dirty="0">
                 <a:solidFill>
-                  <a:schemeClr val="bg1"/>
+                  <a:schemeClr val="bg1">
+                    <a:lumMod val="75000"/>
+                    <a:lumOff val="25000"/>
+                  </a:schemeClr>
                 </a:solidFill>
+                <a:effectLst>
+                  <a:outerShdw blurRad="38100" dist="38100" dir="2700000" algn="tl">
+                    <a:srgbClr val="000000">
+                      <a:alpha val="43137"/>
+                    </a:srgbClr>
+                  </a:outerShdw>
+                </a:effectLst>
               </a:rPr>
               <a:t>	</a:t>
             </a:r>
             <a:r>
               <a:rPr lang="en-US" sz="2500" b="1" dirty="0">
                 <a:solidFill>
-                  <a:schemeClr val="bg1"/>
+                  <a:schemeClr val="bg1">
+                    <a:lumMod val="75000"/>
+                    <a:lumOff val="25000"/>
+                  </a:schemeClr>
                 </a:solidFill>
+                <a:effectLst>
+                  <a:outerShdw blurRad="38100" dist="38100" dir="2700000" algn="tl">
+                    <a:srgbClr val="000000">
+                      <a:alpha val="43137"/>
+                    </a:srgbClr>
+                  </a:outerShdw>
+                </a:effectLst>
               </a:rPr>
               <a:t>&lt;a-image </a:t>
             </a:r>
             <a:r>
               <a:rPr lang="en-US" sz="2500" b="1" dirty="0" err="1">
                 <a:solidFill>
-                  <a:schemeClr val="bg1"/>
+                  <a:schemeClr val="bg1">
+                    <a:lumMod val="75000"/>
+                    <a:lumOff val="25000"/>
+                  </a:schemeClr>
                 </a:solidFill>
+                <a:effectLst>
+                  <a:outerShdw blurRad="38100" dist="38100" dir="2700000" algn="tl">
+                    <a:srgbClr val="000000">
+                      <a:alpha val="43137"/>
+                    </a:srgbClr>
+                  </a:outerShdw>
+                </a:effectLst>
               </a:rPr>
               <a:t>src</a:t>
             </a:r>
             <a:r>
               <a:rPr lang="en-US" sz="2500" b="1" dirty="0">
                 <a:solidFill>
-                  <a:schemeClr val="bg1"/>
+                  <a:schemeClr val="bg1">
+                    <a:lumMod val="75000"/>
+                    <a:lumOff val="25000"/>
+                  </a:schemeClr>
                 </a:solidFill>
+                <a:effectLst>
+                  <a:outerShdw blurRad="38100" dist="38100" dir="2700000" algn="tl">
+                    <a:srgbClr val="000000">
+                      <a:alpha val="43137"/>
+                    </a:srgbClr>
+                  </a:outerShdw>
+                </a:effectLst>
               </a:rPr>
-              <a:t>="#city" width="70" height="50" position="1.5 1 -6.5"&gt;	&lt;/a-image&gt;</a:t>
+              <a:t>="#city" width="70" height="50" position="1.5 1 -6.5"&gt;     &lt;/a-image&gt;</a:t>
             </a:r>
             <a:endParaRPr lang="es-ES" sz="2500" b="1" dirty="0">
               <a:solidFill>
-                <a:schemeClr val="bg1"/>
+                <a:schemeClr val="bg1">
+                  <a:lumMod val="75000"/>
+                  <a:lumOff val="25000"/>
+                </a:schemeClr>
               </a:solidFill>
+              <a:effectLst>
+                <a:outerShdw blurRad="38100" dist="38100" dir="2700000" algn="tl">
+                  <a:srgbClr val="000000">
+                    <a:alpha val="43137"/>
+                  </a:srgbClr>
+                </a:outerShdw>
+              </a:effectLst>
             </a:endParaRPr>
           </a:p>
           <a:p>
@@ -15785,7 +16548,7 @@
             </a:pPr>
             <a:r>
               <a:rPr lang="es-ES" sz="2500" b="1" dirty="0"/>
-              <a:t>Carga una imagen de tal forma que quede como fondo de los dos </a:t>
+              <a:t>Carga una imagen de tal forma que sea el fondo de los dos </a:t>
             </a:r>
             <a:r>
               <a:rPr lang="es-ES" sz="2500" b="1" dirty="0" err="1"/>
@@ -15793,7 +16556,45 @@
             </a:r>
             <a:r>
               <a:rPr lang="es-ES" sz="2500" b="1" dirty="0"/>
-              <a:t> cargados anteriormente.</a:t>
+              <a:t> cargados anteriormente, para ayudarte, prueba a usar el </a:t>
+            </a:r>
+            <a:r>
+              <a:rPr lang="es-ES" sz="2500" b="1" dirty="0" err="1"/>
+              <a:t>primitive</a:t>
+            </a:r>
+            <a:r>
+              <a:rPr lang="es-ES" sz="2500" b="1" dirty="0"/>
+              <a:t>    &lt;</a:t>
+            </a:r>
+            <a:r>
+              <a:rPr lang="es-ES" sz="2500" b="1" u="sng" dirty="0"/>
+              <a:t>a-</a:t>
+            </a:r>
+            <a:r>
+              <a:rPr lang="es-ES" sz="2500" b="1" u="sng" dirty="0" err="1"/>
+              <a:t>sky</a:t>
+            </a:r>
+            <a:r>
+              <a:rPr lang="es-ES" sz="2500" b="1" dirty="0"/>
+              <a:t>&gt;. Para que la imagen quede uniforme debe ser </a:t>
+            </a:r>
+            <a:r>
+              <a:rPr lang="es-ES" sz="2500" b="1" dirty="0" err="1"/>
+              <a:t>equirectangular</a:t>
+            </a:r>
+            <a:r>
+              <a:rPr lang="es-ES" sz="2500" b="1" dirty="0"/>
+              <a:t> (360º), puedes encontrar varias en </a:t>
+            </a:r>
+            <a:r>
+              <a:rPr lang="es-ES" sz="2500" b="1" dirty="0">
+                <a:hlinkClick r:id="rId2"/>
+              </a:rPr>
+              <a:t>Flickr</a:t>
+            </a:r>
+            <a:r>
+              <a:rPr lang="es-ES" sz="2500" b="1" dirty="0"/>
+              <a:t>.</a:t>
             </a:r>
             <a:endParaRPr lang="en-US" dirty="0">
               <a:solidFill>
@@ -16281,33 +17082,15 @@
                                   </p:childTnLst>
                                 </p:cTn>
                               </p:par>
-                            </p:childTnLst>
-                          </p:cTn>
-                        </p:par>
-                      </p:childTnLst>
-                    </p:cTn>
-                  </p:par>
-                  <p:par>
-                    <p:cTn id="38" fill="hold">
-                      <p:stCondLst>
-                        <p:cond delay="indefinite"/>
-                      </p:stCondLst>
-                      <p:childTnLst>
-                        <p:par>
-                          <p:cTn id="39" fill="hold">
-                            <p:stCondLst>
-                              <p:cond delay="0"/>
-                            </p:stCondLst>
-                            <p:childTnLst>
                               <p:par>
-                                <p:cTn id="40" presetID="10" presetClass="entr" presetSubtype="0" fill="hold" nodeType="clickEffect">
+                                <p:cTn id="38" presetID="10" presetClass="entr" presetSubtype="0" fill="hold" nodeType="withEffect">
                                   <p:stCondLst>
                                     <p:cond delay="0"/>
                                   </p:stCondLst>
                                   <p:childTnLst>
                                     <p:set>
                                       <p:cBhvr>
-                                        <p:cTn id="41" dur="1" fill="hold">
+                                        <p:cTn id="39" dur="1" fill="hold">
                                           <p:stCondLst>
                                             <p:cond delay="0"/>
                                           </p:stCondLst>
@@ -16315,7 +17098,7 @@
                                         <p:tgtEl>
                                           <p:spTgt spid="4">
                                             <p:txEl>
-                                              <p:pRg st="11" end="11"/>
+                                              <p:pRg st="10" end="10"/>
                                             </p:txEl>
                                           </p:spTgt>
                                         </p:tgtEl>
@@ -16329,11 +17112,11 @@
                                     </p:set>
                                     <p:animEffect transition="in" filter="fade">
                                       <p:cBhvr>
-                                        <p:cTn id="42" dur="500"/>
+                                        <p:cTn id="40" dur="500"/>
                                         <p:tgtEl>
                                           <p:spTgt spid="4">
                                             <p:txEl>
-                                              <p:pRg st="11" end="11"/>
+                                              <p:pRg st="10" end="10"/>
                                             </p:txEl>
                                           </p:spTgt>
                                         </p:tgtEl>
@@ -16342,8 +17125,26 @@
                                   </p:childTnLst>
                                 </p:cTn>
                               </p:par>
+                            </p:childTnLst>
+                          </p:cTn>
+                        </p:par>
+                      </p:childTnLst>
+                    </p:cTn>
+                  </p:par>
+                  <p:par>
+                    <p:cTn id="41" fill="hold">
+                      <p:stCondLst>
+                        <p:cond delay="indefinite"/>
+                      </p:stCondLst>
+                      <p:childTnLst>
+                        <p:par>
+                          <p:cTn id="42" fill="hold">
+                            <p:stCondLst>
+                              <p:cond delay="0"/>
+                            </p:stCondLst>
+                            <p:childTnLst>
                               <p:par>
-                                <p:cTn id="43" presetID="10" presetClass="entr" presetSubtype="0" fill="hold" nodeType="withEffect">
+                                <p:cTn id="43" presetID="10" presetClass="entr" presetSubtype="0" fill="hold" nodeType="clickEffect">
                                   <p:stCondLst>
                                     <p:cond delay="0"/>
                                   </p:stCondLst>
@@ -16377,6 +17178,49 @@
                                           <p:spTgt spid="4">
                                             <p:txEl>
                                               <p:pRg st="12" end="12"/>
+                                            </p:txEl>
+                                          </p:spTgt>
+                                        </p:tgtEl>
+                                      </p:cBhvr>
+                                    </p:animEffect>
+                                  </p:childTnLst>
+                                </p:cTn>
+                              </p:par>
+                              <p:par>
+                                <p:cTn id="46" presetID="10" presetClass="entr" presetSubtype="0" fill="hold" nodeType="withEffect">
+                                  <p:stCondLst>
+                                    <p:cond delay="0"/>
+                                  </p:stCondLst>
+                                  <p:childTnLst>
+                                    <p:set>
+                                      <p:cBhvr>
+                                        <p:cTn id="47" dur="1" fill="hold">
+                                          <p:stCondLst>
+                                            <p:cond delay="0"/>
+                                          </p:stCondLst>
+                                        </p:cTn>
+                                        <p:tgtEl>
+                                          <p:spTgt spid="4">
+                                            <p:txEl>
+                                              <p:pRg st="13" end="13"/>
+                                            </p:txEl>
+                                          </p:spTgt>
+                                        </p:tgtEl>
+                                        <p:attrNameLst>
+                                          <p:attrName>style.visibility</p:attrName>
+                                        </p:attrNameLst>
+                                      </p:cBhvr>
+                                      <p:to>
+                                        <p:strVal val="visible"/>
+                                      </p:to>
+                                    </p:set>
+                                    <p:animEffect transition="in" filter="fade">
+                                      <p:cBhvr>
+                                        <p:cTn id="48" dur="500"/>
+                                        <p:tgtEl>
+                                          <p:spTgt spid="4">
+                                            <p:txEl>
+                                              <p:pRg st="13" end="13"/>
                                             </p:txEl>
                                           </p:spTgt>
                                         </p:tgtEl>
@@ -16487,23 +17331,22 @@
             <p:ph idx="1"/>
           </p:nvPr>
         </p:nvSpPr>
-        <p:spPr/>
+        <p:spPr>
+          <a:xfrm>
+            <a:off x="1141413" y="1794655"/>
+            <a:ext cx="9905999" cy="4530339"/>
+          </a:xfrm>
+        </p:spPr>
         <p:txBody>
           <a:bodyPr>
-            <a:normAutofit lnSpcReduction="10000"/>
+            <a:normAutofit/>
           </a:bodyPr>
           <a:lstStyle/>
           <a:p>
-            <a:r>
-              <a:rPr lang="es-ES" dirty="0"/>
-              <a:t>Exportar objeto:</a:t>
-            </a:r>
-          </a:p>
-          <a:p>
             <a:pPr lvl="1"/>
             <a:r>
               <a:rPr lang="es-ES" sz="1400" dirty="0"/>
-              <a:t>A-</a:t>
+              <a:t>Ahora que ya se ha explicado la metodología para cargar objetos en A-</a:t>
             </a:r>
             <a:r>
               <a:rPr lang="es-ES" sz="1400" dirty="0" err="1"/>
@@ -16511,102 +17354,1419 @@
             </a:r>
             <a:r>
               <a:rPr lang="es-ES" sz="1400" dirty="0"/>
-              <a:t> permite la exportación de imágenes propias dentro de la escena, a estas se les puede dar diversas propiedades.</a:t>
-            </a:r>
-          </a:p>
-          <a:p>
-            <a:pPr marL="457200" lvl="1" indent="0">
-              <a:buNone/>
+              <a:t>, el siguiente paso es cargar el objeto creado con </a:t>
+            </a:r>
+            <a:r>
+              <a:rPr lang="es-ES" sz="1400" dirty="0" err="1"/>
+              <a:t>Beetle</a:t>
+            </a:r>
+            <a:r>
+              <a:rPr lang="es-ES" sz="1400" dirty="0"/>
+              <a:t> Blocks, ya con el formato </a:t>
+            </a:r>
+            <a:r>
+              <a:rPr lang="es-ES" sz="1400" u="sng" dirty="0">
+                <a:effectLst>
+                  <a:outerShdw blurRad="38100" dist="38100" dir="2700000" algn="tl">
+                    <a:srgbClr val="000000">
+                      <a:alpha val="43137"/>
+                    </a:srgbClr>
+                  </a:outerShdw>
+                </a:effectLst>
+              </a:rPr>
+              <a:t>.</a:t>
+            </a:r>
+            <a:r>
+              <a:rPr lang="es-ES" sz="1400" u="sng" dirty="0" err="1">
+                <a:effectLst>
+                  <a:outerShdw blurRad="38100" dist="38100" dir="2700000" algn="tl">
+                    <a:srgbClr val="000000">
+                      <a:alpha val="43137"/>
+                    </a:srgbClr>
+                  </a:outerShdw>
+                </a:effectLst>
+              </a:rPr>
+              <a:t>obj</a:t>
+            </a:r>
+            <a:r>
+              <a:rPr lang="es-ES" sz="1400" u="sng" dirty="0">
+                <a:effectLst>
+                  <a:outerShdw blurRad="38100" dist="38100" dir="2700000" algn="tl">
+                    <a:srgbClr val="000000">
+                      <a:alpha val="43137"/>
+                    </a:srgbClr>
+                  </a:outerShdw>
+                </a:effectLst>
+              </a:rPr>
+              <a:t> </a:t>
+            </a:r>
+            <a:r>
+              <a:rPr lang="es-ES" sz="1400" dirty="0"/>
+              <a:t>que se le ha dado previamente con </a:t>
+            </a:r>
+            <a:r>
+              <a:rPr lang="es-ES" sz="1400" dirty="0" err="1"/>
+              <a:t>Blender</a:t>
+            </a:r>
+            <a:r>
+              <a:rPr lang="es-ES" sz="1400" dirty="0"/>
+              <a:t>. Además de poder editar las propiedades del objeto como su posición o tamaño, se le puede añadir una textura.</a:t>
+            </a:r>
+          </a:p>
+          <a:p>
+            <a:pPr lvl="1"/>
+            <a:r>
+              <a:rPr lang="es-ES" sz="1400" dirty="0"/>
+              <a:t>El proceso de carga de cualquier objeto es el siguiente:</a:t>
+            </a:r>
+          </a:p>
+          <a:p>
+            <a:pPr lvl="2">
+              <a:buFont typeface="+mj-lt"/>
+              <a:buAutoNum type="arabicPeriod"/>
             </a:pPr>
-            <a:endParaRPr lang="es-ES" sz="1400" dirty="0"/>
-          </a:p>
-          <a:p>
-            <a:pPr marL="457200" lvl="1" indent="0">
-              <a:buNone/>
-            </a:pPr>
-            <a:endParaRPr lang="es-ES" sz="1400" dirty="0"/>
-          </a:p>
-          <a:p>
-            <a:pPr marL="457200" lvl="1" indent="0">
-              <a:buNone/>
-            </a:pPr>
-            <a:endParaRPr lang="es-ES" sz="1400" dirty="0"/>
-          </a:p>
-          <a:p>
-            <a:pPr marL="457200" lvl="1" indent="0">
-              <a:buNone/>
-            </a:pPr>
-            <a:endParaRPr lang="es-ES" sz="1400" dirty="0"/>
-          </a:p>
-          <a:p>
-            <a:pPr marL="457200" lvl="1" indent="0">
-              <a:buNone/>
-            </a:pPr>
-            <a:endParaRPr lang="es-ES" sz="1400" dirty="0"/>
-          </a:p>
-          <a:p>
-            <a:pPr marL="457200" lvl="1" indent="0">
-              <a:buNone/>
-            </a:pPr>
-            <a:endParaRPr lang="es-ES" sz="1400" dirty="0"/>
-          </a:p>
-          <a:p>
-            <a:r>
-              <a:rPr lang="es-ES" sz="1800" dirty="0"/>
-              <a:t>Textura</a:t>
-            </a:r>
-          </a:p>
-          <a:p>
-            <a:pPr lvl="1">
-              <a:buFont typeface="Wingdings" panose="05000000000000000000" pitchFamily="2" charset="2"/>
-              <a:buChar char="ü"/>
+            <a:r>
+              <a:rPr lang="es-ES" sz="1200" dirty="0"/>
+              <a:t>Se inicializan las variables </a:t>
+            </a:r>
+            <a:r>
+              <a:rPr lang="es-ES" sz="1200" b="1" dirty="0"/>
+              <a:t>.</a:t>
+            </a:r>
+            <a:r>
+              <a:rPr lang="es-ES" sz="1200" b="1" dirty="0" err="1"/>
+              <a:t>obj</a:t>
+            </a:r>
+            <a:r>
+              <a:rPr lang="es-ES" sz="1200" dirty="0"/>
+              <a:t>, </a:t>
+            </a:r>
+            <a:r>
+              <a:rPr lang="es-ES" sz="1200" b="1" dirty="0"/>
+              <a:t>.</a:t>
+            </a:r>
+            <a:r>
+              <a:rPr lang="es-ES" sz="1200" b="1" dirty="0" err="1"/>
+              <a:t>mtl</a:t>
+            </a:r>
+            <a:r>
+              <a:rPr lang="es-ES" sz="1200" dirty="0"/>
+              <a:t>, y la </a:t>
+            </a:r>
+            <a:r>
+              <a:rPr lang="es-ES" sz="1200" b="1" dirty="0"/>
+              <a:t>textura</a:t>
+            </a:r>
+            <a:r>
+              <a:rPr lang="es-ES" sz="1200" dirty="0"/>
+              <a:t> en la zona de </a:t>
+            </a:r>
+            <a:r>
+              <a:rPr lang="es-ES" sz="1200" u="sng" dirty="0" err="1"/>
+              <a:t>assets</a:t>
+            </a:r>
+            <a:r>
+              <a:rPr lang="es-ES" sz="1200" dirty="0"/>
+              <a:t>, a cada uno se le da un identificador de la misma manera que se mostró anteriormente con las imágenes.</a:t>
+            </a:r>
+          </a:p>
+          <a:p>
+            <a:pPr marL="1371600" lvl="3" indent="0">
+              <a:buNone/>
             </a:pPr>
             <a:r>
               <a:rPr lang="es-ES" sz="1000" b="1" dirty="0">
                 <a:solidFill>
-                  <a:schemeClr val="bg1"/>
+                  <a:schemeClr val="bg1">
+                    <a:lumMod val="75000"/>
+                    <a:lumOff val="25000"/>
+                  </a:schemeClr>
                 </a:solidFill>
+                <a:effectLst>
+                  <a:outerShdw blurRad="38100" dist="38100" dir="2700000" algn="tl">
+                    <a:srgbClr val="000000">
+                      <a:alpha val="43137"/>
+                    </a:srgbClr>
+                  </a:outerShdw>
+                </a:effectLst>
               </a:rPr>
-              <a:t>Ejercicio 2:</a:t>
-            </a:r>
-          </a:p>
-          <a:p>
-            <a:pPr lvl="1">
-              <a:buFont typeface="Wingdings" panose="05000000000000000000" pitchFamily="2" charset="2"/>
-              <a:buChar char="v"/>
+              <a:t>&lt;a-</a:t>
+            </a:r>
+            <a:r>
+              <a:rPr lang="es-ES" sz="1000" b="1" dirty="0" err="1">
+                <a:solidFill>
+                  <a:schemeClr val="bg1">
+                    <a:lumMod val="75000"/>
+                    <a:lumOff val="25000"/>
+                  </a:schemeClr>
+                </a:solidFill>
+                <a:effectLst>
+                  <a:outerShdw blurRad="38100" dist="38100" dir="2700000" algn="tl">
+                    <a:srgbClr val="000000">
+                      <a:alpha val="43137"/>
+                    </a:srgbClr>
+                  </a:outerShdw>
+                </a:effectLst>
+              </a:rPr>
+              <a:t>assets</a:t>
+            </a:r>
+            <a:r>
+              <a:rPr lang="es-ES" sz="1000" b="1" dirty="0">
+                <a:solidFill>
+                  <a:schemeClr val="bg1">
+                    <a:lumMod val="75000"/>
+                    <a:lumOff val="25000"/>
+                  </a:schemeClr>
+                </a:solidFill>
+                <a:effectLst>
+                  <a:outerShdw blurRad="38100" dist="38100" dir="2700000" algn="tl">
+                    <a:srgbClr val="000000">
+                      <a:alpha val="43137"/>
+                    </a:srgbClr>
+                  </a:outerShdw>
+                </a:effectLst>
+              </a:rPr>
+              <a:t>&gt;</a:t>
+            </a:r>
+          </a:p>
+          <a:p>
+            <a:pPr marL="1371600" lvl="3" indent="0">
+              <a:buNone/>
             </a:pPr>
             <a:r>
-              <a:rPr lang="es-ES" sz="1000" b="1" dirty="0"/>
-              <a:t> Consulta la biblioteca de </a:t>
-            </a:r>
-            <a:r>
-              <a:rPr lang="es-ES" sz="1000" b="1" dirty="0" err="1"/>
-              <a:t>primitives</a:t>
-            </a:r>
-            <a:r>
-              <a:rPr lang="es-ES" sz="1000" b="1" dirty="0"/>
-              <a:t> de A-</a:t>
-            </a:r>
-            <a:r>
-              <a:rPr lang="es-ES" sz="1000" b="1" dirty="0" err="1"/>
-              <a:t>Frame</a:t>
-            </a:r>
-            <a:r>
-              <a:rPr lang="es-ES" sz="1000" b="1" dirty="0"/>
-              <a:t> y carga 3 de ellos con colores y posiciones diferentes.</a:t>
-            </a:r>
-            <a:endParaRPr lang="en-US" sz="700" dirty="0">
+              <a:rPr lang="es-ES" sz="1000" b="1" dirty="0">
+                <a:solidFill>
+                  <a:schemeClr val="bg1">
+                    <a:lumMod val="75000"/>
+                    <a:lumOff val="25000"/>
+                  </a:schemeClr>
+                </a:solidFill>
+                <a:effectLst>
+                  <a:outerShdw blurRad="38100" dist="38100" dir="2700000" algn="tl">
+                    <a:srgbClr val="000000">
+                      <a:alpha val="43137"/>
+                    </a:srgbClr>
+                  </a:outerShdw>
+                </a:effectLst>
+              </a:rPr>
+              <a:t>                &lt;a-</a:t>
+            </a:r>
+            <a:r>
+              <a:rPr lang="es-ES" sz="1000" b="1" dirty="0" err="1">
+                <a:solidFill>
+                  <a:schemeClr val="bg1">
+                    <a:lumMod val="75000"/>
+                    <a:lumOff val="25000"/>
+                  </a:schemeClr>
+                </a:solidFill>
+                <a:effectLst>
+                  <a:outerShdw blurRad="38100" dist="38100" dir="2700000" algn="tl">
+                    <a:srgbClr val="000000">
+                      <a:alpha val="43137"/>
+                    </a:srgbClr>
+                  </a:outerShdw>
+                </a:effectLst>
+              </a:rPr>
+              <a:t>asset</a:t>
+            </a:r>
+            <a:r>
+              <a:rPr lang="es-ES" sz="1000" b="1" dirty="0">
+                <a:solidFill>
+                  <a:schemeClr val="bg1">
+                    <a:lumMod val="75000"/>
+                    <a:lumOff val="25000"/>
+                  </a:schemeClr>
+                </a:solidFill>
+                <a:effectLst>
+                  <a:outerShdw blurRad="38100" dist="38100" dir="2700000" algn="tl">
+                    <a:srgbClr val="000000">
+                      <a:alpha val="43137"/>
+                    </a:srgbClr>
+                  </a:outerShdw>
+                </a:effectLst>
+              </a:rPr>
+              <a:t>-</a:t>
+            </a:r>
+            <a:r>
+              <a:rPr lang="es-ES" sz="1000" b="1" dirty="0" err="1">
+                <a:solidFill>
+                  <a:schemeClr val="bg1">
+                    <a:lumMod val="75000"/>
+                    <a:lumOff val="25000"/>
+                  </a:schemeClr>
+                </a:solidFill>
+                <a:effectLst>
+                  <a:outerShdw blurRad="38100" dist="38100" dir="2700000" algn="tl">
+                    <a:srgbClr val="000000">
+                      <a:alpha val="43137"/>
+                    </a:srgbClr>
+                  </a:outerShdw>
+                </a:effectLst>
+              </a:rPr>
+              <a:t>item</a:t>
+            </a:r>
+            <a:r>
+              <a:rPr lang="es-ES" sz="1000" b="1" dirty="0">
+                <a:solidFill>
+                  <a:schemeClr val="bg1">
+                    <a:lumMod val="75000"/>
+                    <a:lumOff val="25000"/>
+                  </a:schemeClr>
+                </a:solidFill>
+                <a:effectLst>
+                  <a:outerShdw blurRad="38100" dist="38100" dir="2700000" algn="tl">
+                    <a:srgbClr val="000000">
+                      <a:alpha val="43137"/>
+                    </a:srgbClr>
+                  </a:outerShdw>
+                </a:effectLst>
+              </a:rPr>
+              <a:t> id=“</a:t>
+            </a:r>
+            <a:r>
+              <a:rPr lang="es-ES" sz="1000" b="1" dirty="0" err="1">
+                <a:solidFill>
+                  <a:schemeClr val="bg1">
+                    <a:lumMod val="75000"/>
+                    <a:lumOff val="25000"/>
+                  </a:schemeClr>
+                </a:solidFill>
+                <a:effectLst>
+                  <a:outerShdw blurRad="38100" dist="38100" dir="2700000" algn="tl">
+                    <a:srgbClr val="000000">
+                      <a:alpha val="43137"/>
+                    </a:srgbClr>
+                  </a:outerShdw>
+                </a:effectLst>
+              </a:rPr>
+              <a:t>beetle-obj</a:t>
+            </a:r>
+            <a:r>
+              <a:rPr lang="es-ES" sz="1000" b="1" dirty="0">
+                <a:solidFill>
+                  <a:schemeClr val="bg1">
+                    <a:lumMod val="75000"/>
+                    <a:lumOff val="25000"/>
+                  </a:schemeClr>
+                </a:solidFill>
+                <a:effectLst>
+                  <a:outerShdw blurRad="38100" dist="38100" dir="2700000" algn="tl">
+                    <a:srgbClr val="000000">
+                      <a:alpha val="43137"/>
+                    </a:srgbClr>
+                  </a:outerShdw>
+                </a:effectLst>
+              </a:rPr>
+              <a:t>" </a:t>
+            </a:r>
+            <a:r>
+              <a:rPr lang="es-ES" sz="1000" b="1" dirty="0" err="1">
+                <a:solidFill>
+                  <a:schemeClr val="bg1">
+                    <a:lumMod val="75000"/>
+                    <a:lumOff val="25000"/>
+                  </a:schemeClr>
+                </a:solidFill>
+                <a:effectLst>
+                  <a:outerShdw blurRad="38100" dist="38100" dir="2700000" algn="tl">
+                    <a:srgbClr val="000000">
+                      <a:alpha val="43137"/>
+                    </a:srgbClr>
+                  </a:outerShdw>
+                </a:effectLst>
+              </a:rPr>
+              <a:t>src</a:t>
+            </a:r>
+            <a:r>
+              <a:rPr lang="es-ES" sz="1000" b="1" dirty="0">
+                <a:solidFill>
+                  <a:schemeClr val="bg1">
+                    <a:lumMod val="75000"/>
+                    <a:lumOff val="25000"/>
+                  </a:schemeClr>
+                </a:solidFill>
+                <a:effectLst>
+                  <a:outerShdw blurRad="38100" dist="38100" dir="2700000" algn="tl">
+                    <a:srgbClr val="000000">
+                      <a:alpha val="43137"/>
+                    </a:srgbClr>
+                  </a:outerShdw>
+                </a:effectLst>
+              </a:rPr>
+              <a:t>="</a:t>
+            </a:r>
+            <a:r>
+              <a:rPr lang="es-ES" sz="1000" b="1" dirty="0" err="1">
+                <a:solidFill>
+                  <a:schemeClr val="bg1">
+                    <a:lumMod val="75000"/>
+                    <a:lumOff val="25000"/>
+                  </a:schemeClr>
+                </a:solidFill>
+                <a:effectLst>
+                  <a:outerShdw blurRad="38100" dist="38100" dir="2700000" algn="tl">
+                    <a:srgbClr val="000000">
+                      <a:alpha val="43137"/>
+                    </a:srgbClr>
+                  </a:outerShdw>
+                </a:effectLst>
+              </a:rPr>
+              <a:t>models</a:t>
+            </a:r>
+            <a:r>
+              <a:rPr lang="es-ES" sz="1000" b="1" dirty="0">
+                <a:solidFill>
+                  <a:schemeClr val="bg1">
+                    <a:lumMod val="75000"/>
+                    <a:lumOff val="25000"/>
+                  </a:schemeClr>
+                </a:solidFill>
+                <a:effectLst>
+                  <a:outerShdw blurRad="38100" dist="38100" dir="2700000" algn="tl">
+                    <a:srgbClr val="000000">
+                      <a:alpha val="43137"/>
+                    </a:srgbClr>
+                  </a:outerShdw>
+                </a:effectLst>
+              </a:rPr>
+              <a:t>/mi_objeto.obj"&gt;&lt;/a-</a:t>
+            </a:r>
+            <a:r>
+              <a:rPr lang="es-ES" sz="1000" b="1" dirty="0" err="1">
+                <a:solidFill>
+                  <a:schemeClr val="bg1">
+                    <a:lumMod val="75000"/>
+                    <a:lumOff val="25000"/>
+                  </a:schemeClr>
+                </a:solidFill>
+                <a:effectLst>
+                  <a:outerShdw blurRad="38100" dist="38100" dir="2700000" algn="tl">
+                    <a:srgbClr val="000000">
+                      <a:alpha val="43137"/>
+                    </a:srgbClr>
+                  </a:outerShdw>
+                </a:effectLst>
+              </a:rPr>
+              <a:t>asset</a:t>
+            </a:r>
+            <a:r>
+              <a:rPr lang="es-ES" sz="1000" b="1" dirty="0">
+                <a:solidFill>
+                  <a:schemeClr val="bg1">
+                    <a:lumMod val="75000"/>
+                    <a:lumOff val="25000"/>
+                  </a:schemeClr>
+                </a:solidFill>
+                <a:effectLst>
+                  <a:outerShdw blurRad="38100" dist="38100" dir="2700000" algn="tl">
+                    <a:srgbClr val="000000">
+                      <a:alpha val="43137"/>
+                    </a:srgbClr>
+                  </a:outerShdw>
+                </a:effectLst>
+              </a:rPr>
+              <a:t>-</a:t>
+            </a:r>
+            <a:r>
+              <a:rPr lang="es-ES" sz="1000" b="1" dirty="0" err="1">
+                <a:solidFill>
+                  <a:schemeClr val="bg1">
+                    <a:lumMod val="75000"/>
+                    <a:lumOff val="25000"/>
+                  </a:schemeClr>
+                </a:solidFill>
+                <a:effectLst>
+                  <a:outerShdw blurRad="38100" dist="38100" dir="2700000" algn="tl">
+                    <a:srgbClr val="000000">
+                      <a:alpha val="43137"/>
+                    </a:srgbClr>
+                  </a:outerShdw>
+                </a:effectLst>
+              </a:rPr>
+              <a:t>item</a:t>
+            </a:r>
+            <a:r>
+              <a:rPr lang="es-ES" sz="1000" b="1" dirty="0">
+                <a:solidFill>
+                  <a:schemeClr val="bg1">
+                    <a:lumMod val="75000"/>
+                    <a:lumOff val="25000"/>
+                  </a:schemeClr>
+                </a:solidFill>
+                <a:effectLst>
+                  <a:outerShdw blurRad="38100" dist="38100" dir="2700000" algn="tl">
+                    <a:srgbClr val="000000">
+                      <a:alpha val="43137"/>
+                    </a:srgbClr>
+                  </a:outerShdw>
+                </a:effectLst>
+              </a:rPr>
+              <a:t>&gt;</a:t>
+            </a:r>
+          </a:p>
+          <a:p>
+            <a:pPr marL="1371600" lvl="3" indent="0">
+              <a:buNone/>
+            </a:pPr>
+            <a:r>
+              <a:rPr lang="es-ES" sz="1000" b="1" dirty="0">
+                <a:solidFill>
+                  <a:schemeClr val="bg1">
+                    <a:lumMod val="75000"/>
+                    <a:lumOff val="25000"/>
+                  </a:schemeClr>
+                </a:solidFill>
+                <a:effectLst>
+                  <a:outerShdw blurRad="38100" dist="38100" dir="2700000" algn="tl">
+                    <a:srgbClr val="000000">
+                      <a:alpha val="43137"/>
+                    </a:srgbClr>
+                  </a:outerShdw>
+                </a:effectLst>
+              </a:rPr>
+              <a:t>                &lt;a-</a:t>
+            </a:r>
+            <a:r>
+              <a:rPr lang="es-ES" sz="1000" b="1" dirty="0" err="1">
+                <a:solidFill>
+                  <a:schemeClr val="bg1">
+                    <a:lumMod val="75000"/>
+                    <a:lumOff val="25000"/>
+                  </a:schemeClr>
+                </a:solidFill>
+                <a:effectLst>
+                  <a:outerShdw blurRad="38100" dist="38100" dir="2700000" algn="tl">
+                    <a:srgbClr val="000000">
+                      <a:alpha val="43137"/>
+                    </a:srgbClr>
+                  </a:outerShdw>
+                </a:effectLst>
+              </a:rPr>
+              <a:t>asset</a:t>
+            </a:r>
+            <a:r>
+              <a:rPr lang="es-ES" sz="1000" b="1" dirty="0">
+                <a:solidFill>
+                  <a:schemeClr val="bg1">
+                    <a:lumMod val="75000"/>
+                    <a:lumOff val="25000"/>
+                  </a:schemeClr>
+                </a:solidFill>
+                <a:effectLst>
+                  <a:outerShdw blurRad="38100" dist="38100" dir="2700000" algn="tl">
+                    <a:srgbClr val="000000">
+                      <a:alpha val="43137"/>
+                    </a:srgbClr>
+                  </a:outerShdw>
+                </a:effectLst>
+              </a:rPr>
+              <a:t>-</a:t>
+            </a:r>
+            <a:r>
+              <a:rPr lang="es-ES" sz="1000" b="1" dirty="0" err="1">
+                <a:solidFill>
+                  <a:schemeClr val="bg1">
+                    <a:lumMod val="75000"/>
+                    <a:lumOff val="25000"/>
+                  </a:schemeClr>
+                </a:solidFill>
+                <a:effectLst>
+                  <a:outerShdw blurRad="38100" dist="38100" dir="2700000" algn="tl">
+                    <a:srgbClr val="000000">
+                      <a:alpha val="43137"/>
+                    </a:srgbClr>
+                  </a:outerShdw>
+                </a:effectLst>
+              </a:rPr>
+              <a:t>item</a:t>
+            </a:r>
+            <a:r>
+              <a:rPr lang="es-ES" sz="1000" b="1" dirty="0">
+                <a:solidFill>
+                  <a:schemeClr val="bg1">
+                    <a:lumMod val="75000"/>
+                    <a:lumOff val="25000"/>
+                  </a:schemeClr>
+                </a:solidFill>
+                <a:effectLst>
+                  <a:outerShdw blurRad="38100" dist="38100" dir="2700000" algn="tl">
+                    <a:srgbClr val="000000">
+                      <a:alpha val="43137"/>
+                    </a:srgbClr>
+                  </a:outerShdw>
+                </a:effectLst>
+              </a:rPr>
+              <a:t> id=“</a:t>
+            </a:r>
+            <a:r>
+              <a:rPr lang="es-ES" sz="1000" b="1" dirty="0" err="1">
+                <a:solidFill>
+                  <a:schemeClr val="bg1">
+                    <a:lumMod val="75000"/>
+                    <a:lumOff val="25000"/>
+                  </a:schemeClr>
+                </a:solidFill>
+                <a:effectLst>
+                  <a:outerShdw blurRad="38100" dist="38100" dir="2700000" algn="tl">
+                    <a:srgbClr val="000000">
+                      <a:alpha val="43137"/>
+                    </a:srgbClr>
+                  </a:outerShdw>
+                </a:effectLst>
+              </a:rPr>
+              <a:t>beetle-mtl</a:t>
+            </a:r>
+            <a:r>
+              <a:rPr lang="es-ES" sz="1000" b="1" dirty="0">
+                <a:solidFill>
+                  <a:schemeClr val="bg1">
+                    <a:lumMod val="75000"/>
+                    <a:lumOff val="25000"/>
+                  </a:schemeClr>
+                </a:solidFill>
+                <a:effectLst>
+                  <a:outerShdw blurRad="38100" dist="38100" dir="2700000" algn="tl">
+                    <a:srgbClr val="000000">
+                      <a:alpha val="43137"/>
+                    </a:srgbClr>
+                  </a:outerShdw>
+                </a:effectLst>
+              </a:rPr>
+              <a:t>" </a:t>
+            </a:r>
+            <a:r>
+              <a:rPr lang="es-ES" sz="1000" b="1" dirty="0" err="1">
+                <a:solidFill>
+                  <a:schemeClr val="bg1">
+                    <a:lumMod val="75000"/>
+                    <a:lumOff val="25000"/>
+                  </a:schemeClr>
+                </a:solidFill>
+                <a:effectLst>
+                  <a:outerShdw blurRad="38100" dist="38100" dir="2700000" algn="tl">
+                    <a:srgbClr val="000000">
+                      <a:alpha val="43137"/>
+                    </a:srgbClr>
+                  </a:outerShdw>
+                </a:effectLst>
+              </a:rPr>
+              <a:t>src</a:t>
+            </a:r>
+            <a:r>
+              <a:rPr lang="es-ES" sz="1000" b="1" dirty="0">
+                <a:solidFill>
+                  <a:schemeClr val="bg1">
+                    <a:lumMod val="75000"/>
+                    <a:lumOff val="25000"/>
+                  </a:schemeClr>
+                </a:solidFill>
+                <a:effectLst>
+                  <a:outerShdw blurRad="38100" dist="38100" dir="2700000" algn="tl">
+                    <a:srgbClr val="000000">
+                      <a:alpha val="43137"/>
+                    </a:srgbClr>
+                  </a:outerShdw>
+                </a:effectLst>
+              </a:rPr>
+              <a:t>="</a:t>
+            </a:r>
+            <a:r>
+              <a:rPr lang="es-ES" sz="1000" b="1" dirty="0" err="1">
+                <a:solidFill>
+                  <a:schemeClr val="bg1">
+                    <a:lumMod val="75000"/>
+                    <a:lumOff val="25000"/>
+                  </a:schemeClr>
+                </a:solidFill>
+                <a:effectLst>
+                  <a:outerShdw blurRad="38100" dist="38100" dir="2700000" algn="tl">
+                    <a:srgbClr val="000000">
+                      <a:alpha val="43137"/>
+                    </a:srgbClr>
+                  </a:outerShdw>
+                </a:effectLst>
+              </a:rPr>
+              <a:t>models</a:t>
+            </a:r>
+            <a:r>
+              <a:rPr lang="es-ES" sz="1000" b="1" dirty="0">
+                <a:solidFill>
+                  <a:schemeClr val="bg1">
+                    <a:lumMod val="75000"/>
+                    <a:lumOff val="25000"/>
+                  </a:schemeClr>
+                </a:solidFill>
+                <a:effectLst>
+                  <a:outerShdw blurRad="38100" dist="38100" dir="2700000" algn="tl">
+                    <a:srgbClr val="000000">
+                      <a:alpha val="43137"/>
+                    </a:srgbClr>
+                  </a:outerShdw>
+                </a:effectLst>
+              </a:rPr>
+              <a:t>/</a:t>
+            </a:r>
+            <a:r>
+              <a:rPr lang="es-ES" sz="1000" b="1" dirty="0" err="1">
+                <a:solidFill>
+                  <a:schemeClr val="bg1">
+                    <a:lumMod val="75000"/>
+                    <a:lumOff val="25000"/>
+                  </a:schemeClr>
+                </a:solidFill>
+                <a:effectLst>
+                  <a:outerShdw blurRad="38100" dist="38100" dir="2700000" algn="tl">
+                    <a:srgbClr val="000000">
+                      <a:alpha val="43137"/>
+                    </a:srgbClr>
+                  </a:outerShdw>
+                </a:effectLst>
+              </a:rPr>
+              <a:t>mi_objeto.mtl</a:t>
+            </a:r>
+            <a:r>
+              <a:rPr lang="es-ES" sz="1000" b="1" dirty="0">
+                <a:solidFill>
+                  <a:schemeClr val="bg1">
+                    <a:lumMod val="75000"/>
+                    <a:lumOff val="25000"/>
+                  </a:schemeClr>
+                </a:solidFill>
+                <a:effectLst>
+                  <a:outerShdw blurRad="38100" dist="38100" dir="2700000" algn="tl">
+                    <a:srgbClr val="000000">
+                      <a:alpha val="43137"/>
+                    </a:srgbClr>
+                  </a:outerShdw>
+                </a:effectLst>
+              </a:rPr>
+              <a:t>"&gt;&lt;/a-</a:t>
+            </a:r>
+            <a:r>
+              <a:rPr lang="es-ES" sz="1000" b="1" dirty="0" err="1">
+                <a:solidFill>
+                  <a:schemeClr val="bg1">
+                    <a:lumMod val="75000"/>
+                    <a:lumOff val="25000"/>
+                  </a:schemeClr>
+                </a:solidFill>
+                <a:effectLst>
+                  <a:outerShdw blurRad="38100" dist="38100" dir="2700000" algn="tl">
+                    <a:srgbClr val="000000">
+                      <a:alpha val="43137"/>
+                    </a:srgbClr>
+                  </a:outerShdw>
+                </a:effectLst>
+              </a:rPr>
+              <a:t>asset</a:t>
+            </a:r>
+            <a:r>
+              <a:rPr lang="es-ES" sz="1000" b="1" dirty="0">
+                <a:solidFill>
+                  <a:schemeClr val="bg1">
+                    <a:lumMod val="75000"/>
+                    <a:lumOff val="25000"/>
+                  </a:schemeClr>
+                </a:solidFill>
+                <a:effectLst>
+                  <a:outerShdw blurRad="38100" dist="38100" dir="2700000" algn="tl">
+                    <a:srgbClr val="000000">
+                      <a:alpha val="43137"/>
+                    </a:srgbClr>
+                  </a:outerShdw>
+                </a:effectLst>
+              </a:rPr>
+              <a:t>-</a:t>
+            </a:r>
+            <a:r>
+              <a:rPr lang="es-ES" sz="1000" b="1" dirty="0" err="1">
+                <a:solidFill>
+                  <a:schemeClr val="bg1">
+                    <a:lumMod val="75000"/>
+                    <a:lumOff val="25000"/>
+                  </a:schemeClr>
+                </a:solidFill>
+                <a:effectLst>
+                  <a:outerShdw blurRad="38100" dist="38100" dir="2700000" algn="tl">
+                    <a:srgbClr val="000000">
+                      <a:alpha val="43137"/>
+                    </a:srgbClr>
+                  </a:outerShdw>
+                </a:effectLst>
+              </a:rPr>
+              <a:t>item</a:t>
+            </a:r>
+            <a:r>
+              <a:rPr lang="es-ES" sz="1000" b="1" dirty="0">
+                <a:solidFill>
+                  <a:schemeClr val="bg1">
+                    <a:lumMod val="75000"/>
+                    <a:lumOff val="25000"/>
+                  </a:schemeClr>
+                </a:solidFill>
+                <a:effectLst>
+                  <a:outerShdw blurRad="38100" dist="38100" dir="2700000" algn="tl">
+                    <a:srgbClr val="000000">
+                      <a:alpha val="43137"/>
+                    </a:srgbClr>
+                  </a:outerShdw>
+                </a:effectLst>
+              </a:rPr>
+              <a:t>&gt;</a:t>
+            </a:r>
+          </a:p>
+          <a:p>
+            <a:pPr marL="1371600" lvl="3" indent="0">
+              <a:buNone/>
+            </a:pPr>
+            <a:r>
+              <a:rPr lang="es-ES" sz="1000" b="1" dirty="0">
+                <a:solidFill>
+                  <a:schemeClr val="bg1">
+                    <a:lumMod val="75000"/>
+                    <a:lumOff val="25000"/>
+                  </a:schemeClr>
+                </a:solidFill>
+                <a:effectLst>
+                  <a:outerShdw blurRad="38100" dist="38100" dir="2700000" algn="tl">
+                    <a:srgbClr val="000000">
+                      <a:alpha val="43137"/>
+                    </a:srgbClr>
+                  </a:outerShdw>
+                </a:effectLst>
+              </a:rPr>
+              <a:t>	   &lt;</a:t>
+            </a:r>
+            <a:r>
+              <a:rPr lang="es-ES" sz="1000" b="1" dirty="0" err="1">
+                <a:solidFill>
+                  <a:schemeClr val="bg1">
+                    <a:lumMod val="75000"/>
+                    <a:lumOff val="25000"/>
+                  </a:schemeClr>
+                </a:solidFill>
+                <a:effectLst>
+                  <a:outerShdw blurRad="38100" dist="38100" dir="2700000" algn="tl">
+                    <a:srgbClr val="000000">
+                      <a:alpha val="43137"/>
+                    </a:srgbClr>
+                  </a:outerShdw>
+                </a:effectLst>
+              </a:rPr>
+              <a:t>img</a:t>
+            </a:r>
+            <a:r>
+              <a:rPr lang="es-ES" sz="1000" b="1" dirty="0">
+                <a:solidFill>
+                  <a:schemeClr val="bg1">
+                    <a:lumMod val="75000"/>
+                    <a:lumOff val="25000"/>
+                  </a:schemeClr>
+                </a:solidFill>
+                <a:effectLst>
+                  <a:outerShdw blurRad="38100" dist="38100" dir="2700000" algn="tl">
+                    <a:srgbClr val="000000">
+                      <a:alpha val="43137"/>
+                    </a:srgbClr>
+                  </a:outerShdw>
+                </a:effectLst>
+              </a:rPr>
+              <a:t> id=“</a:t>
+            </a:r>
+            <a:r>
+              <a:rPr lang="es-ES" sz="1000" b="1" dirty="0" err="1">
+                <a:solidFill>
+                  <a:schemeClr val="bg1">
+                    <a:lumMod val="75000"/>
+                    <a:lumOff val="25000"/>
+                  </a:schemeClr>
+                </a:solidFill>
+                <a:effectLst>
+                  <a:outerShdw blurRad="38100" dist="38100" dir="2700000" algn="tl">
+                    <a:srgbClr val="000000">
+                      <a:alpha val="43137"/>
+                    </a:srgbClr>
+                  </a:outerShdw>
+                </a:effectLst>
+              </a:rPr>
+              <a:t>beetle-texture</a:t>
+            </a:r>
+            <a:r>
+              <a:rPr lang="es-ES" sz="1000" b="1" dirty="0">
+                <a:solidFill>
+                  <a:schemeClr val="bg1">
+                    <a:lumMod val="75000"/>
+                    <a:lumOff val="25000"/>
+                  </a:schemeClr>
+                </a:solidFill>
+                <a:effectLst>
+                  <a:outerShdw blurRad="38100" dist="38100" dir="2700000" algn="tl">
+                    <a:srgbClr val="000000">
+                      <a:alpha val="43137"/>
+                    </a:srgbClr>
+                  </a:outerShdw>
+                </a:effectLst>
+              </a:rPr>
+              <a:t>" </a:t>
+            </a:r>
+            <a:r>
+              <a:rPr lang="es-ES" sz="1000" b="1" dirty="0" err="1">
+                <a:solidFill>
+                  <a:schemeClr val="bg1">
+                    <a:lumMod val="75000"/>
+                    <a:lumOff val="25000"/>
+                  </a:schemeClr>
+                </a:solidFill>
+                <a:effectLst>
+                  <a:outerShdw blurRad="38100" dist="38100" dir="2700000" algn="tl">
+                    <a:srgbClr val="000000">
+                      <a:alpha val="43137"/>
+                    </a:srgbClr>
+                  </a:outerShdw>
+                </a:effectLst>
+              </a:rPr>
+              <a:t>src</a:t>
+            </a:r>
+            <a:r>
+              <a:rPr lang="es-ES" sz="1000" b="1" dirty="0">
+                <a:solidFill>
+                  <a:schemeClr val="bg1">
+                    <a:lumMod val="75000"/>
+                    <a:lumOff val="25000"/>
+                  </a:schemeClr>
+                </a:solidFill>
+                <a:effectLst>
+                  <a:outerShdw blurRad="38100" dist="38100" dir="2700000" algn="tl">
+                    <a:srgbClr val="000000">
+                      <a:alpha val="43137"/>
+                    </a:srgbClr>
+                  </a:outerShdw>
+                </a:effectLst>
+              </a:rPr>
+              <a:t>="</a:t>
+            </a:r>
+            <a:r>
+              <a:rPr lang="es-ES" sz="1000" b="1" dirty="0" err="1">
+                <a:solidFill>
+                  <a:schemeClr val="bg1">
+                    <a:lumMod val="75000"/>
+                    <a:lumOff val="25000"/>
+                  </a:schemeClr>
+                </a:solidFill>
+                <a:effectLst>
+                  <a:outerShdw blurRad="38100" dist="38100" dir="2700000" algn="tl">
+                    <a:srgbClr val="000000">
+                      <a:alpha val="43137"/>
+                    </a:srgbClr>
+                  </a:outerShdw>
+                </a:effectLst>
+              </a:rPr>
+              <a:t>img</a:t>
+            </a:r>
+            <a:r>
+              <a:rPr lang="es-ES" sz="1000" b="1" dirty="0">
+                <a:solidFill>
+                  <a:schemeClr val="bg1">
+                    <a:lumMod val="75000"/>
+                    <a:lumOff val="25000"/>
+                  </a:schemeClr>
+                </a:solidFill>
+                <a:effectLst>
+                  <a:outerShdw blurRad="38100" dist="38100" dir="2700000" algn="tl">
+                    <a:srgbClr val="000000">
+                      <a:alpha val="43137"/>
+                    </a:srgbClr>
+                  </a:outerShdw>
+                </a:effectLst>
+              </a:rPr>
+              <a:t>/wood.jpg"&gt;</a:t>
+            </a:r>
+          </a:p>
+          <a:p>
+            <a:pPr marL="1371600" lvl="3" indent="0">
+              <a:buNone/>
+            </a:pPr>
+            <a:r>
+              <a:rPr lang="es-ES" sz="1000" b="1" dirty="0">
+                <a:solidFill>
+                  <a:schemeClr val="bg1">
+                    <a:lumMod val="75000"/>
+                    <a:lumOff val="25000"/>
+                  </a:schemeClr>
+                </a:solidFill>
+                <a:effectLst>
+                  <a:outerShdw blurRad="38100" dist="38100" dir="2700000" algn="tl">
+                    <a:srgbClr val="000000">
+                      <a:alpha val="43137"/>
+                    </a:srgbClr>
+                  </a:outerShdw>
+                </a:effectLst>
+              </a:rPr>
+              <a:t>&lt;/a-</a:t>
+            </a:r>
+            <a:r>
+              <a:rPr lang="es-ES" sz="1000" b="1" dirty="0" err="1">
+                <a:solidFill>
+                  <a:schemeClr val="bg1">
+                    <a:lumMod val="75000"/>
+                    <a:lumOff val="25000"/>
+                  </a:schemeClr>
+                </a:solidFill>
+                <a:effectLst>
+                  <a:outerShdw blurRad="38100" dist="38100" dir="2700000" algn="tl">
+                    <a:srgbClr val="000000">
+                      <a:alpha val="43137"/>
+                    </a:srgbClr>
+                  </a:outerShdw>
+                </a:effectLst>
+              </a:rPr>
+              <a:t>assets</a:t>
+            </a:r>
+            <a:r>
+              <a:rPr lang="es-ES" sz="1000" b="1" dirty="0">
+                <a:solidFill>
+                  <a:schemeClr val="bg1">
+                    <a:lumMod val="75000"/>
+                    <a:lumOff val="25000"/>
+                  </a:schemeClr>
+                </a:solidFill>
+                <a:effectLst>
+                  <a:outerShdw blurRad="38100" dist="38100" dir="2700000" algn="tl">
+                    <a:srgbClr val="000000">
+                      <a:alpha val="43137"/>
+                    </a:srgbClr>
+                  </a:outerShdw>
+                </a:effectLst>
+              </a:rPr>
+              <a:t>&gt;</a:t>
+            </a:r>
+          </a:p>
+          <a:p>
+            <a:pPr marL="1257300" lvl="2" indent="-342900">
+              <a:buFont typeface="+mj-lt"/>
+              <a:buAutoNum type="arabicPeriod"/>
+            </a:pPr>
+            <a:r>
+              <a:rPr lang="es-ES" sz="1200" dirty="0"/>
+              <a:t>Se invocan el </a:t>
+            </a:r>
+            <a:r>
+              <a:rPr lang="es-ES" sz="1200" b="1" dirty="0"/>
+              <a:t>.</a:t>
+            </a:r>
+            <a:r>
+              <a:rPr lang="es-ES" sz="1200" b="1" dirty="0" err="1"/>
+              <a:t>obj</a:t>
+            </a:r>
+            <a:r>
+              <a:rPr lang="es-ES" sz="1200" dirty="0"/>
+              <a:t>, </a:t>
+            </a:r>
+            <a:r>
+              <a:rPr lang="es-ES" sz="1200" b="1" dirty="0"/>
+              <a:t>.</a:t>
+            </a:r>
+            <a:r>
+              <a:rPr lang="es-ES" sz="1200" b="1" dirty="0" err="1"/>
+              <a:t>mtl</a:t>
+            </a:r>
+            <a:r>
+              <a:rPr lang="es-ES" sz="1200" dirty="0"/>
+              <a:t>, y la </a:t>
+            </a:r>
+            <a:r>
+              <a:rPr lang="es-ES" sz="1200" b="1" dirty="0"/>
+              <a:t>textura</a:t>
+            </a:r>
+            <a:r>
+              <a:rPr lang="es-ES" sz="1200" dirty="0"/>
+              <a:t>. Para la textura vale cualquier </a:t>
+            </a:r>
+            <a:r>
+              <a:rPr lang="es-ES" sz="1200" b="1" dirty="0"/>
+              <a:t>.</a:t>
+            </a:r>
+            <a:r>
+              <a:rPr lang="es-ES" sz="1200" b="1" dirty="0" err="1"/>
+              <a:t>jpg</a:t>
+            </a:r>
+            <a:r>
+              <a:rPr lang="es-ES" sz="1200" dirty="0"/>
+              <a:t>, es recomendable que se trate de algún tipo de imagen que sea una textura, una buena web para obtener una de forma gratuita es </a:t>
+            </a:r>
+            <a:r>
+              <a:rPr lang="es-ES" sz="1200" dirty="0">
+                <a:hlinkClick r:id="rId2"/>
+              </a:rPr>
+              <a:t>pixabay</a:t>
+            </a:r>
+            <a:r>
+              <a:rPr lang="es-ES" sz="1200" dirty="0"/>
+              <a:t>. En la propiedad </a:t>
+            </a:r>
+            <a:r>
+              <a:rPr lang="es-ES" sz="1200" u="sng" dirty="0" err="1"/>
+              <a:t>src</a:t>
+            </a:r>
+            <a:r>
+              <a:rPr lang="es-ES" sz="1200" dirty="0"/>
+              <a:t> se indica la ruta de cada archivo a importar.</a:t>
+            </a:r>
+          </a:p>
+          <a:p>
+            <a:pPr marL="1371600" lvl="3" indent="0">
+              <a:buNone/>
+            </a:pPr>
+            <a:r>
+              <a:rPr lang="es-ES" sz="1100" b="1" dirty="0">
+                <a:solidFill>
+                  <a:schemeClr val="bg1">
+                    <a:lumMod val="85000"/>
+                    <a:lumOff val="15000"/>
+                  </a:schemeClr>
+                </a:solidFill>
+                <a:effectLst>
+                  <a:outerShdw blurRad="38100" dist="38100" dir="2700000" algn="tl">
+                    <a:srgbClr val="000000">
+                      <a:alpha val="43137"/>
+                    </a:srgbClr>
+                  </a:outerShdw>
+                </a:effectLst>
+              </a:rPr>
+              <a:t>&lt;a-</a:t>
+            </a:r>
+            <a:r>
+              <a:rPr lang="es-ES" sz="1100" b="1" dirty="0" err="1">
+                <a:solidFill>
+                  <a:schemeClr val="bg1">
+                    <a:lumMod val="85000"/>
+                    <a:lumOff val="15000"/>
+                  </a:schemeClr>
+                </a:solidFill>
+                <a:effectLst>
+                  <a:outerShdw blurRad="38100" dist="38100" dir="2700000" algn="tl">
+                    <a:srgbClr val="000000">
+                      <a:alpha val="43137"/>
+                    </a:srgbClr>
+                  </a:outerShdw>
+                </a:effectLst>
+              </a:rPr>
+              <a:t>entity</a:t>
+            </a:r>
+            <a:r>
+              <a:rPr lang="es-ES" sz="1100" b="1" dirty="0">
+                <a:solidFill>
+                  <a:schemeClr val="bg1">
+                    <a:lumMod val="85000"/>
+                    <a:lumOff val="15000"/>
+                  </a:schemeClr>
+                </a:solidFill>
+                <a:effectLst>
+                  <a:outerShdw blurRad="38100" dist="38100" dir="2700000" algn="tl">
+                    <a:srgbClr val="000000">
+                      <a:alpha val="43137"/>
+                    </a:srgbClr>
+                  </a:outerShdw>
+                </a:effectLst>
+              </a:rPr>
+              <a:t> </a:t>
+            </a:r>
+            <a:r>
+              <a:rPr lang="es-ES" sz="1100" b="1" dirty="0" err="1">
+                <a:solidFill>
+                  <a:schemeClr val="bg1">
+                    <a:lumMod val="85000"/>
+                    <a:lumOff val="15000"/>
+                  </a:schemeClr>
+                </a:solidFill>
+                <a:effectLst>
+                  <a:outerShdw blurRad="38100" dist="38100" dir="2700000" algn="tl">
+                    <a:srgbClr val="000000">
+                      <a:alpha val="43137"/>
+                    </a:srgbClr>
+                  </a:outerShdw>
+                </a:effectLst>
+              </a:rPr>
+              <a:t>obj-model</a:t>
+            </a:r>
+            <a:r>
+              <a:rPr lang="es-ES" sz="1100" b="1" dirty="0">
+                <a:solidFill>
+                  <a:schemeClr val="bg1">
+                    <a:lumMod val="85000"/>
+                    <a:lumOff val="15000"/>
+                  </a:schemeClr>
+                </a:solidFill>
+                <a:effectLst>
+                  <a:outerShdw blurRad="38100" dist="38100" dir="2700000" algn="tl">
+                    <a:srgbClr val="000000">
+                      <a:alpha val="43137"/>
+                    </a:srgbClr>
+                  </a:outerShdw>
+                </a:effectLst>
+              </a:rPr>
+              <a:t>="</a:t>
+            </a:r>
+            <a:r>
+              <a:rPr lang="es-ES" sz="1100" b="1" dirty="0" err="1">
+                <a:solidFill>
+                  <a:schemeClr val="bg1">
+                    <a:lumMod val="85000"/>
+                    <a:lumOff val="15000"/>
+                  </a:schemeClr>
+                </a:solidFill>
+                <a:effectLst>
+                  <a:outerShdw blurRad="38100" dist="38100" dir="2700000" algn="tl">
+                    <a:srgbClr val="000000">
+                      <a:alpha val="43137"/>
+                    </a:srgbClr>
+                  </a:outerShdw>
+                </a:effectLst>
+              </a:rPr>
+              <a:t>obj</a:t>
+            </a:r>
+            <a:r>
+              <a:rPr lang="es-ES" sz="1100" b="1" dirty="0">
+                <a:solidFill>
+                  <a:schemeClr val="bg1">
+                    <a:lumMod val="85000"/>
+                    <a:lumOff val="15000"/>
+                  </a:schemeClr>
+                </a:solidFill>
+                <a:effectLst>
+                  <a:outerShdw blurRad="38100" dist="38100" dir="2700000" algn="tl">
+                    <a:srgbClr val="000000">
+                      <a:alpha val="43137"/>
+                    </a:srgbClr>
+                  </a:outerShdw>
+                </a:effectLst>
+              </a:rPr>
+              <a:t>: #</a:t>
+            </a:r>
+            <a:r>
+              <a:rPr lang="es-ES" sz="1100" b="1" dirty="0" err="1">
+                <a:solidFill>
+                  <a:schemeClr val="bg1">
+                    <a:lumMod val="85000"/>
+                    <a:lumOff val="15000"/>
+                  </a:schemeClr>
+                </a:solidFill>
+                <a:effectLst>
+                  <a:outerShdw blurRad="38100" dist="38100" dir="2700000" algn="tl">
+                    <a:srgbClr val="000000">
+                      <a:alpha val="43137"/>
+                    </a:srgbClr>
+                  </a:outerShdw>
+                </a:effectLst>
+              </a:rPr>
+              <a:t>beetle-obj</a:t>
+            </a:r>
+            <a:r>
+              <a:rPr lang="es-ES" sz="1100" b="1" dirty="0">
+                <a:solidFill>
+                  <a:schemeClr val="bg1">
+                    <a:lumMod val="85000"/>
+                    <a:lumOff val="15000"/>
+                  </a:schemeClr>
+                </a:solidFill>
+                <a:effectLst>
+                  <a:outerShdw blurRad="38100" dist="38100" dir="2700000" algn="tl">
+                    <a:srgbClr val="000000">
+                      <a:alpha val="43137"/>
+                    </a:srgbClr>
+                  </a:outerShdw>
+                </a:effectLst>
+              </a:rPr>
+              <a:t>" </a:t>
+            </a:r>
+            <a:r>
+              <a:rPr lang="es-ES" sz="1100" b="1" dirty="0" err="1">
+                <a:solidFill>
+                  <a:schemeClr val="bg1">
+                    <a:lumMod val="85000"/>
+                    <a:lumOff val="15000"/>
+                  </a:schemeClr>
+                </a:solidFill>
+                <a:effectLst>
+                  <a:outerShdw blurRad="38100" dist="38100" dir="2700000" algn="tl">
+                    <a:srgbClr val="000000">
+                      <a:alpha val="43137"/>
+                    </a:srgbClr>
+                  </a:outerShdw>
+                </a:effectLst>
+              </a:rPr>
+              <a:t>mtl</a:t>
+            </a:r>
+            <a:r>
+              <a:rPr lang="es-ES" sz="1100" b="1" dirty="0">
+                <a:solidFill>
+                  <a:schemeClr val="bg1">
+                    <a:lumMod val="85000"/>
+                    <a:lumOff val="15000"/>
+                  </a:schemeClr>
+                </a:solidFill>
+                <a:effectLst>
+                  <a:outerShdw blurRad="38100" dist="38100" dir="2700000" algn="tl">
+                    <a:srgbClr val="000000">
+                      <a:alpha val="43137"/>
+                    </a:srgbClr>
+                  </a:outerShdw>
+                </a:effectLst>
+              </a:rPr>
+              <a:t>="#</a:t>
+            </a:r>
+            <a:r>
+              <a:rPr lang="es-ES" sz="1100" b="1" dirty="0" err="1">
+                <a:solidFill>
+                  <a:schemeClr val="bg1">
+                    <a:lumMod val="85000"/>
+                    <a:lumOff val="15000"/>
+                  </a:schemeClr>
+                </a:solidFill>
+                <a:effectLst>
+                  <a:outerShdw blurRad="38100" dist="38100" dir="2700000" algn="tl">
+                    <a:srgbClr val="000000">
+                      <a:alpha val="43137"/>
+                    </a:srgbClr>
+                  </a:outerShdw>
+                </a:effectLst>
+              </a:rPr>
+              <a:t>beetle-mtl</a:t>
+            </a:r>
+            <a:r>
+              <a:rPr lang="es-ES" sz="1100" b="1" dirty="0">
+                <a:solidFill>
+                  <a:schemeClr val="bg1">
+                    <a:lumMod val="85000"/>
+                    <a:lumOff val="15000"/>
+                  </a:schemeClr>
+                </a:solidFill>
+                <a:effectLst>
+                  <a:outerShdw blurRad="38100" dist="38100" dir="2700000" algn="tl">
+                    <a:srgbClr val="000000">
+                      <a:alpha val="43137"/>
+                    </a:srgbClr>
+                  </a:outerShdw>
+                </a:effectLst>
+              </a:rPr>
+              <a:t>" material="</a:t>
+            </a:r>
+            <a:r>
+              <a:rPr lang="es-ES" sz="1100" b="1" dirty="0" err="1">
+                <a:solidFill>
+                  <a:schemeClr val="bg1">
+                    <a:lumMod val="85000"/>
+                    <a:lumOff val="15000"/>
+                  </a:schemeClr>
+                </a:solidFill>
+                <a:effectLst>
+                  <a:outerShdw blurRad="38100" dist="38100" dir="2700000" algn="tl">
+                    <a:srgbClr val="000000">
+                      <a:alpha val="43137"/>
+                    </a:srgbClr>
+                  </a:outerShdw>
+                </a:effectLst>
+              </a:rPr>
+              <a:t>src</a:t>
+            </a:r>
+            <a:r>
+              <a:rPr lang="es-ES" sz="1100" b="1" dirty="0">
+                <a:solidFill>
+                  <a:schemeClr val="bg1">
+                    <a:lumMod val="85000"/>
+                    <a:lumOff val="15000"/>
+                  </a:schemeClr>
+                </a:solidFill>
+                <a:effectLst>
+                  <a:outerShdw blurRad="38100" dist="38100" dir="2700000" algn="tl">
+                    <a:srgbClr val="000000">
+                      <a:alpha val="43137"/>
+                    </a:srgbClr>
+                  </a:outerShdw>
+                </a:effectLst>
+              </a:rPr>
+              <a:t>: #</a:t>
+            </a:r>
+            <a:r>
+              <a:rPr lang="es-ES" sz="1100" b="1" dirty="0" err="1">
+                <a:solidFill>
+                  <a:schemeClr val="bg1">
+                    <a:lumMod val="85000"/>
+                    <a:lumOff val="15000"/>
+                  </a:schemeClr>
+                </a:solidFill>
+                <a:effectLst>
+                  <a:outerShdw blurRad="38100" dist="38100" dir="2700000" algn="tl">
+                    <a:srgbClr val="000000">
+                      <a:alpha val="43137"/>
+                    </a:srgbClr>
+                  </a:outerShdw>
+                </a:effectLst>
+              </a:rPr>
+              <a:t>beetle-texture</a:t>
+            </a:r>
+            <a:r>
+              <a:rPr lang="es-ES" sz="1100" b="1" dirty="0">
+                <a:solidFill>
+                  <a:schemeClr val="bg1">
+                    <a:lumMod val="85000"/>
+                    <a:lumOff val="15000"/>
+                  </a:schemeClr>
+                </a:solidFill>
+                <a:effectLst>
+                  <a:outerShdw blurRad="38100" dist="38100" dir="2700000" algn="tl">
+                    <a:srgbClr val="000000">
+                      <a:alpha val="43137"/>
+                    </a:srgbClr>
+                  </a:outerShdw>
+                </a:effectLst>
+              </a:rPr>
+              <a:t>"&gt;    &lt;/a-</a:t>
+            </a:r>
+            <a:r>
+              <a:rPr lang="es-ES" sz="1100" b="1" dirty="0" err="1">
+                <a:solidFill>
+                  <a:schemeClr val="bg1">
+                    <a:lumMod val="85000"/>
+                    <a:lumOff val="15000"/>
+                  </a:schemeClr>
+                </a:solidFill>
+                <a:effectLst>
+                  <a:outerShdw blurRad="38100" dist="38100" dir="2700000" algn="tl">
+                    <a:srgbClr val="000000">
+                      <a:alpha val="43137"/>
+                    </a:srgbClr>
+                  </a:outerShdw>
+                </a:effectLst>
+              </a:rPr>
+              <a:t>entity</a:t>
+            </a:r>
+            <a:r>
+              <a:rPr lang="es-ES" sz="1100" b="1" dirty="0">
+                <a:solidFill>
+                  <a:schemeClr val="bg1">
+                    <a:lumMod val="85000"/>
+                    <a:lumOff val="15000"/>
+                  </a:schemeClr>
+                </a:solidFill>
+                <a:effectLst>
+                  <a:outerShdw blurRad="38100" dist="38100" dir="2700000" algn="tl">
+                    <a:srgbClr val="000000">
+                      <a:alpha val="43137"/>
+                    </a:srgbClr>
+                  </a:outerShdw>
+                </a:effectLst>
+              </a:rPr>
+              <a:t>&gt;</a:t>
+            </a:r>
+            <a:endParaRPr lang="es-ES" dirty="0">
               <a:solidFill>
                 <a:schemeClr val="bg1">
-                  <a:lumMod val="75000"/>
-                  <a:lumOff val="25000"/>
+                  <a:lumMod val="85000"/>
+                  <a:lumOff val="15000"/>
                 </a:schemeClr>
               </a:solidFill>
             </a:endParaRPr>
-          </a:p>
-          <a:p>
-            <a:pPr lvl="2"/>
-            <a:endParaRPr lang="es-ES" dirty="0"/>
           </a:p>
         </p:txBody>
       </p:sp>
@@ -16620,6 +18780,538 @@
   <p:clrMapOvr>
     <a:masterClrMapping/>
   </p:clrMapOvr>
+  <p:timing>
+    <p:tnLst>
+      <p:par>
+        <p:cTn id="1" dur="indefinite" restart="never" nodeType="tmRoot">
+          <p:childTnLst>
+            <p:seq concurrent="1" nextAc="seek">
+              <p:cTn id="2" dur="indefinite" nodeType="mainSeq">
+                <p:childTnLst>
+                  <p:par>
+                    <p:cTn id="3" fill="hold">
+                      <p:stCondLst>
+                        <p:cond delay="indefinite"/>
+                      </p:stCondLst>
+                      <p:childTnLst>
+                        <p:par>
+                          <p:cTn id="4" fill="hold">
+                            <p:stCondLst>
+                              <p:cond delay="0"/>
+                            </p:stCondLst>
+                            <p:childTnLst>
+                              <p:par>
+                                <p:cTn id="5" presetID="10" presetClass="entr" presetSubtype="0" fill="hold" nodeType="clickEffect">
+                                  <p:stCondLst>
+                                    <p:cond delay="0"/>
+                                  </p:stCondLst>
+                                  <p:childTnLst>
+                                    <p:set>
+                                      <p:cBhvr>
+                                        <p:cTn id="6" dur="1" fill="hold">
+                                          <p:stCondLst>
+                                            <p:cond delay="0"/>
+                                          </p:stCondLst>
+                                        </p:cTn>
+                                        <p:tgtEl>
+                                          <p:spTgt spid="5">
+                                            <p:txEl>
+                                              <p:pRg st="0" end="0"/>
+                                            </p:txEl>
+                                          </p:spTgt>
+                                        </p:tgtEl>
+                                        <p:attrNameLst>
+                                          <p:attrName>style.visibility</p:attrName>
+                                        </p:attrNameLst>
+                                      </p:cBhvr>
+                                      <p:to>
+                                        <p:strVal val="visible"/>
+                                      </p:to>
+                                    </p:set>
+                                    <p:animEffect transition="in" filter="fade">
+                                      <p:cBhvr>
+                                        <p:cTn id="7" dur="500"/>
+                                        <p:tgtEl>
+                                          <p:spTgt spid="5">
+                                            <p:txEl>
+                                              <p:pRg st="0" end="0"/>
+                                            </p:txEl>
+                                          </p:spTgt>
+                                        </p:tgtEl>
+                                      </p:cBhvr>
+                                    </p:animEffect>
+                                  </p:childTnLst>
+                                </p:cTn>
+                              </p:par>
+                            </p:childTnLst>
+                          </p:cTn>
+                        </p:par>
+                      </p:childTnLst>
+                    </p:cTn>
+                  </p:par>
+                  <p:par>
+                    <p:cTn id="8" fill="hold">
+                      <p:stCondLst>
+                        <p:cond delay="indefinite"/>
+                      </p:stCondLst>
+                      <p:childTnLst>
+                        <p:par>
+                          <p:cTn id="9" fill="hold">
+                            <p:stCondLst>
+                              <p:cond delay="0"/>
+                            </p:stCondLst>
+                            <p:childTnLst>
+                              <p:par>
+                                <p:cTn id="10" presetID="10" presetClass="entr" presetSubtype="0" fill="hold" nodeType="clickEffect">
+                                  <p:stCondLst>
+                                    <p:cond delay="0"/>
+                                  </p:stCondLst>
+                                  <p:childTnLst>
+                                    <p:set>
+                                      <p:cBhvr>
+                                        <p:cTn id="11" dur="1" fill="hold">
+                                          <p:stCondLst>
+                                            <p:cond delay="0"/>
+                                          </p:stCondLst>
+                                        </p:cTn>
+                                        <p:tgtEl>
+                                          <p:spTgt spid="5">
+                                            <p:txEl>
+                                              <p:pRg st="1" end="1"/>
+                                            </p:txEl>
+                                          </p:spTgt>
+                                        </p:tgtEl>
+                                        <p:attrNameLst>
+                                          <p:attrName>style.visibility</p:attrName>
+                                        </p:attrNameLst>
+                                      </p:cBhvr>
+                                      <p:to>
+                                        <p:strVal val="visible"/>
+                                      </p:to>
+                                    </p:set>
+                                    <p:animEffect transition="in" filter="fade">
+                                      <p:cBhvr>
+                                        <p:cTn id="12" dur="500"/>
+                                        <p:tgtEl>
+                                          <p:spTgt spid="5">
+                                            <p:txEl>
+                                              <p:pRg st="1" end="1"/>
+                                            </p:txEl>
+                                          </p:spTgt>
+                                        </p:tgtEl>
+                                      </p:cBhvr>
+                                    </p:animEffect>
+                                  </p:childTnLst>
+                                </p:cTn>
+                              </p:par>
+                            </p:childTnLst>
+                          </p:cTn>
+                        </p:par>
+                      </p:childTnLst>
+                    </p:cTn>
+                  </p:par>
+                  <p:par>
+                    <p:cTn id="13" fill="hold">
+                      <p:stCondLst>
+                        <p:cond delay="indefinite"/>
+                      </p:stCondLst>
+                      <p:childTnLst>
+                        <p:par>
+                          <p:cTn id="14" fill="hold">
+                            <p:stCondLst>
+                              <p:cond delay="0"/>
+                            </p:stCondLst>
+                            <p:childTnLst>
+                              <p:par>
+                                <p:cTn id="15" presetID="10" presetClass="entr" presetSubtype="0" fill="hold" nodeType="clickEffect">
+                                  <p:stCondLst>
+                                    <p:cond delay="0"/>
+                                  </p:stCondLst>
+                                  <p:childTnLst>
+                                    <p:set>
+                                      <p:cBhvr>
+                                        <p:cTn id="16" dur="1" fill="hold">
+                                          <p:stCondLst>
+                                            <p:cond delay="0"/>
+                                          </p:stCondLst>
+                                        </p:cTn>
+                                        <p:tgtEl>
+                                          <p:spTgt spid="5">
+                                            <p:txEl>
+                                              <p:pRg st="2" end="2"/>
+                                            </p:txEl>
+                                          </p:spTgt>
+                                        </p:tgtEl>
+                                        <p:attrNameLst>
+                                          <p:attrName>style.visibility</p:attrName>
+                                        </p:attrNameLst>
+                                      </p:cBhvr>
+                                      <p:to>
+                                        <p:strVal val="visible"/>
+                                      </p:to>
+                                    </p:set>
+                                    <p:animEffect transition="in" filter="fade">
+                                      <p:cBhvr>
+                                        <p:cTn id="17" dur="500"/>
+                                        <p:tgtEl>
+                                          <p:spTgt spid="5">
+                                            <p:txEl>
+                                              <p:pRg st="2" end="2"/>
+                                            </p:txEl>
+                                          </p:spTgt>
+                                        </p:tgtEl>
+                                      </p:cBhvr>
+                                    </p:animEffect>
+                                  </p:childTnLst>
+                                </p:cTn>
+                              </p:par>
+                              <p:par>
+                                <p:cTn id="18" presetID="10" presetClass="entr" presetSubtype="0" fill="hold" nodeType="withEffect">
+                                  <p:stCondLst>
+                                    <p:cond delay="0"/>
+                                  </p:stCondLst>
+                                  <p:childTnLst>
+                                    <p:set>
+                                      <p:cBhvr>
+                                        <p:cTn id="19" dur="1" fill="hold">
+                                          <p:stCondLst>
+                                            <p:cond delay="0"/>
+                                          </p:stCondLst>
+                                        </p:cTn>
+                                        <p:tgtEl>
+                                          <p:spTgt spid="5">
+                                            <p:txEl>
+                                              <p:pRg st="3" end="3"/>
+                                            </p:txEl>
+                                          </p:spTgt>
+                                        </p:tgtEl>
+                                        <p:attrNameLst>
+                                          <p:attrName>style.visibility</p:attrName>
+                                        </p:attrNameLst>
+                                      </p:cBhvr>
+                                      <p:to>
+                                        <p:strVal val="visible"/>
+                                      </p:to>
+                                    </p:set>
+                                    <p:animEffect transition="in" filter="fade">
+                                      <p:cBhvr>
+                                        <p:cTn id="20" dur="500"/>
+                                        <p:tgtEl>
+                                          <p:spTgt spid="5">
+                                            <p:txEl>
+                                              <p:pRg st="3" end="3"/>
+                                            </p:txEl>
+                                          </p:spTgt>
+                                        </p:tgtEl>
+                                      </p:cBhvr>
+                                    </p:animEffect>
+                                  </p:childTnLst>
+                                </p:cTn>
+                              </p:par>
+                              <p:par>
+                                <p:cTn id="21" presetID="10" presetClass="entr" presetSubtype="0" fill="hold" nodeType="withEffect">
+                                  <p:stCondLst>
+                                    <p:cond delay="0"/>
+                                  </p:stCondLst>
+                                  <p:childTnLst>
+                                    <p:set>
+                                      <p:cBhvr>
+                                        <p:cTn id="22" dur="1" fill="hold">
+                                          <p:stCondLst>
+                                            <p:cond delay="0"/>
+                                          </p:stCondLst>
+                                        </p:cTn>
+                                        <p:tgtEl>
+                                          <p:spTgt spid="5">
+                                            <p:txEl>
+                                              <p:pRg st="4" end="4"/>
+                                            </p:txEl>
+                                          </p:spTgt>
+                                        </p:tgtEl>
+                                        <p:attrNameLst>
+                                          <p:attrName>style.visibility</p:attrName>
+                                        </p:attrNameLst>
+                                      </p:cBhvr>
+                                      <p:to>
+                                        <p:strVal val="visible"/>
+                                      </p:to>
+                                    </p:set>
+                                    <p:animEffect transition="in" filter="fade">
+                                      <p:cBhvr>
+                                        <p:cTn id="23" dur="500"/>
+                                        <p:tgtEl>
+                                          <p:spTgt spid="5">
+                                            <p:txEl>
+                                              <p:pRg st="4" end="4"/>
+                                            </p:txEl>
+                                          </p:spTgt>
+                                        </p:tgtEl>
+                                      </p:cBhvr>
+                                    </p:animEffect>
+                                  </p:childTnLst>
+                                </p:cTn>
+                              </p:par>
+                              <p:par>
+                                <p:cTn id="24" presetID="10" presetClass="entr" presetSubtype="0" fill="hold" nodeType="withEffect">
+                                  <p:stCondLst>
+                                    <p:cond delay="0"/>
+                                  </p:stCondLst>
+                                  <p:childTnLst>
+                                    <p:set>
+                                      <p:cBhvr>
+                                        <p:cTn id="25" dur="1" fill="hold">
+                                          <p:stCondLst>
+                                            <p:cond delay="0"/>
+                                          </p:stCondLst>
+                                        </p:cTn>
+                                        <p:tgtEl>
+                                          <p:spTgt spid="5">
+                                            <p:txEl>
+                                              <p:pRg st="5" end="5"/>
+                                            </p:txEl>
+                                          </p:spTgt>
+                                        </p:tgtEl>
+                                        <p:attrNameLst>
+                                          <p:attrName>style.visibility</p:attrName>
+                                        </p:attrNameLst>
+                                      </p:cBhvr>
+                                      <p:to>
+                                        <p:strVal val="visible"/>
+                                      </p:to>
+                                    </p:set>
+                                    <p:animEffect transition="in" filter="fade">
+                                      <p:cBhvr>
+                                        <p:cTn id="26" dur="500"/>
+                                        <p:tgtEl>
+                                          <p:spTgt spid="5">
+                                            <p:txEl>
+                                              <p:pRg st="5" end="5"/>
+                                            </p:txEl>
+                                          </p:spTgt>
+                                        </p:tgtEl>
+                                      </p:cBhvr>
+                                    </p:animEffect>
+                                  </p:childTnLst>
+                                </p:cTn>
+                              </p:par>
+                              <p:par>
+                                <p:cTn id="27" presetID="10" presetClass="entr" presetSubtype="0" fill="hold" nodeType="withEffect">
+                                  <p:stCondLst>
+                                    <p:cond delay="0"/>
+                                  </p:stCondLst>
+                                  <p:childTnLst>
+                                    <p:set>
+                                      <p:cBhvr>
+                                        <p:cTn id="28" dur="1" fill="hold">
+                                          <p:stCondLst>
+                                            <p:cond delay="0"/>
+                                          </p:stCondLst>
+                                        </p:cTn>
+                                        <p:tgtEl>
+                                          <p:spTgt spid="5">
+                                            <p:txEl>
+                                              <p:pRg st="6" end="6"/>
+                                            </p:txEl>
+                                          </p:spTgt>
+                                        </p:tgtEl>
+                                        <p:attrNameLst>
+                                          <p:attrName>style.visibility</p:attrName>
+                                        </p:attrNameLst>
+                                      </p:cBhvr>
+                                      <p:to>
+                                        <p:strVal val="visible"/>
+                                      </p:to>
+                                    </p:set>
+                                    <p:animEffect transition="in" filter="fade">
+                                      <p:cBhvr>
+                                        <p:cTn id="29" dur="500"/>
+                                        <p:tgtEl>
+                                          <p:spTgt spid="5">
+                                            <p:txEl>
+                                              <p:pRg st="6" end="6"/>
+                                            </p:txEl>
+                                          </p:spTgt>
+                                        </p:tgtEl>
+                                      </p:cBhvr>
+                                    </p:animEffect>
+                                  </p:childTnLst>
+                                </p:cTn>
+                              </p:par>
+                              <p:par>
+                                <p:cTn id="30" presetID="10" presetClass="entr" presetSubtype="0" fill="hold" nodeType="withEffect">
+                                  <p:stCondLst>
+                                    <p:cond delay="0"/>
+                                  </p:stCondLst>
+                                  <p:childTnLst>
+                                    <p:set>
+                                      <p:cBhvr>
+                                        <p:cTn id="31" dur="1" fill="hold">
+                                          <p:stCondLst>
+                                            <p:cond delay="0"/>
+                                          </p:stCondLst>
+                                        </p:cTn>
+                                        <p:tgtEl>
+                                          <p:spTgt spid="5">
+                                            <p:txEl>
+                                              <p:pRg st="7" end="7"/>
+                                            </p:txEl>
+                                          </p:spTgt>
+                                        </p:tgtEl>
+                                        <p:attrNameLst>
+                                          <p:attrName>style.visibility</p:attrName>
+                                        </p:attrNameLst>
+                                      </p:cBhvr>
+                                      <p:to>
+                                        <p:strVal val="visible"/>
+                                      </p:to>
+                                    </p:set>
+                                    <p:animEffect transition="in" filter="fade">
+                                      <p:cBhvr>
+                                        <p:cTn id="32" dur="500"/>
+                                        <p:tgtEl>
+                                          <p:spTgt spid="5">
+                                            <p:txEl>
+                                              <p:pRg st="7" end="7"/>
+                                            </p:txEl>
+                                          </p:spTgt>
+                                        </p:tgtEl>
+                                      </p:cBhvr>
+                                    </p:animEffect>
+                                  </p:childTnLst>
+                                </p:cTn>
+                              </p:par>
+                            </p:childTnLst>
+                          </p:cTn>
+                        </p:par>
+                      </p:childTnLst>
+                    </p:cTn>
+                  </p:par>
+                  <p:par>
+                    <p:cTn id="33" fill="hold">
+                      <p:stCondLst>
+                        <p:cond delay="indefinite"/>
+                      </p:stCondLst>
+                      <p:childTnLst>
+                        <p:par>
+                          <p:cTn id="34" fill="hold">
+                            <p:stCondLst>
+                              <p:cond delay="0"/>
+                            </p:stCondLst>
+                            <p:childTnLst>
+                              <p:par>
+                                <p:cTn id="35" presetID="10" presetClass="entr" presetSubtype="0" fill="hold" nodeType="clickEffect">
+                                  <p:stCondLst>
+                                    <p:cond delay="0"/>
+                                  </p:stCondLst>
+                                  <p:childTnLst>
+                                    <p:set>
+                                      <p:cBhvr>
+                                        <p:cTn id="36" dur="1" fill="hold">
+                                          <p:stCondLst>
+                                            <p:cond delay="0"/>
+                                          </p:stCondLst>
+                                        </p:cTn>
+                                        <p:tgtEl>
+                                          <p:spTgt spid="5">
+                                            <p:txEl>
+                                              <p:pRg st="8" end="8"/>
+                                            </p:txEl>
+                                          </p:spTgt>
+                                        </p:tgtEl>
+                                        <p:attrNameLst>
+                                          <p:attrName>style.visibility</p:attrName>
+                                        </p:attrNameLst>
+                                      </p:cBhvr>
+                                      <p:to>
+                                        <p:strVal val="visible"/>
+                                      </p:to>
+                                    </p:set>
+                                    <p:animEffect transition="in" filter="fade">
+                                      <p:cBhvr>
+                                        <p:cTn id="37" dur="500"/>
+                                        <p:tgtEl>
+                                          <p:spTgt spid="5">
+                                            <p:txEl>
+                                              <p:pRg st="8" end="8"/>
+                                            </p:txEl>
+                                          </p:spTgt>
+                                        </p:tgtEl>
+                                      </p:cBhvr>
+                                    </p:animEffect>
+                                  </p:childTnLst>
+                                </p:cTn>
+                              </p:par>
+                              <p:par>
+                                <p:cTn id="38" presetID="10" presetClass="entr" presetSubtype="0" fill="hold" nodeType="withEffect">
+                                  <p:stCondLst>
+                                    <p:cond delay="0"/>
+                                  </p:stCondLst>
+                                  <p:childTnLst>
+                                    <p:set>
+                                      <p:cBhvr>
+                                        <p:cTn id="39" dur="1" fill="hold">
+                                          <p:stCondLst>
+                                            <p:cond delay="0"/>
+                                          </p:stCondLst>
+                                        </p:cTn>
+                                        <p:tgtEl>
+                                          <p:spTgt spid="5">
+                                            <p:txEl>
+                                              <p:pRg st="9" end="9"/>
+                                            </p:txEl>
+                                          </p:spTgt>
+                                        </p:tgtEl>
+                                        <p:attrNameLst>
+                                          <p:attrName>style.visibility</p:attrName>
+                                        </p:attrNameLst>
+                                      </p:cBhvr>
+                                      <p:to>
+                                        <p:strVal val="visible"/>
+                                      </p:to>
+                                    </p:set>
+                                    <p:animEffect transition="in" filter="fade">
+                                      <p:cBhvr>
+                                        <p:cTn id="40" dur="500"/>
+                                        <p:tgtEl>
+                                          <p:spTgt spid="5">
+                                            <p:txEl>
+                                              <p:pRg st="9" end="9"/>
+                                            </p:txEl>
+                                          </p:spTgt>
+                                        </p:tgtEl>
+                                      </p:cBhvr>
+                                    </p:animEffect>
+                                  </p:childTnLst>
+                                </p:cTn>
+                              </p:par>
+                            </p:childTnLst>
+                          </p:cTn>
+                        </p:par>
+                      </p:childTnLst>
+                    </p:cTn>
+                  </p:par>
+                </p:childTnLst>
+              </p:cTn>
+              <p:prevCondLst>
+                <p:cond evt="onPrev" delay="0">
+                  <p:tgtEl>
+                    <p:sldTgt/>
+                  </p:tgtEl>
+                </p:cond>
+              </p:prevCondLst>
+              <p:nextCondLst>
+                <p:cond evt="onNext" delay="0">
+                  <p:tgtEl>
+                    <p:sldTgt/>
+                  </p:tgtEl>
+                </p:cond>
+              </p:nextCondLst>
+            </p:seq>
+          </p:childTnLst>
+        </p:cTn>
+      </p:par>
+    </p:tnLst>
+  </p:timing>
 </p:sld>
 </file>
 
@@ -16656,7 +19348,12 @@
             <p:ph type="title"/>
           </p:nvPr>
         </p:nvSpPr>
-        <p:spPr/>
+        <p:spPr>
+          <a:xfrm>
+            <a:off x="1141413" y="618518"/>
+            <a:ext cx="9905998" cy="1478570"/>
+          </a:xfrm>
+        </p:spPr>
         <p:txBody>
           <a:bodyPr/>
           <a:lstStyle/>
@@ -16692,12 +19389,764 @@
             <p:ph idx="1"/>
           </p:nvPr>
         </p:nvSpPr>
-        <p:spPr/>
+        <p:spPr>
+          <a:xfrm>
+            <a:off x="1141412" y="1899868"/>
+            <a:ext cx="9905999" cy="4339614"/>
+          </a:xfrm>
+        </p:spPr>
         <p:txBody>
-          <a:bodyPr/>
+          <a:bodyPr>
+            <a:normAutofit fontScale="92500" lnSpcReduction="20000"/>
+          </a:bodyPr>
           <a:lstStyle/>
           <a:p>
-            <a:endParaRPr lang="es-ES"/>
+            <a:r>
+              <a:rPr lang="es-ES" sz="1600" dirty="0"/>
+              <a:t>A-</a:t>
+            </a:r>
+            <a:r>
+              <a:rPr lang="es-ES" sz="1600" dirty="0" err="1"/>
+              <a:t>Frame</a:t>
+            </a:r>
+            <a:r>
+              <a:rPr lang="es-ES" sz="1600" dirty="0"/>
+              <a:t> nos permite añadir algo de animación básica a nuestro objeto, gracias a la importación de paquetes en JavaScript. El ejemplo expuesto aquí consigue aportarle una animación al objeto que consiste en una rotación al hacer </a:t>
+            </a:r>
+            <a:r>
+              <a:rPr lang="es-ES" sz="1600" dirty="0" err="1"/>
+              <a:t>click</a:t>
+            </a:r>
+            <a:r>
+              <a:rPr lang="es-ES" sz="1600" dirty="0"/>
+              <a:t> sobre él, para hacerlo se debe importar el módulo </a:t>
+            </a:r>
+            <a:r>
+              <a:rPr lang="es-ES" sz="1600" dirty="0">
+                <a:hlinkClick r:id="rId2"/>
+              </a:rPr>
+              <a:t>aframe-animation-component</a:t>
+            </a:r>
+            <a:r>
+              <a:rPr lang="es-ES" sz="1600" dirty="0"/>
+              <a:t>.</a:t>
+            </a:r>
+          </a:p>
+          <a:p>
+            <a:r>
+              <a:rPr lang="es-ES" sz="1600" dirty="0"/>
+              <a:t>Se importa en la cabecera &lt;head&gt; del documento de la misma forma que se hace con A-</a:t>
+            </a:r>
+            <a:r>
+              <a:rPr lang="es-ES" sz="1600" dirty="0" err="1"/>
+              <a:t>Frame</a:t>
+            </a:r>
+            <a:r>
+              <a:rPr lang="es-ES" sz="1600" dirty="0"/>
+              <a:t>.</a:t>
+            </a:r>
+          </a:p>
+          <a:p>
+            <a:pPr marL="457200" lvl="1" indent="0">
+              <a:buNone/>
+            </a:pPr>
+            <a:r>
+              <a:rPr lang="es-ES" sz="1050" b="1" dirty="0">
+                <a:solidFill>
+                  <a:schemeClr val="bg1">
+                    <a:lumMod val="75000"/>
+                    <a:lumOff val="25000"/>
+                  </a:schemeClr>
+                </a:solidFill>
+                <a:effectLst>
+                  <a:outerShdw blurRad="38100" dist="38100" dir="2700000" algn="tl">
+                    <a:srgbClr val="000000">
+                      <a:alpha val="43137"/>
+                    </a:srgbClr>
+                  </a:outerShdw>
+                </a:effectLst>
+              </a:rPr>
+              <a:t>&lt;</a:t>
+            </a:r>
+            <a:r>
+              <a:rPr lang="es-ES" sz="1100" b="1" dirty="0">
+                <a:solidFill>
+                  <a:schemeClr val="bg1">
+                    <a:lumMod val="75000"/>
+                    <a:lumOff val="25000"/>
+                  </a:schemeClr>
+                </a:solidFill>
+                <a:effectLst>
+                  <a:outerShdw blurRad="38100" dist="38100" dir="2700000" algn="tl">
+                    <a:srgbClr val="000000">
+                      <a:alpha val="43137"/>
+                    </a:srgbClr>
+                  </a:outerShdw>
+                </a:effectLst>
+              </a:rPr>
+              <a:t>head&gt;</a:t>
+            </a:r>
+          </a:p>
+          <a:p>
+            <a:pPr marL="914400" lvl="2" indent="0">
+              <a:buNone/>
+            </a:pPr>
+            <a:r>
+              <a:rPr lang="es-ES" sz="1050" b="1" dirty="0">
+                <a:solidFill>
+                  <a:schemeClr val="bg1">
+                    <a:lumMod val="75000"/>
+                    <a:lumOff val="25000"/>
+                  </a:schemeClr>
+                </a:solidFill>
+                <a:effectLst>
+                  <a:outerShdw blurRad="38100" dist="38100" dir="2700000" algn="tl">
+                    <a:srgbClr val="000000">
+                      <a:alpha val="43137"/>
+                    </a:srgbClr>
+                  </a:outerShdw>
+                </a:effectLst>
+              </a:rPr>
+              <a:t>[…]</a:t>
+            </a:r>
+          </a:p>
+          <a:p>
+            <a:pPr marL="914400" lvl="2" indent="0">
+              <a:buNone/>
+            </a:pPr>
+            <a:r>
+              <a:rPr lang="es-ES" sz="1050" b="1" dirty="0">
+                <a:solidFill>
+                  <a:schemeClr val="bg1">
+                    <a:lumMod val="75000"/>
+                    <a:lumOff val="25000"/>
+                  </a:schemeClr>
+                </a:solidFill>
+                <a:effectLst>
+                  <a:outerShdw blurRad="38100" dist="38100" dir="2700000" algn="tl">
+                    <a:srgbClr val="000000">
+                      <a:alpha val="43137"/>
+                    </a:srgbClr>
+                  </a:outerShdw>
+                </a:effectLst>
+              </a:rPr>
+              <a:t>&lt;script </a:t>
+            </a:r>
+            <a:r>
+              <a:rPr lang="es-ES" sz="1050" b="1" dirty="0" err="1">
+                <a:solidFill>
+                  <a:schemeClr val="bg1">
+                    <a:lumMod val="75000"/>
+                    <a:lumOff val="25000"/>
+                  </a:schemeClr>
+                </a:solidFill>
+                <a:effectLst>
+                  <a:outerShdw blurRad="38100" dist="38100" dir="2700000" algn="tl">
+                    <a:srgbClr val="000000">
+                      <a:alpha val="43137"/>
+                    </a:srgbClr>
+                  </a:outerShdw>
+                </a:effectLst>
+              </a:rPr>
+              <a:t>src</a:t>
+            </a:r>
+            <a:r>
+              <a:rPr lang="es-ES" sz="1050" b="1" dirty="0">
+                <a:solidFill>
+                  <a:schemeClr val="bg1">
+                    <a:lumMod val="75000"/>
+                    <a:lumOff val="25000"/>
+                  </a:schemeClr>
+                </a:solidFill>
+                <a:effectLst>
+                  <a:outerShdw blurRad="38100" dist="38100" dir="2700000" algn="tl">
+                    <a:srgbClr val="000000">
+                      <a:alpha val="43137"/>
+                    </a:srgbClr>
+                  </a:outerShdw>
+                </a:effectLst>
+              </a:rPr>
+              <a:t>="https://unpkg.com/aframe-animation-component@5.1.2/</a:t>
+            </a:r>
+            <a:r>
+              <a:rPr lang="es-ES" sz="1050" b="1" dirty="0" err="1">
+                <a:solidFill>
+                  <a:schemeClr val="bg1">
+                    <a:lumMod val="75000"/>
+                    <a:lumOff val="25000"/>
+                  </a:schemeClr>
+                </a:solidFill>
+                <a:effectLst>
+                  <a:outerShdw blurRad="38100" dist="38100" dir="2700000" algn="tl">
+                    <a:srgbClr val="000000">
+                      <a:alpha val="43137"/>
+                    </a:srgbClr>
+                  </a:outerShdw>
+                </a:effectLst>
+              </a:rPr>
+              <a:t>dist</a:t>
+            </a:r>
+            <a:r>
+              <a:rPr lang="es-ES" sz="1050" b="1" dirty="0">
+                <a:solidFill>
+                  <a:schemeClr val="bg1">
+                    <a:lumMod val="75000"/>
+                    <a:lumOff val="25000"/>
+                  </a:schemeClr>
+                </a:solidFill>
+                <a:effectLst>
+                  <a:outerShdw blurRad="38100" dist="38100" dir="2700000" algn="tl">
+                    <a:srgbClr val="000000">
+                      <a:alpha val="43137"/>
+                    </a:srgbClr>
+                  </a:outerShdw>
+                </a:effectLst>
+              </a:rPr>
+              <a:t>/aframe-animation-component.min.js"&gt;   &lt;/script&gt;</a:t>
+            </a:r>
+          </a:p>
+          <a:p>
+            <a:r>
+              <a:rPr lang="es-ES" sz="1650" dirty="0"/>
+              <a:t>Para añadir una animación al objeto, se debe indicar el tipo entre las propiedades del objeto, los distintos tipos de animación pueden ser desde cambiar su tamaño (</a:t>
+            </a:r>
+            <a:r>
+              <a:rPr lang="es-ES" sz="1650" dirty="0" err="1"/>
+              <a:t>scale</a:t>
+            </a:r>
+            <a:r>
+              <a:rPr lang="es-ES" sz="1650" dirty="0"/>
+              <a:t>), mover su posición (position) o  hacer una rotación.</a:t>
+            </a:r>
+          </a:p>
+          <a:p>
+            <a:pPr marL="457200" lvl="1" indent="0">
+              <a:buNone/>
+            </a:pPr>
+            <a:r>
+              <a:rPr lang="es-ES" sz="1200" b="1" dirty="0">
+                <a:solidFill>
+                  <a:schemeClr val="bg1">
+                    <a:lumMod val="75000"/>
+                    <a:lumOff val="25000"/>
+                  </a:schemeClr>
+                </a:solidFill>
+                <a:effectLst>
+                  <a:outerShdw blurRad="38100" dist="38100" dir="2700000" algn="tl">
+                    <a:srgbClr val="000000">
+                      <a:alpha val="43137"/>
+                    </a:srgbClr>
+                  </a:outerShdw>
+                </a:effectLst>
+              </a:rPr>
+              <a:t>&lt;a-</a:t>
+            </a:r>
+            <a:r>
+              <a:rPr lang="es-ES" sz="1200" b="1" dirty="0" err="1">
+                <a:solidFill>
+                  <a:schemeClr val="bg1">
+                    <a:lumMod val="75000"/>
+                    <a:lumOff val="25000"/>
+                  </a:schemeClr>
+                </a:solidFill>
+                <a:effectLst>
+                  <a:outerShdw blurRad="38100" dist="38100" dir="2700000" algn="tl">
+                    <a:srgbClr val="000000">
+                      <a:alpha val="43137"/>
+                    </a:srgbClr>
+                  </a:outerShdw>
+                </a:effectLst>
+              </a:rPr>
+              <a:t>entity</a:t>
+            </a:r>
+            <a:r>
+              <a:rPr lang="es-ES" sz="1200" b="1" dirty="0">
+                <a:solidFill>
+                  <a:schemeClr val="bg1">
+                    <a:lumMod val="75000"/>
+                    <a:lumOff val="25000"/>
+                  </a:schemeClr>
+                </a:solidFill>
+                <a:effectLst>
+                  <a:outerShdw blurRad="38100" dist="38100" dir="2700000" algn="tl">
+                    <a:srgbClr val="000000">
+                      <a:alpha val="43137"/>
+                    </a:srgbClr>
+                  </a:outerShdw>
+                </a:effectLst>
+              </a:rPr>
+              <a:t> </a:t>
+            </a:r>
+            <a:r>
+              <a:rPr lang="es-ES" sz="1200" b="1" dirty="0" err="1">
+                <a:solidFill>
+                  <a:schemeClr val="bg1">
+                    <a:lumMod val="75000"/>
+                    <a:lumOff val="25000"/>
+                  </a:schemeClr>
+                </a:solidFill>
+                <a:effectLst>
+                  <a:outerShdw blurRad="38100" dist="38100" dir="2700000" algn="tl">
+                    <a:srgbClr val="000000">
+                      <a:alpha val="43137"/>
+                    </a:srgbClr>
+                  </a:outerShdw>
+                </a:effectLst>
+              </a:rPr>
+              <a:t>obj-model</a:t>
+            </a:r>
+            <a:r>
+              <a:rPr lang="es-ES" sz="1200" b="1" dirty="0">
+                <a:solidFill>
+                  <a:schemeClr val="bg1">
+                    <a:lumMod val="75000"/>
+                    <a:lumOff val="25000"/>
+                  </a:schemeClr>
+                </a:solidFill>
+                <a:effectLst>
+                  <a:outerShdw blurRad="38100" dist="38100" dir="2700000" algn="tl">
+                    <a:srgbClr val="000000">
+                      <a:alpha val="43137"/>
+                    </a:srgbClr>
+                  </a:outerShdw>
+                </a:effectLst>
+              </a:rPr>
+              <a:t>="</a:t>
+            </a:r>
+            <a:r>
+              <a:rPr lang="es-ES" sz="1200" b="1" dirty="0" err="1">
+                <a:solidFill>
+                  <a:schemeClr val="bg1">
+                    <a:lumMod val="75000"/>
+                    <a:lumOff val="25000"/>
+                  </a:schemeClr>
+                </a:solidFill>
+                <a:effectLst>
+                  <a:outerShdw blurRad="38100" dist="38100" dir="2700000" algn="tl">
+                    <a:srgbClr val="000000">
+                      <a:alpha val="43137"/>
+                    </a:srgbClr>
+                  </a:outerShdw>
+                </a:effectLst>
+              </a:rPr>
+              <a:t>obj</a:t>
+            </a:r>
+            <a:r>
+              <a:rPr lang="es-ES" sz="1200" b="1" dirty="0">
+                <a:solidFill>
+                  <a:schemeClr val="bg1">
+                    <a:lumMod val="75000"/>
+                    <a:lumOff val="25000"/>
+                  </a:schemeClr>
+                </a:solidFill>
+                <a:effectLst>
+                  <a:outerShdw blurRad="38100" dist="38100" dir="2700000" algn="tl">
+                    <a:srgbClr val="000000">
+                      <a:alpha val="43137"/>
+                    </a:srgbClr>
+                  </a:outerShdw>
+                </a:effectLst>
+              </a:rPr>
+              <a:t>:#cascos-</a:t>
+            </a:r>
+            <a:r>
+              <a:rPr lang="es-ES" sz="1200" b="1" dirty="0" err="1">
+                <a:solidFill>
+                  <a:schemeClr val="bg1">
+                    <a:lumMod val="75000"/>
+                    <a:lumOff val="25000"/>
+                  </a:schemeClr>
+                </a:solidFill>
+                <a:effectLst>
+                  <a:outerShdw blurRad="38100" dist="38100" dir="2700000" algn="tl">
+                    <a:srgbClr val="000000">
+                      <a:alpha val="43137"/>
+                    </a:srgbClr>
+                  </a:outerShdw>
+                </a:effectLst>
+              </a:rPr>
+              <a:t>obj</a:t>
+            </a:r>
+            <a:r>
+              <a:rPr lang="es-ES" sz="1200" b="1" dirty="0">
+                <a:solidFill>
+                  <a:schemeClr val="bg1">
+                    <a:lumMod val="75000"/>
+                    <a:lumOff val="25000"/>
+                  </a:schemeClr>
+                </a:solidFill>
+                <a:effectLst>
+                  <a:outerShdw blurRad="38100" dist="38100" dir="2700000" algn="tl">
+                    <a:srgbClr val="000000">
+                      <a:alpha val="43137"/>
+                    </a:srgbClr>
+                  </a:outerShdw>
+                </a:effectLst>
+              </a:rPr>
+              <a:t>“ </a:t>
+            </a:r>
+            <a:r>
+              <a:rPr lang="es-ES" sz="1200" b="1" dirty="0" err="1">
+                <a:solidFill>
+                  <a:schemeClr val="bg1">
+                    <a:lumMod val="75000"/>
+                    <a:lumOff val="25000"/>
+                  </a:schemeClr>
+                </a:solidFill>
+                <a:effectLst>
+                  <a:outerShdw blurRad="38100" dist="38100" dir="2700000" algn="tl">
+                    <a:srgbClr val="000000">
+                      <a:alpha val="43137"/>
+                    </a:srgbClr>
+                  </a:outerShdw>
+                </a:effectLst>
+              </a:rPr>
+              <a:t>animation</a:t>
+            </a:r>
+            <a:r>
+              <a:rPr lang="es-ES" sz="1200" b="1" dirty="0">
+                <a:solidFill>
+                  <a:schemeClr val="bg1">
+                    <a:lumMod val="75000"/>
+                    <a:lumOff val="25000"/>
+                  </a:schemeClr>
+                </a:solidFill>
+                <a:effectLst>
+                  <a:outerShdw blurRad="38100" dist="38100" dir="2700000" algn="tl">
+                    <a:srgbClr val="000000">
+                      <a:alpha val="43137"/>
+                    </a:srgbClr>
+                  </a:outerShdw>
+                </a:effectLst>
+              </a:rPr>
+              <a:t>="</a:t>
+            </a:r>
+            <a:r>
+              <a:rPr lang="es-ES" sz="1200" b="1" dirty="0" err="1">
+                <a:solidFill>
+                  <a:schemeClr val="bg1">
+                    <a:lumMod val="75000"/>
+                    <a:lumOff val="25000"/>
+                  </a:schemeClr>
+                </a:solidFill>
+                <a:effectLst>
+                  <a:outerShdw blurRad="38100" dist="38100" dir="2700000" algn="tl">
+                    <a:srgbClr val="000000">
+                      <a:alpha val="43137"/>
+                    </a:srgbClr>
+                  </a:outerShdw>
+                </a:effectLst>
+              </a:rPr>
+              <a:t>property</a:t>
+            </a:r>
+            <a:r>
+              <a:rPr lang="es-ES" sz="1200" b="1" dirty="0">
+                <a:solidFill>
+                  <a:schemeClr val="bg1">
+                    <a:lumMod val="75000"/>
+                    <a:lumOff val="25000"/>
+                  </a:schemeClr>
+                </a:solidFill>
+                <a:effectLst>
+                  <a:outerShdw blurRad="38100" dist="38100" dir="2700000" algn="tl">
+                    <a:srgbClr val="000000">
+                      <a:alpha val="43137"/>
+                    </a:srgbClr>
+                  </a:outerShdw>
+                </a:effectLst>
+              </a:rPr>
+              <a:t>: </a:t>
+            </a:r>
+            <a:r>
+              <a:rPr lang="es-ES" sz="1200" b="1" dirty="0" err="1">
+                <a:solidFill>
+                  <a:schemeClr val="bg1">
+                    <a:lumMod val="75000"/>
+                    <a:lumOff val="25000"/>
+                  </a:schemeClr>
+                </a:solidFill>
+                <a:effectLst>
+                  <a:outerShdw blurRad="38100" dist="38100" dir="2700000" algn="tl">
+                    <a:srgbClr val="000000">
+                      <a:alpha val="43137"/>
+                    </a:srgbClr>
+                  </a:outerShdw>
+                </a:effectLst>
+              </a:rPr>
+              <a:t>rotation</a:t>
+            </a:r>
+            <a:r>
+              <a:rPr lang="es-ES" sz="1200" b="1" dirty="0">
+                <a:solidFill>
+                  <a:schemeClr val="bg1">
+                    <a:lumMod val="75000"/>
+                    <a:lumOff val="25000"/>
+                  </a:schemeClr>
+                </a:solidFill>
+                <a:effectLst>
+                  <a:outerShdw blurRad="38100" dist="38100" dir="2700000" algn="tl">
+                    <a:srgbClr val="000000">
+                      <a:alpha val="43137"/>
+                    </a:srgbClr>
+                  </a:outerShdw>
+                </a:effectLst>
+              </a:rPr>
+              <a:t>; </a:t>
+            </a:r>
+            <a:r>
+              <a:rPr lang="es-ES" sz="1200" b="1" dirty="0" err="1">
+                <a:solidFill>
+                  <a:schemeClr val="bg1">
+                    <a:lumMod val="75000"/>
+                    <a:lumOff val="25000"/>
+                  </a:schemeClr>
+                </a:solidFill>
+                <a:effectLst>
+                  <a:outerShdw blurRad="38100" dist="38100" dir="2700000" algn="tl">
+                    <a:srgbClr val="000000">
+                      <a:alpha val="43137"/>
+                    </a:srgbClr>
+                  </a:outerShdw>
+                </a:effectLst>
+              </a:rPr>
+              <a:t>loop</a:t>
+            </a:r>
+            <a:r>
+              <a:rPr lang="es-ES" sz="1200" b="1" dirty="0">
+                <a:solidFill>
+                  <a:schemeClr val="bg1">
+                    <a:lumMod val="75000"/>
+                    <a:lumOff val="25000"/>
+                  </a:schemeClr>
+                </a:solidFill>
+                <a:effectLst>
+                  <a:outerShdw blurRad="38100" dist="38100" dir="2700000" algn="tl">
+                    <a:srgbClr val="000000">
+                      <a:alpha val="43137"/>
+                    </a:srgbClr>
+                  </a:outerShdw>
+                </a:effectLst>
+              </a:rPr>
+              <a:t>: 5; </a:t>
+            </a:r>
+            <a:r>
+              <a:rPr lang="es-ES" sz="1200" b="1" dirty="0" err="1">
+                <a:solidFill>
+                  <a:schemeClr val="bg1">
+                    <a:lumMod val="75000"/>
+                    <a:lumOff val="25000"/>
+                  </a:schemeClr>
+                </a:solidFill>
+                <a:effectLst>
+                  <a:outerShdw blurRad="38100" dist="38100" dir="2700000" algn="tl">
+                    <a:srgbClr val="000000">
+                      <a:alpha val="43137"/>
+                    </a:srgbClr>
+                  </a:outerShdw>
+                </a:effectLst>
+              </a:rPr>
+              <a:t>to</a:t>
+            </a:r>
+            <a:r>
+              <a:rPr lang="es-ES" sz="1200" b="1" dirty="0">
+                <a:solidFill>
+                  <a:schemeClr val="bg1">
+                    <a:lumMod val="75000"/>
+                    <a:lumOff val="25000"/>
+                  </a:schemeClr>
+                </a:solidFill>
+                <a:effectLst>
+                  <a:outerShdw blurRad="38100" dist="38100" dir="2700000" algn="tl">
+                    <a:srgbClr val="000000">
+                      <a:alpha val="43137"/>
+                    </a:srgbClr>
+                  </a:outerShdw>
+                </a:effectLst>
+              </a:rPr>
+              <a:t>: 0 360 0"&gt;     &lt;/a-</a:t>
+            </a:r>
+            <a:r>
+              <a:rPr lang="es-ES" sz="1200" b="1" dirty="0" err="1">
+                <a:solidFill>
+                  <a:schemeClr val="bg1">
+                    <a:lumMod val="75000"/>
+                    <a:lumOff val="25000"/>
+                  </a:schemeClr>
+                </a:solidFill>
+                <a:effectLst>
+                  <a:outerShdw blurRad="38100" dist="38100" dir="2700000" algn="tl">
+                    <a:srgbClr val="000000">
+                      <a:alpha val="43137"/>
+                    </a:srgbClr>
+                  </a:outerShdw>
+                </a:effectLst>
+              </a:rPr>
+              <a:t>entity</a:t>
+            </a:r>
+            <a:r>
+              <a:rPr lang="es-ES" sz="1200" b="1" dirty="0">
+                <a:solidFill>
+                  <a:schemeClr val="bg1">
+                    <a:lumMod val="75000"/>
+                    <a:lumOff val="25000"/>
+                  </a:schemeClr>
+                </a:solidFill>
+                <a:effectLst>
+                  <a:outerShdw blurRad="38100" dist="38100" dir="2700000" algn="tl">
+                    <a:srgbClr val="000000">
+                      <a:alpha val="43137"/>
+                    </a:srgbClr>
+                  </a:outerShdw>
+                </a:effectLst>
+              </a:rPr>
+              <a:t>&gt;</a:t>
+            </a:r>
+          </a:p>
+          <a:p>
+            <a:r>
+              <a:rPr lang="es-ES" sz="1650" dirty="0"/>
+              <a:t>Una buena forma de controlar las animaciones es indicar que la animación empiece cuando se </a:t>
+            </a:r>
+            <a:r>
+              <a:rPr lang="es-ES" sz="1650" dirty="0" err="1"/>
+              <a:t>interactue</a:t>
+            </a:r>
+            <a:r>
+              <a:rPr lang="es-ES" sz="1650" dirty="0"/>
+              <a:t> con el objeto por ejemplo hacer un </a:t>
+            </a:r>
+            <a:r>
+              <a:rPr lang="es-ES" sz="1650" dirty="0" err="1"/>
+              <a:t>click</a:t>
+            </a:r>
+            <a:r>
+              <a:rPr lang="es-ES" sz="1650" dirty="0"/>
+              <a:t> sobre él. Para hacer esto basta añadir el evento de </a:t>
+            </a:r>
+            <a:r>
+              <a:rPr lang="es-ES" sz="1650" dirty="0" err="1"/>
+              <a:t>click</a:t>
+            </a:r>
+            <a:r>
+              <a:rPr lang="es-ES" sz="1650" dirty="0"/>
+              <a:t> entre las propiedades del objeto </a:t>
+            </a:r>
+            <a:r>
+              <a:rPr lang="es-ES" sz="1650" b="1" dirty="0" err="1">
+                <a:effectLst>
+                  <a:outerShdw blurRad="38100" dist="38100" dir="2700000" algn="tl">
+                    <a:srgbClr val="000000">
+                      <a:alpha val="43137"/>
+                    </a:srgbClr>
+                  </a:outerShdw>
+                </a:effectLst>
+              </a:rPr>
+              <a:t>startEvents</a:t>
+            </a:r>
+            <a:r>
+              <a:rPr lang="es-ES" sz="1650" b="1" dirty="0">
+                <a:effectLst>
+                  <a:outerShdw blurRad="38100" dist="38100" dir="2700000" algn="tl">
+                    <a:srgbClr val="000000">
+                      <a:alpha val="43137"/>
+                    </a:srgbClr>
+                  </a:outerShdw>
+                </a:effectLst>
+              </a:rPr>
+              <a:t>: </a:t>
+            </a:r>
+            <a:r>
+              <a:rPr lang="es-ES" sz="1650" b="1" dirty="0" err="1">
+                <a:effectLst>
+                  <a:outerShdw blurRad="38100" dist="38100" dir="2700000" algn="tl">
+                    <a:srgbClr val="000000">
+                      <a:alpha val="43137"/>
+                    </a:srgbClr>
+                  </a:outerShdw>
+                </a:effectLst>
+              </a:rPr>
+              <a:t>click</a:t>
+            </a:r>
+            <a:r>
+              <a:rPr lang="es-ES" sz="1650" b="1" dirty="0">
+                <a:effectLst>
+                  <a:outerShdw blurRad="38100" dist="38100" dir="2700000" algn="tl">
+                    <a:srgbClr val="000000">
+                      <a:alpha val="43137"/>
+                    </a:srgbClr>
+                  </a:outerShdw>
+                </a:effectLst>
+              </a:rPr>
+              <a:t> </a:t>
+            </a:r>
+            <a:r>
+              <a:rPr lang="es-ES" sz="1650" dirty="0"/>
+              <a:t>y un </a:t>
+            </a:r>
+            <a:r>
+              <a:rPr lang="es-ES" sz="1650" dirty="0">
+                <a:hlinkClick r:id="rId3"/>
+              </a:rPr>
+              <a:t>cursor</a:t>
+            </a:r>
+            <a:r>
+              <a:rPr lang="es-ES" sz="1650" dirty="0"/>
+              <a:t> para interactuar con él.</a:t>
+            </a:r>
+          </a:p>
+          <a:p>
+            <a:endParaRPr lang="es-ES" sz="1650" dirty="0"/>
+          </a:p>
+          <a:p>
+            <a:pPr lvl="1">
+              <a:buFont typeface="Wingdings" panose="05000000000000000000" pitchFamily="2" charset="2"/>
+              <a:buChar char="ü"/>
+            </a:pPr>
+            <a:r>
+              <a:rPr lang="es-ES" sz="1600" b="1" dirty="0">
+                <a:solidFill>
+                  <a:schemeClr val="accent2"/>
+                </a:solidFill>
+              </a:rPr>
+              <a:t>Ejercicio 3:</a:t>
+            </a:r>
+          </a:p>
+          <a:p>
+            <a:pPr lvl="1">
+              <a:buFont typeface="Wingdings" panose="05000000000000000000" pitchFamily="2" charset="2"/>
+              <a:buChar char="v"/>
+            </a:pPr>
+            <a:r>
+              <a:rPr lang="es-ES" sz="1400" b="1" dirty="0"/>
+              <a:t>Añade una animación en la que el objeto de </a:t>
+            </a:r>
+            <a:r>
+              <a:rPr lang="es-ES" sz="1400" b="1" dirty="0" err="1"/>
+              <a:t>Beetle</a:t>
+            </a:r>
+            <a:r>
+              <a:rPr lang="es-ES" sz="1400" b="1" dirty="0"/>
+              <a:t> Blocks cambie de tamaño cuando se hace </a:t>
+            </a:r>
+            <a:r>
+              <a:rPr lang="es-ES" sz="1400" b="1" dirty="0" err="1"/>
+              <a:t>click</a:t>
+            </a:r>
+            <a:r>
+              <a:rPr lang="es-ES" sz="1400" b="1" dirty="0"/>
+              <a:t> sobre él.</a:t>
+            </a:r>
+            <a:endParaRPr lang="en-US" sz="1300" dirty="0">
+              <a:solidFill>
+                <a:schemeClr val="bg1">
+                  <a:lumMod val="75000"/>
+                  <a:lumOff val="25000"/>
+                </a:schemeClr>
+              </a:solidFill>
+            </a:endParaRPr>
+          </a:p>
+          <a:p>
+            <a:endParaRPr lang="es-ES" sz="1650" dirty="0"/>
           </a:p>
         </p:txBody>
       </p:sp>
@@ -16747,7 +20196,12 @@
             <p:ph type="title"/>
           </p:nvPr>
         </p:nvSpPr>
-        <p:spPr/>
+        <p:spPr>
+          <a:xfrm>
+            <a:off x="1190389" y="393004"/>
+            <a:ext cx="9905998" cy="1478570"/>
+          </a:xfrm>
+        </p:spPr>
         <p:txBody>
           <a:bodyPr/>
           <a:lstStyle/>
@@ -16775,15 +20229,347 @@
             <p:ph idx="1"/>
           </p:nvPr>
         </p:nvSpPr>
-        <p:spPr/>
+        <p:spPr>
+          <a:xfrm>
+            <a:off x="913996" y="1689270"/>
+            <a:ext cx="9905999" cy="4775726"/>
+          </a:xfrm>
+        </p:spPr>
         <p:txBody>
-          <a:bodyPr/>
+          <a:bodyPr>
+            <a:normAutofit/>
+          </a:bodyPr>
           <a:lstStyle/>
           <a:p>
-            <a:endParaRPr lang="es-ES" dirty="0"/>
+            <a:r>
+              <a:rPr lang="es-ES" sz="1400" dirty="0"/>
+              <a:t>En base a lo anteriormente expuesto, se consigue crear un entorno de realidad virtual con A-</a:t>
+            </a:r>
+            <a:r>
+              <a:rPr lang="es-ES" sz="1400" dirty="0" err="1"/>
+              <a:t>Frame</a:t>
+            </a:r>
+            <a:r>
+              <a:rPr lang="es-ES" sz="1400" dirty="0"/>
+              <a:t> de forma local. Pero para visualizar la escena de A-</a:t>
+            </a:r>
+            <a:r>
+              <a:rPr lang="es-ES" sz="1400" dirty="0" err="1"/>
+              <a:t>Frame</a:t>
+            </a:r>
+            <a:r>
+              <a:rPr lang="es-ES" sz="1400" dirty="0"/>
+              <a:t> es necesario un visor, la forma más rápida y sencilla de ver obtener uno, es a través de un smartphone.</a:t>
+            </a:r>
+          </a:p>
+          <a:p>
+            <a:r>
+              <a:rPr lang="es-ES" sz="1400" dirty="0"/>
+              <a:t>Para exportar el index.html a internet se va a contar con la ayuda de una utilidad llamada </a:t>
+            </a:r>
+            <a:r>
+              <a:rPr lang="es-ES" sz="1400" b="1" u="sng" dirty="0" err="1"/>
+              <a:t>ngrok</a:t>
+            </a:r>
+            <a:r>
+              <a:rPr lang="es-ES" sz="1400" dirty="0"/>
+              <a:t>.</a:t>
+            </a:r>
+          </a:p>
+          <a:p>
+            <a:endParaRPr lang="es-ES" sz="1400" dirty="0"/>
+          </a:p>
+          <a:p>
+            <a:r>
+              <a:rPr lang="es-ES" sz="1600" dirty="0"/>
+              <a:t>Estos son los pasos necesarios para usar </a:t>
+            </a:r>
+            <a:r>
+              <a:rPr lang="es-ES" sz="1600" dirty="0" err="1"/>
+              <a:t>ngrok</a:t>
+            </a:r>
+            <a:r>
+              <a:rPr lang="es-ES" sz="1600" dirty="0"/>
+              <a:t> y exportar la escena de A-</a:t>
+            </a:r>
+            <a:r>
+              <a:rPr lang="es-ES" sz="1600" dirty="0" err="1"/>
+              <a:t>Frame</a:t>
+            </a:r>
+            <a:r>
+              <a:rPr lang="es-ES" sz="1600" dirty="0"/>
+              <a:t>:</a:t>
+            </a:r>
+          </a:p>
+          <a:p>
+            <a:pPr marL="800100" lvl="1" indent="-342900">
+              <a:buFont typeface="+mj-lt"/>
+              <a:buAutoNum type="arabicPeriod"/>
+            </a:pPr>
+            <a:r>
+              <a:rPr lang="es-ES" sz="1200" dirty="0"/>
+              <a:t>En una terminal y estando en la carpeta raíz del proyecto, se lanza el servidor de forma local:</a:t>
+            </a:r>
+          </a:p>
+          <a:p>
+            <a:pPr marL="914400" lvl="2" indent="0">
+              <a:buNone/>
+            </a:pPr>
+            <a:r>
+              <a:rPr lang="es-ES" sz="1100" b="1" dirty="0" err="1">
+                <a:solidFill>
+                  <a:schemeClr val="bg1">
+                    <a:lumMod val="75000"/>
+                    <a:lumOff val="25000"/>
+                  </a:schemeClr>
+                </a:solidFill>
+                <a:effectLst>
+                  <a:outerShdw blurRad="38100" dist="38100" dir="2700000" algn="tl">
+                    <a:srgbClr val="000000">
+                      <a:alpha val="43137"/>
+                    </a:srgbClr>
+                  </a:outerShdw>
+                </a:effectLst>
+              </a:rPr>
+              <a:t>python</a:t>
+            </a:r>
+            <a:r>
+              <a:rPr lang="es-ES" sz="1100" b="1" dirty="0">
+                <a:solidFill>
+                  <a:schemeClr val="bg1">
+                    <a:lumMod val="75000"/>
+                    <a:lumOff val="25000"/>
+                  </a:schemeClr>
+                </a:solidFill>
+                <a:effectLst>
+                  <a:outerShdw blurRad="38100" dist="38100" dir="2700000" algn="tl">
+                    <a:srgbClr val="000000">
+                      <a:alpha val="43137"/>
+                    </a:srgbClr>
+                  </a:outerShdw>
+                </a:effectLst>
+              </a:rPr>
+              <a:t> -m </a:t>
+            </a:r>
+            <a:r>
+              <a:rPr lang="es-ES" sz="1100" b="1" dirty="0" err="1">
+                <a:solidFill>
+                  <a:schemeClr val="bg1">
+                    <a:lumMod val="75000"/>
+                    <a:lumOff val="25000"/>
+                  </a:schemeClr>
+                </a:solidFill>
+                <a:effectLst>
+                  <a:outerShdw blurRad="38100" dist="38100" dir="2700000" algn="tl">
+                    <a:srgbClr val="000000">
+                      <a:alpha val="43137"/>
+                    </a:srgbClr>
+                  </a:outerShdw>
+                </a:effectLst>
+              </a:rPr>
+              <a:t>SimpleHTTPServer</a:t>
+            </a:r>
+            <a:r>
+              <a:rPr lang="es-ES" sz="1100" b="1" dirty="0">
+                <a:solidFill>
+                  <a:schemeClr val="bg1">
+                    <a:lumMod val="75000"/>
+                    <a:lumOff val="25000"/>
+                  </a:schemeClr>
+                </a:solidFill>
+                <a:effectLst>
+                  <a:outerShdw blurRad="38100" dist="38100" dir="2700000" algn="tl">
+                    <a:srgbClr val="000000">
+                      <a:alpha val="43137"/>
+                    </a:srgbClr>
+                  </a:outerShdw>
+                </a:effectLst>
+              </a:rPr>
+              <a:t> 1234</a:t>
+            </a:r>
+          </a:p>
+          <a:p>
+            <a:pPr marL="800100" lvl="1" indent="-342900">
+              <a:buFont typeface="+mj-lt"/>
+              <a:buAutoNum type="arabicPeriod"/>
+            </a:pPr>
+            <a:r>
+              <a:rPr lang="es-ES" sz="1200" dirty="0"/>
+              <a:t>Para instalar </a:t>
+            </a:r>
+            <a:r>
+              <a:rPr lang="es-ES" sz="1200" dirty="0" err="1"/>
+              <a:t>ngrok</a:t>
+            </a:r>
+            <a:r>
+              <a:rPr lang="es-ES" sz="1200" dirty="0"/>
+              <a:t>, simplemente hay que </a:t>
+            </a:r>
+            <a:r>
+              <a:rPr lang="es-ES" sz="1200" dirty="0">
+                <a:hlinkClick r:id="rId2"/>
+              </a:rPr>
+              <a:t>descarga</a:t>
+            </a:r>
+            <a:r>
+              <a:rPr lang="es-ES" sz="1200" dirty="0"/>
+              <a:t>r el .zip y descomprimirlo en la carpeta raíz.</a:t>
+            </a:r>
+          </a:p>
+          <a:p>
+            <a:pPr marL="800100" lvl="1" indent="-342900">
+              <a:buFont typeface="+mj-lt"/>
+              <a:buAutoNum type="arabicPeriod"/>
+            </a:pPr>
+            <a:r>
+              <a:rPr lang="es-ES" sz="1200" dirty="0"/>
+              <a:t>Se ejecuta pasando como argumento el puerto del servidor local previamente creado.</a:t>
+            </a:r>
+          </a:p>
+          <a:p>
+            <a:pPr marL="914400" lvl="2" indent="0">
+              <a:buNone/>
+            </a:pPr>
+            <a:r>
+              <a:rPr lang="es-ES" sz="1100" b="1" dirty="0">
+                <a:solidFill>
+                  <a:schemeClr val="bg1">
+                    <a:lumMod val="75000"/>
+                    <a:lumOff val="25000"/>
+                  </a:schemeClr>
+                </a:solidFill>
+                <a:effectLst>
+                  <a:outerShdw blurRad="38100" dist="38100" dir="2700000" algn="tl">
+                    <a:srgbClr val="000000">
+                      <a:alpha val="43137"/>
+                    </a:srgbClr>
+                  </a:outerShdw>
+                </a:effectLst>
+              </a:rPr>
+              <a:t>./</a:t>
+            </a:r>
+            <a:r>
+              <a:rPr lang="es-ES" sz="1100" b="1" dirty="0" err="1">
+                <a:solidFill>
+                  <a:schemeClr val="bg1">
+                    <a:lumMod val="75000"/>
+                    <a:lumOff val="25000"/>
+                  </a:schemeClr>
+                </a:solidFill>
+                <a:effectLst>
+                  <a:outerShdw blurRad="38100" dist="38100" dir="2700000" algn="tl">
+                    <a:srgbClr val="000000">
+                      <a:alpha val="43137"/>
+                    </a:srgbClr>
+                  </a:outerShdw>
+                </a:effectLst>
+              </a:rPr>
+              <a:t>ngrok</a:t>
+            </a:r>
+            <a:r>
+              <a:rPr lang="es-ES" sz="1100" b="1" dirty="0">
+                <a:solidFill>
+                  <a:schemeClr val="bg1">
+                    <a:lumMod val="75000"/>
+                    <a:lumOff val="25000"/>
+                  </a:schemeClr>
+                </a:solidFill>
+                <a:effectLst>
+                  <a:outerShdw blurRad="38100" dist="38100" dir="2700000" algn="tl">
+                    <a:srgbClr val="000000">
+                      <a:alpha val="43137"/>
+                    </a:srgbClr>
+                  </a:outerShdw>
+                </a:effectLst>
+              </a:rPr>
+              <a:t> http 1234</a:t>
+            </a:r>
+          </a:p>
+          <a:p>
+            <a:pPr marL="800100" lvl="1" indent="-342900">
+              <a:buFont typeface="+mj-lt"/>
+              <a:buAutoNum type="arabicPeriod"/>
+            </a:pPr>
+            <a:r>
+              <a:rPr lang="es-ES" sz="1200" dirty="0"/>
+              <a:t>En la pantalla que muestra </a:t>
+            </a:r>
+            <a:r>
+              <a:rPr lang="es-ES" sz="1200" dirty="0" err="1"/>
+              <a:t>Ngrok</a:t>
+            </a:r>
+            <a:r>
+              <a:rPr lang="es-ES" sz="1200" dirty="0"/>
+              <a:t>, se encuentra la </a:t>
+            </a:r>
+            <a:r>
+              <a:rPr lang="es-ES" sz="1200" dirty="0" err="1"/>
+              <a:t>url</a:t>
+            </a:r>
+            <a:r>
+              <a:rPr lang="es-ES" sz="1200" dirty="0"/>
+              <a:t> pública de la aplicación juntos con otros datos.</a:t>
+            </a:r>
+          </a:p>
+          <a:p>
+            <a:pPr marL="800100" lvl="1" indent="-342900">
+              <a:buFont typeface="+mj-lt"/>
+              <a:buAutoNum type="arabicPeriod"/>
+            </a:pPr>
+            <a:r>
+              <a:rPr lang="es-ES" sz="1200" dirty="0"/>
+              <a:t>Introduciendo esta </a:t>
+            </a:r>
+            <a:r>
+              <a:rPr lang="es-ES" sz="1200" dirty="0" err="1"/>
+              <a:t>url</a:t>
+            </a:r>
+            <a:r>
+              <a:rPr lang="es-ES" sz="1200" dirty="0"/>
+              <a:t> en un navegador compatible, por ejemplo Google Chrome, se puede visualizar la experiencia de A-</a:t>
+            </a:r>
+            <a:r>
+              <a:rPr lang="es-ES" sz="1200" dirty="0" err="1"/>
+              <a:t>Frame</a:t>
+            </a:r>
+            <a:r>
+              <a:rPr lang="es-ES" sz="1200" dirty="0"/>
+              <a:t> en el teléfono.</a:t>
+            </a:r>
+            <a:endParaRPr lang="es-ES" sz="1400" dirty="0"/>
           </a:p>
         </p:txBody>
       </p:sp>
+      <p:pic>
+        <p:nvPicPr>
+          <p:cNvPr id="5" name="Picture 4">
+            <a:extLst>
+              <a:ext uri="{FF2B5EF4-FFF2-40B4-BE49-F238E27FC236}">
+                <a16:creationId xmlns:a16="http://schemas.microsoft.com/office/drawing/2014/main" id="{DC0EB3A0-7BB8-4391-8655-9FFFC107FE6A}"/>
+              </a:ext>
+            </a:extLst>
+          </p:cNvPr>
+          <p:cNvPicPr>
+            <a:picLocks noChangeAspect="1"/>
+          </p:cNvPicPr>
+          <p:nvPr/>
+        </p:nvPicPr>
+        <p:blipFill>
+          <a:blip r:embed="rId3"/>
+          <a:stretch>
+            <a:fillRect/>
+          </a:stretch>
+        </p:blipFill>
+        <p:spPr>
+          <a:xfrm>
+            <a:off x="8073977" y="3136861"/>
+            <a:ext cx="3704253" cy="2062848"/>
+          </a:xfrm>
+          <a:prstGeom prst="rect">
+            <a:avLst/>
+          </a:prstGeom>
+        </p:spPr>
+      </p:pic>
     </p:spTree>
     <p:extLst>
       <p:ext uri="{BB962C8B-B14F-4D97-AF65-F5344CB8AC3E}">
@@ -16794,6 +20580,645 @@
   <p:clrMapOvr>
     <a:masterClrMapping/>
   </p:clrMapOvr>
+  <p:timing>
+    <p:tnLst>
+      <p:par>
+        <p:cTn id="1" dur="indefinite" restart="never" nodeType="tmRoot">
+          <p:childTnLst>
+            <p:seq concurrent="1" nextAc="seek">
+              <p:cTn id="2" dur="indefinite" nodeType="mainSeq">
+                <p:childTnLst>
+                  <p:par>
+                    <p:cTn id="3" fill="hold">
+                      <p:stCondLst>
+                        <p:cond delay="indefinite"/>
+                      </p:stCondLst>
+                      <p:childTnLst>
+                        <p:par>
+                          <p:cTn id="4" fill="hold">
+                            <p:stCondLst>
+                              <p:cond delay="0"/>
+                            </p:stCondLst>
+                            <p:childTnLst>
+                              <p:par>
+                                <p:cTn id="5" presetID="10" presetClass="entr" presetSubtype="0" fill="hold" nodeType="clickEffect">
+                                  <p:stCondLst>
+                                    <p:cond delay="0"/>
+                                  </p:stCondLst>
+                                  <p:childTnLst>
+                                    <p:set>
+                                      <p:cBhvr>
+                                        <p:cTn id="6" dur="1" fill="hold">
+                                          <p:stCondLst>
+                                            <p:cond delay="0"/>
+                                          </p:stCondLst>
+                                        </p:cTn>
+                                        <p:tgtEl>
+                                          <p:spTgt spid="3">
+                                            <p:txEl>
+                                              <p:pRg st="0" end="0"/>
+                                            </p:txEl>
+                                          </p:spTgt>
+                                        </p:tgtEl>
+                                        <p:attrNameLst>
+                                          <p:attrName>style.visibility</p:attrName>
+                                        </p:attrNameLst>
+                                      </p:cBhvr>
+                                      <p:to>
+                                        <p:strVal val="visible"/>
+                                      </p:to>
+                                    </p:set>
+                                    <p:animEffect transition="in" filter="fade">
+                                      <p:cBhvr>
+                                        <p:cTn id="7" dur="500"/>
+                                        <p:tgtEl>
+                                          <p:spTgt spid="3">
+                                            <p:txEl>
+                                              <p:pRg st="0" end="0"/>
+                                            </p:txEl>
+                                          </p:spTgt>
+                                        </p:tgtEl>
+                                      </p:cBhvr>
+                                    </p:animEffect>
+                                  </p:childTnLst>
+                                </p:cTn>
+                              </p:par>
+                            </p:childTnLst>
+                          </p:cTn>
+                        </p:par>
+                      </p:childTnLst>
+                    </p:cTn>
+                  </p:par>
+                  <p:par>
+                    <p:cTn id="8" fill="hold">
+                      <p:stCondLst>
+                        <p:cond delay="indefinite"/>
+                      </p:stCondLst>
+                      <p:childTnLst>
+                        <p:par>
+                          <p:cTn id="9" fill="hold">
+                            <p:stCondLst>
+                              <p:cond delay="0"/>
+                            </p:stCondLst>
+                            <p:childTnLst>
+                              <p:par>
+                                <p:cTn id="10" presetID="10" presetClass="entr" presetSubtype="0" fill="hold" nodeType="clickEffect">
+                                  <p:stCondLst>
+                                    <p:cond delay="0"/>
+                                  </p:stCondLst>
+                                  <p:childTnLst>
+                                    <p:set>
+                                      <p:cBhvr>
+                                        <p:cTn id="11" dur="1" fill="hold">
+                                          <p:stCondLst>
+                                            <p:cond delay="0"/>
+                                          </p:stCondLst>
+                                        </p:cTn>
+                                        <p:tgtEl>
+                                          <p:spTgt spid="3">
+                                            <p:txEl>
+                                              <p:pRg st="1" end="1"/>
+                                            </p:txEl>
+                                          </p:spTgt>
+                                        </p:tgtEl>
+                                        <p:attrNameLst>
+                                          <p:attrName>style.visibility</p:attrName>
+                                        </p:attrNameLst>
+                                      </p:cBhvr>
+                                      <p:to>
+                                        <p:strVal val="visible"/>
+                                      </p:to>
+                                    </p:set>
+                                    <p:animEffect transition="in" filter="fade">
+                                      <p:cBhvr>
+                                        <p:cTn id="12" dur="500"/>
+                                        <p:tgtEl>
+                                          <p:spTgt spid="3">
+                                            <p:txEl>
+                                              <p:pRg st="1" end="1"/>
+                                            </p:txEl>
+                                          </p:spTgt>
+                                        </p:tgtEl>
+                                      </p:cBhvr>
+                                    </p:animEffect>
+                                  </p:childTnLst>
+                                </p:cTn>
+                              </p:par>
+                            </p:childTnLst>
+                          </p:cTn>
+                        </p:par>
+                      </p:childTnLst>
+                    </p:cTn>
+                  </p:par>
+                  <p:par>
+                    <p:cTn id="13" fill="hold">
+                      <p:stCondLst>
+                        <p:cond delay="indefinite"/>
+                      </p:stCondLst>
+                      <p:childTnLst>
+                        <p:par>
+                          <p:cTn id="14" fill="hold">
+                            <p:stCondLst>
+                              <p:cond delay="0"/>
+                            </p:stCondLst>
+                            <p:childTnLst>
+                              <p:par>
+                                <p:cTn id="15" presetID="10" presetClass="entr" presetSubtype="0" fill="hold" nodeType="clickEffect">
+                                  <p:stCondLst>
+                                    <p:cond delay="0"/>
+                                  </p:stCondLst>
+                                  <p:childTnLst>
+                                    <p:set>
+                                      <p:cBhvr>
+                                        <p:cTn id="16" dur="1" fill="hold">
+                                          <p:stCondLst>
+                                            <p:cond delay="0"/>
+                                          </p:stCondLst>
+                                        </p:cTn>
+                                        <p:tgtEl>
+                                          <p:spTgt spid="3">
+                                            <p:txEl>
+                                              <p:pRg st="3" end="3"/>
+                                            </p:txEl>
+                                          </p:spTgt>
+                                        </p:tgtEl>
+                                        <p:attrNameLst>
+                                          <p:attrName>style.visibility</p:attrName>
+                                        </p:attrNameLst>
+                                      </p:cBhvr>
+                                      <p:to>
+                                        <p:strVal val="visible"/>
+                                      </p:to>
+                                    </p:set>
+                                    <p:animEffect transition="in" filter="fade">
+                                      <p:cBhvr>
+                                        <p:cTn id="17" dur="500"/>
+                                        <p:tgtEl>
+                                          <p:spTgt spid="3">
+                                            <p:txEl>
+                                              <p:pRg st="3" end="3"/>
+                                            </p:txEl>
+                                          </p:spTgt>
+                                        </p:tgtEl>
+                                      </p:cBhvr>
+                                    </p:animEffect>
+                                  </p:childTnLst>
+                                </p:cTn>
+                              </p:par>
+                            </p:childTnLst>
+                          </p:cTn>
+                        </p:par>
+                      </p:childTnLst>
+                    </p:cTn>
+                  </p:par>
+                  <p:par>
+                    <p:cTn id="18" fill="hold">
+                      <p:stCondLst>
+                        <p:cond delay="indefinite"/>
+                      </p:stCondLst>
+                      <p:childTnLst>
+                        <p:par>
+                          <p:cTn id="19" fill="hold">
+                            <p:stCondLst>
+                              <p:cond delay="0"/>
+                            </p:stCondLst>
+                            <p:childTnLst>
+                              <p:par>
+                                <p:cTn id="20" presetID="10" presetClass="entr" presetSubtype="0" fill="hold" nodeType="clickEffect">
+                                  <p:stCondLst>
+                                    <p:cond delay="0"/>
+                                  </p:stCondLst>
+                                  <p:childTnLst>
+                                    <p:set>
+                                      <p:cBhvr>
+                                        <p:cTn id="21" dur="1" fill="hold">
+                                          <p:stCondLst>
+                                            <p:cond delay="0"/>
+                                          </p:stCondLst>
+                                        </p:cTn>
+                                        <p:tgtEl>
+                                          <p:spTgt spid="3">
+                                            <p:txEl>
+                                              <p:pRg st="4" end="4"/>
+                                            </p:txEl>
+                                          </p:spTgt>
+                                        </p:tgtEl>
+                                        <p:attrNameLst>
+                                          <p:attrName>style.visibility</p:attrName>
+                                        </p:attrNameLst>
+                                      </p:cBhvr>
+                                      <p:to>
+                                        <p:strVal val="visible"/>
+                                      </p:to>
+                                    </p:set>
+                                    <p:animEffect transition="in" filter="fade">
+                                      <p:cBhvr>
+                                        <p:cTn id="22" dur="500"/>
+                                        <p:tgtEl>
+                                          <p:spTgt spid="3">
+                                            <p:txEl>
+                                              <p:pRg st="4" end="4"/>
+                                            </p:txEl>
+                                          </p:spTgt>
+                                        </p:tgtEl>
+                                      </p:cBhvr>
+                                    </p:animEffect>
+                                  </p:childTnLst>
+                                </p:cTn>
+                              </p:par>
+                              <p:par>
+                                <p:cTn id="23" presetID="10" presetClass="entr" presetSubtype="0" fill="hold" nodeType="withEffect">
+                                  <p:stCondLst>
+                                    <p:cond delay="0"/>
+                                  </p:stCondLst>
+                                  <p:childTnLst>
+                                    <p:set>
+                                      <p:cBhvr>
+                                        <p:cTn id="24" dur="1" fill="hold">
+                                          <p:stCondLst>
+                                            <p:cond delay="0"/>
+                                          </p:stCondLst>
+                                        </p:cTn>
+                                        <p:tgtEl>
+                                          <p:spTgt spid="3">
+                                            <p:txEl>
+                                              <p:pRg st="5" end="5"/>
+                                            </p:txEl>
+                                          </p:spTgt>
+                                        </p:tgtEl>
+                                        <p:attrNameLst>
+                                          <p:attrName>style.visibility</p:attrName>
+                                        </p:attrNameLst>
+                                      </p:cBhvr>
+                                      <p:to>
+                                        <p:strVal val="visible"/>
+                                      </p:to>
+                                    </p:set>
+                                    <p:animEffect transition="in" filter="fade">
+                                      <p:cBhvr>
+                                        <p:cTn id="25" dur="500"/>
+                                        <p:tgtEl>
+                                          <p:spTgt spid="3">
+                                            <p:txEl>
+                                              <p:pRg st="5" end="5"/>
+                                            </p:txEl>
+                                          </p:spTgt>
+                                        </p:tgtEl>
+                                      </p:cBhvr>
+                                    </p:animEffect>
+                                  </p:childTnLst>
+                                </p:cTn>
+                              </p:par>
+                            </p:childTnLst>
+                          </p:cTn>
+                        </p:par>
+                      </p:childTnLst>
+                    </p:cTn>
+                  </p:par>
+                  <p:par>
+                    <p:cTn id="26" fill="hold">
+                      <p:stCondLst>
+                        <p:cond delay="indefinite"/>
+                      </p:stCondLst>
+                      <p:childTnLst>
+                        <p:par>
+                          <p:cTn id="27" fill="hold">
+                            <p:stCondLst>
+                              <p:cond delay="0"/>
+                            </p:stCondLst>
+                            <p:childTnLst>
+                              <p:par>
+                                <p:cTn id="28" presetID="10" presetClass="entr" presetSubtype="0" fill="hold" nodeType="clickEffect">
+                                  <p:stCondLst>
+                                    <p:cond delay="0"/>
+                                  </p:stCondLst>
+                                  <p:childTnLst>
+                                    <p:set>
+                                      <p:cBhvr>
+                                        <p:cTn id="29" dur="1" fill="hold">
+                                          <p:stCondLst>
+                                            <p:cond delay="0"/>
+                                          </p:stCondLst>
+                                        </p:cTn>
+                                        <p:tgtEl>
+                                          <p:spTgt spid="3">
+                                            <p:txEl>
+                                              <p:pRg st="6" end="6"/>
+                                            </p:txEl>
+                                          </p:spTgt>
+                                        </p:tgtEl>
+                                        <p:attrNameLst>
+                                          <p:attrName>style.visibility</p:attrName>
+                                        </p:attrNameLst>
+                                      </p:cBhvr>
+                                      <p:to>
+                                        <p:strVal val="visible"/>
+                                      </p:to>
+                                    </p:set>
+                                    <p:animEffect transition="in" filter="fade">
+                                      <p:cBhvr>
+                                        <p:cTn id="30" dur="500"/>
+                                        <p:tgtEl>
+                                          <p:spTgt spid="3">
+                                            <p:txEl>
+                                              <p:pRg st="6" end="6"/>
+                                            </p:txEl>
+                                          </p:spTgt>
+                                        </p:tgtEl>
+                                      </p:cBhvr>
+                                    </p:animEffect>
+                                  </p:childTnLst>
+                                </p:cTn>
+                              </p:par>
+                            </p:childTnLst>
+                          </p:cTn>
+                        </p:par>
+                      </p:childTnLst>
+                    </p:cTn>
+                  </p:par>
+                  <p:par>
+                    <p:cTn id="31" fill="hold">
+                      <p:stCondLst>
+                        <p:cond delay="indefinite"/>
+                      </p:stCondLst>
+                      <p:childTnLst>
+                        <p:par>
+                          <p:cTn id="32" fill="hold">
+                            <p:stCondLst>
+                              <p:cond delay="0"/>
+                            </p:stCondLst>
+                            <p:childTnLst>
+                              <p:par>
+                                <p:cTn id="33" presetID="10" presetClass="entr" presetSubtype="0" fill="hold" nodeType="clickEffect">
+                                  <p:stCondLst>
+                                    <p:cond delay="0"/>
+                                  </p:stCondLst>
+                                  <p:childTnLst>
+                                    <p:set>
+                                      <p:cBhvr>
+                                        <p:cTn id="34" dur="1" fill="hold">
+                                          <p:stCondLst>
+                                            <p:cond delay="0"/>
+                                          </p:stCondLst>
+                                        </p:cTn>
+                                        <p:tgtEl>
+                                          <p:spTgt spid="3">
+                                            <p:txEl>
+                                              <p:pRg st="7" end="7"/>
+                                            </p:txEl>
+                                          </p:spTgt>
+                                        </p:tgtEl>
+                                        <p:attrNameLst>
+                                          <p:attrName>style.visibility</p:attrName>
+                                        </p:attrNameLst>
+                                      </p:cBhvr>
+                                      <p:to>
+                                        <p:strVal val="visible"/>
+                                      </p:to>
+                                    </p:set>
+                                    <p:animEffect transition="in" filter="fade">
+                                      <p:cBhvr>
+                                        <p:cTn id="35" dur="500"/>
+                                        <p:tgtEl>
+                                          <p:spTgt spid="3">
+                                            <p:txEl>
+                                              <p:pRg st="7" end="7"/>
+                                            </p:txEl>
+                                          </p:spTgt>
+                                        </p:tgtEl>
+                                      </p:cBhvr>
+                                    </p:animEffect>
+                                  </p:childTnLst>
+                                </p:cTn>
+                              </p:par>
+                              <p:par>
+                                <p:cTn id="36" presetID="10" presetClass="entr" presetSubtype="0" fill="hold" nodeType="withEffect">
+                                  <p:stCondLst>
+                                    <p:cond delay="0"/>
+                                  </p:stCondLst>
+                                  <p:childTnLst>
+                                    <p:set>
+                                      <p:cBhvr>
+                                        <p:cTn id="37" dur="1" fill="hold">
+                                          <p:stCondLst>
+                                            <p:cond delay="0"/>
+                                          </p:stCondLst>
+                                        </p:cTn>
+                                        <p:tgtEl>
+                                          <p:spTgt spid="3">
+                                            <p:txEl>
+                                              <p:pRg st="8" end="8"/>
+                                            </p:txEl>
+                                          </p:spTgt>
+                                        </p:tgtEl>
+                                        <p:attrNameLst>
+                                          <p:attrName>style.visibility</p:attrName>
+                                        </p:attrNameLst>
+                                      </p:cBhvr>
+                                      <p:to>
+                                        <p:strVal val="visible"/>
+                                      </p:to>
+                                    </p:set>
+                                    <p:animEffect transition="in" filter="fade">
+                                      <p:cBhvr>
+                                        <p:cTn id="38" dur="500"/>
+                                        <p:tgtEl>
+                                          <p:spTgt spid="3">
+                                            <p:txEl>
+                                              <p:pRg st="8" end="8"/>
+                                            </p:txEl>
+                                          </p:spTgt>
+                                        </p:tgtEl>
+                                      </p:cBhvr>
+                                    </p:animEffect>
+                                  </p:childTnLst>
+                                </p:cTn>
+                              </p:par>
+                            </p:childTnLst>
+                          </p:cTn>
+                        </p:par>
+                      </p:childTnLst>
+                    </p:cTn>
+                  </p:par>
+                  <p:par>
+                    <p:cTn id="39" fill="hold">
+                      <p:stCondLst>
+                        <p:cond delay="indefinite"/>
+                      </p:stCondLst>
+                      <p:childTnLst>
+                        <p:par>
+                          <p:cTn id="40" fill="hold">
+                            <p:stCondLst>
+                              <p:cond delay="0"/>
+                            </p:stCondLst>
+                            <p:childTnLst>
+                              <p:par>
+                                <p:cTn id="41" presetID="10" presetClass="entr" presetSubtype="0" fill="hold" nodeType="clickEffect">
+                                  <p:stCondLst>
+                                    <p:cond delay="0"/>
+                                  </p:stCondLst>
+                                  <p:childTnLst>
+                                    <p:set>
+                                      <p:cBhvr>
+                                        <p:cTn id="42" dur="1" fill="hold">
+                                          <p:stCondLst>
+                                            <p:cond delay="0"/>
+                                          </p:stCondLst>
+                                        </p:cTn>
+                                        <p:tgtEl>
+                                          <p:spTgt spid="3">
+                                            <p:txEl>
+                                              <p:pRg st="9" end="9"/>
+                                            </p:txEl>
+                                          </p:spTgt>
+                                        </p:tgtEl>
+                                        <p:attrNameLst>
+                                          <p:attrName>style.visibility</p:attrName>
+                                        </p:attrNameLst>
+                                      </p:cBhvr>
+                                      <p:to>
+                                        <p:strVal val="visible"/>
+                                      </p:to>
+                                    </p:set>
+                                    <p:animEffect transition="in" filter="fade">
+                                      <p:cBhvr>
+                                        <p:cTn id="43" dur="500"/>
+                                        <p:tgtEl>
+                                          <p:spTgt spid="3">
+                                            <p:txEl>
+                                              <p:pRg st="9" end="9"/>
+                                            </p:txEl>
+                                          </p:spTgt>
+                                        </p:tgtEl>
+                                      </p:cBhvr>
+                                    </p:animEffect>
+                                  </p:childTnLst>
+                                </p:cTn>
+                              </p:par>
+                              <p:par>
+                                <p:cTn id="44" presetID="10" presetClass="entr" presetSubtype="0" fill="hold" nodeType="withEffect">
+                                  <p:stCondLst>
+                                    <p:cond delay="0"/>
+                                  </p:stCondLst>
+                                  <p:childTnLst>
+                                    <p:set>
+                                      <p:cBhvr>
+                                        <p:cTn id="45" dur="1" fill="hold">
+                                          <p:stCondLst>
+                                            <p:cond delay="0"/>
+                                          </p:stCondLst>
+                                        </p:cTn>
+                                        <p:tgtEl>
+                                          <p:spTgt spid="5"/>
+                                        </p:tgtEl>
+                                        <p:attrNameLst>
+                                          <p:attrName>style.visibility</p:attrName>
+                                        </p:attrNameLst>
+                                      </p:cBhvr>
+                                      <p:to>
+                                        <p:strVal val="visible"/>
+                                      </p:to>
+                                    </p:set>
+                                    <p:animEffect transition="in" filter="fade">
+                                      <p:cBhvr>
+                                        <p:cTn id="46" dur="500"/>
+                                        <p:tgtEl>
+                                          <p:spTgt spid="5"/>
+                                        </p:tgtEl>
+                                      </p:cBhvr>
+                                    </p:animEffect>
+                                  </p:childTnLst>
+                                </p:cTn>
+                              </p:par>
+                            </p:childTnLst>
+                          </p:cTn>
+                        </p:par>
+                      </p:childTnLst>
+                    </p:cTn>
+                  </p:par>
+                  <p:par>
+                    <p:cTn id="47" fill="hold">
+                      <p:stCondLst>
+                        <p:cond delay="indefinite"/>
+                      </p:stCondLst>
+                      <p:childTnLst>
+                        <p:par>
+                          <p:cTn id="48" fill="hold">
+                            <p:stCondLst>
+                              <p:cond delay="0"/>
+                            </p:stCondLst>
+                            <p:childTnLst>
+                              <p:par>
+                                <p:cTn id="49" presetID="10" presetClass="entr" presetSubtype="0" fill="hold" nodeType="clickEffect">
+                                  <p:stCondLst>
+                                    <p:cond delay="0"/>
+                                  </p:stCondLst>
+                                  <p:childTnLst>
+                                    <p:set>
+                                      <p:cBhvr>
+                                        <p:cTn id="50" dur="1" fill="hold">
+                                          <p:stCondLst>
+                                            <p:cond delay="0"/>
+                                          </p:stCondLst>
+                                        </p:cTn>
+                                        <p:tgtEl>
+                                          <p:spTgt spid="3">
+                                            <p:txEl>
+                                              <p:pRg st="10" end="10"/>
+                                            </p:txEl>
+                                          </p:spTgt>
+                                        </p:tgtEl>
+                                        <p:attrNameLst>
+                                          <p:attrName>style.visibility</p:attrName>
+                                        </p:attrNameLst>
+                                      </p:cBhvr>
+                                      <p:to>
+                                        <p:strVal val="visible"/>
+                                      </p:to>
+                                    </p:set>
+                                    <p:animEffect transition="in" filter="fade">
+                                      <p:cBhvr>
+                                        <p:cTn id="51" dur="500"/>
+                                        <p:tgtEl>
+                                          <p:spTgt spid="3">
+                                            <p:txEl>
+                                              <p:pRg st="10" end="10"/>
+                                            </p:txEl>
+                                          </p:spTgt>
+                                        </p:tgtEl>
+                                      </p:cBhvr>
+                                    </p:animEffect>
+                                  </p:childTnLst>
+                                </p:cTn>
+                              </p:par>
+                            </p:childTnLst>
+                          </p:cTn>
+                        </p:par>
+                      </p:childTnLst>
+                    </p:cTn>
+                  </p:par>
+                </p:childTnLst>
+              </p:cTn>
+              <p:prevCondLst>
+                <p:cond evt="onPrev" delay="0">
+                  <p:tgtEl>
+                    <p:sldTgt/>
+                  </p:tgtEl>
+                </p:cond>
+              </p:prevCondLst>
+              <p:nextCondLst>
+                <p:cond evt="onNext" delay="0">
+                  <p:tgtEl>
+                    <p:sldTgt/>
+                  </p:tgtEl>
+                </p:cond>
+              </p:nextCondLst>
+            </p:seq>
+          </p:childTnLst>
+        </p:cTn>
+      </p:par>
+    </p:tnLst>
+  </p:timing>
 </p:sld>
 </file>
 

--- a/Talleres/Taller2.pptx
+++ b/Talleres/Taller2.pptx
@@ -170,7 +170,7 @@
           <a:noFill/>
           <a:extLst>
             <a:ext uri="{909E8E84-426E-40dd-AFC4-6F175D3DCCD1}">
-              <a14:hiddenFill xmlns="" xmlns:a14="http://schemas.microsoft.com/office/drawing/2010/main">
+              <a14:hiddenFill xmlns:a14="http://schemas.microsoft.com/office/drawing/2010/main" xmlns="">
                 <a:solidFill>
                   <a:srgbClr val="FFFFFF"/>
                 </a:solidFill>
@@ -230,7 +230,7 @@
             </a:ln>
             <a:extLst>
               <a:ext uri="{91240B29-F687-4f45-9708-019B960494DF}">
-                <a14:hiddenLine xmlns="" xmlns:a14="http://schemas.microsoft.com/office/drawing/2010/main" w="9525">
+                <a14:hiddenLine xmlns:a14="http://schemas.microsoft.com/office/drawing/2010/main" xmlns="" w="9525">
                   <a:solidFill>
                     <a:srgbClr val="000000"/>
                   </a:solidFill>
@@ -320,7 +320,7 @@
             </a:ln>
             <a:extLst>
               <a:ext uri="{91240B29-F687-4f45-9708-019B960494DF}">
-                <a14:hiddenLine xmlns="" xmlns:a14="http://schemas.microsoft.com/office/drawing/2010/main" w="9525">
+                <a14:hiddenLine xmlns:a14="http://schemas.microsoft.com/office/drawing/2010/main" xmlns="" w="9525">
                   <a:solidFill>
                     <a:srgbClr val="000000"/>
                   </a:solidFill>
@@ -410,7 +410,7 @@
             </a:ln>
             <a:extLst>
               <a:ext uri="{91240B29-F687-4f45-9708-019B960494DF}">
-                <a14:hiddenLine xmlns="" xmlns:a14="http://schemas.microsoft.com/office/drawing/2010/main" w="9525">
+                <a14:hiddenLine xmlns:a14="http://schemas.microsoft.com/office/drawing/2010/main" xmlns="" w="9525">
                   <a:solidFill>
                     <a:srgbClr val="000000"/>
                   </a:solidFill>
@@ -444,7 +444,7 @@
             </a:ln>
             <a:extLst>
               <a:ext uri="{91240B29-F687-4f45-9708-019B960494DF}">
-                <a14:hiddenLine xmlns="" xmlns:a14="http://schemas.microsoft.com/office/drawing/2010/main" w="9525">
+                <a14:hiddenLine xmlns:a14="http://schemas.microsoft.com/office/drawing/2010/main" xmlns="" w="9525">
                   <a:solidFill>
                     <a:srgbClr val="000000"/>
                   </a:solidFill>
@@ -534,7 +534,7 @@
             </a:ln>
             <a:extLst>
               <a:ext uri="{91240B29-F687-4f45-9708-019B960494DF}">
-                <a14:hiddenLine xmlns="" xmlns:a14="http://schemas.microsoft.com/office/drawing/2010/main" w="9525">
+                <a14:hiddenLine xmlns:a14="http://schemas.microsoft.com/office/drawing/2010/main" xmlns="" w="9525">
                   <a:solidFill>
                     <a:srgbClr val="000000"/>
                   </a:solidFill>
@@ -596,7 +596,7 @@
             </a:ln>
             <a:extLst>
               <a:ext uri="{91240B29-F687-4f45-9708-019B960494DF}">
-                <a14:hiddenLine xmlns="" xmlns:a14="http://schemas.microsoft.com/office/drawing/2010/main" w="9525">
+                <a14:hiddenLine xmlns:a14="http://schemas.microsoft.com/office/drawing/2010/main" xmlns="" w="9525">
                   <a:solidFill>
                     <a:srgbClr val="000000"/>
                   </a:solidFill>
@@ -658,7 +658,7 @@
             </a:ln>
             <a:extLst>
               <a:ext uri="{91240B29-F687-4f45-9708-019B960494DF}">
-                <a14:hiddenLine xmlns="" xmlns:a14="http://schemas.microsoft.com/office/drawing/2010/main" w="9525">
+                <a14:hiddenLine xmlns:a14="http://schemas.microsoft.com/office/drawing/2010/main" xmlns="" w="9525">
                   <a:solidFill>
                     <a:srgbClr val="000000"/>
                   </a:solidFill>
@@ -748,7 +748,7 @@
             </a:ln>
             <a:extLst>
               <a:ext uri="{91240B29-F687-4f45-9708-019B960494DF}">
-                <a14:hiddenLine xmlns="" xmlns:a14="http://schemas.microsoft.com/office/drawing/2010/main" w="9525">
+                <a14:hiddenLine xmlns:a14="http://schemas.microsoft.com/office/drawing/2010/main" xmlns="" w="9525">
                   <a:solidFill>
                     <a:srgbClr val="000000"/>
                   </a:solidFill>
@@ -810,7 +810,7 @@
             </a:ln>
             <a:extLst>
               <a:ext uri="{91240B29-F687-4f45-9708-019B960494DF}">
-                <a14:hiddenLine xmlns="" xmlns:a14="http://schemas.microsoft.com/office/drawing/2010/main" w="9525">
+                <a14:hiddenLine xmlns:a14="http://schemas.microsoft.com/office/drawing/2010/main" xmlns="" w="9525">
                   <a:solidFill>
                     <a:srgbClr val="000000"/>
                   </a:solidFill>
@@ -872,7 +872,7 @@
             </a:ln>
             <a:extLst>
               <a:ext uri="{91240B29-F687-4f45-9708-019B960494DF}">
-                <a14:hiddenLine xmlns="" xmlns:a14="http://schemas.microsoft.com/office/drawing/2010/main" w="9525">
+                <a14:hiddenLine xmlns:a14="http://schemas.microsoft.com/office/drawing/2010/main" xmlns="" w="9525">
                   <a:solidFill>
                     <a:srgbClr val="000000"/>
                   </a:solidFill>
@@ -962,7 +962,7 @@
             </a:ln>
             <a:extLst>
               <a:ext uri="{91240B29-F687-4f45-9708-019B960494DF}">
-                <a14:hiddenLine xmlns="" xmlns:a14="http://schemas.microsoft.com/office/drawing/2010/main" w="9525">
+                <a14:hiddenLine xmlns:a14="http://schemas.microsoft.com/office/drawing/2010/main" xmlns="" w="9525">
                   <a:solidFill>
                     <a:srgbClr val="000000"/>
                   </a:solidFill>
@@ -1052,7 +1052,7 @@
             </a:ln>
             <a:extLst>
               <a:ext uri="{91240B29-F687-4f45-9708-019B960494DF}">
-                <a14:hiddenLine xmlns="" xmlns:a14="http://schemas.microsoft.com/office/drawing/2010/main" w="9525">
+                <a14:hiddenLine xmlns:a14="http://schemas.microsoft.com/office/drawing/2010/main" xmlns="" w="9525">
                   <a:solidFill>
                     <a:srgbClr val="000000"/>
                   </a:solidFill>
@@ -1114,7 +1114,7 @@
             </a:ln>
             <a:extLst>
               <a:ext uri="{91240B29-F687-4f45-9708-019B960494DF}">
-                <a14:hiddenLine xmlns="" xmlns:a14="http://schemas.microsoft.com/office/drawing/2010/main" w="9525">
+                <a14:hiddenLine xmlns:a14="http://schemas.microsoft.com/office/drawing/2010/main" xmlns="" w="9525">
                   <a:solidFill>
                     <a:srgbClr val="000000"/>
                   </a:solidFill>
@@ -1224,7 +1224,7 @@
             </a:ln>
             <a:extLst>
               <a:ext uri="{91240B29-F687-4f45-9708-019B960494DF}">
-                <a14:hiddenLine xmlns="" xmlns:a14="http://schemas.microsoft.com/office/drawing/2010/main" w="9525">
+                <a14:hiddenLine xmlns:a14="http://schemas.microsoft.com/office/drawing/2010/main" xmlns="" w="9525">
                   <a:solidFill>
                     <a:srgbClr val="000000"/>
                   </a:solidFill>
@@ -1286,7 +1286,7 @@
             </a:ln>
             <a:extLst>
               <a:ext uri="{91240B29-F687-4f45-9708-019B960494DF}">
-                <a14:hiddenLine xmlns="" xmlns:a14="http://schemas.microsoft.com/office/drawing/2010/main" w="9525">
+                <a14:hiddenLine xmlns:a14="http://schemas.microsoft.com/office/drawing/2010/main" xmlns="" w="9525">
                   <a:solidFill>
                     <a:srgbClr val="000000"/>
                   </a:solidFill>
@@ -1376,7 +1376,7 @@
             </a:ln>
             <a:extLst>
               <a:ext uri="{91240B29-F687-4f45-9708-019B960494DF}">
-                <a14:hiddenLine xmlns="" xmlns:a14="http://schemas.microsoft.com/office/drawing/2010/main" w="9525">
+                <a14:hiddenLine xmlns:a14="http://schemas.microsoft.com/office/drawing/2010/main" xmlns="" w="9525">
                   <a:solidFill>
                     <a:srgbClr val="000000"/>
                   </a:solidFill>
@@ -1466,7 +1466,7 @@
             </a:ln>
             <a:extLst>
               <a:ext uri="{91240B29-F687-4f45-9708-019B960494DF}">
-                <a14:hiddenLine xmlns="" xmlns:a14="http://schemas.microsoft.com/office/drawing/2010/main" w="9525">
+                <a14:hiddenLine xmlns:a14="http://schemas.microsoft.com/office/drawing/2010/main" xmlns="" w="9525">
                   <a:solidFill>
                     <a:srgbClr val="000000"/>
                   </a:solidFill>
@@ -1528,7 +1528,7 @@
             </a:ln>
             <a:extLst>
               <a:ext uri="{91240B29-F687-4f45-9708-019B960494DF}">
-                <a14:hiddenLine xmlns="" xmlns:a14="http://schemas.microsoft.com/office/drawing/2010/main" w="9525">
+                <a14:hiddenLine xmlns:a14="http://schemas.microsoft.com/office/drawing/2010/main" xmlns="" w="9525">
                   <a:solidFill>
                     <a:srgbClr val="000000"/>
                   </a:solidFill>
@@ -1618,7 +1618,7 @@
             </a:ln>
             <a:extLst>
               <a:ext uri="{91240B29-F687-4f45-9708-019B960494DF}">
-                <a14:hiddenLine xmlns="" xmlns:a14="http://schemas.microsoft.com/office/drawing/2010/main" w="9525">
+                <a14:hiddenLine xmlns:a14="http://schemas.microsoft.com/office/drawing/2010/main" xmlns="" w="9525">
                   <a:solidFill>
                     <a:srgbClr val="000000"/>
                   </a:solidFill>
@@ -1708,7 +1708,7 @@
             </a:ln>
             <a:extLst>
               <a:ext uri="{91240B29-F687-4f45-9708-019B960494DF}">
-                <a14:hiddenLine xmlns="" xmlns:a14="http://schemas.microsoft.com/office/drawing/2010/main" w="9525">
+                <a14:hiddenLine xmlns:a14="http://schemas.microsoft.com/office/drawing/2010/main" xmlns="" w="9525">
                   <a:solidFill>
                     <a:srgbClr val="000000"/>
                   </a:solidFill>
@@ -1764,7 +1764,7 @@
             </a:ln>
             <a:extLst>
               <a:ext uri="{91240B29-F687-4f45-9708-019B960494DF}">
-                <a14:hiddenLine xmlns="" xmlns:a14="http://schemas.microsoft.com/office/drawing/2010/main" w="9525">
+                <a14:hiddenLine xmlns:a14="http://schemas.microsoft.com/office/drawing/2010/main" xmlns="" w="9525">
                   <a:solidFill>
                     <a:srgbClr val="000000"/>
                   </a:solidFill>
@@ -1854,7 +1854,7 @@
             </a:ln>
             <a:extLst>
               <a:ext uri="{91240B29-F687-4f45-9708-019B960494DF}">
-                <a14:hiddenLine xmlns="" xmlns:a14="http://schemas.microsoft.com/office/drawing/2010/main" w="9525">
+                <a14:hiddenLine xmlns:a14="http://schemas.microsoft.com/office/drawing/2010/main" xmlns="" w="9525">
                   <a:solidFill>
                     <a:srgbClr val="000000"/>
                   </a:solidFill>
@@ -1910,7 +1910,7 @@
             </a:ln>
             <a:extLst>
               <a:ext uri="{91240B29-F687-4f45-9708-019B960494DF}">
-                <a14:hiddenLine xmlns="" xmlns:a14="http://schemas.microsoft.com/office/drawing/2010/main" w="9525">
+                <a14:hiddenLine xmlns:a14="http://schemas.microsoft.com/office/drawing/2010/main" xmlns="" w="9525">
                   <a:solidFill>
                     <a:srgbClr val="000000"/>
                   </a:solidFill>
@@ -2000,7 +2000,7 @@
             </a:ln>
             <a:extLst>
               <a:ext uri="{91240B29-F687-4f45-9708-019B960494DF}">
-                <a14:hiddenLine xmlns="" xmlns:a14="http://schemas.microsoft.com/office/drawing/2010/main" w="9525">
+                <a14:hiddenLine xmlns:a14="http://schemas.microsoft.com/office/drawing/2010/main" xmlns="" w="9525">
                   <a:solidFill>
                     <a:srgbClr val="000000"/>
                   </a:solidFill>
@@ -2068,7 +2068,7 @@
             </a:ln>
             <a:extLst>
               <a:ext uri="{91240B29-F687-4f45-9708-019B960494DF}">
-                <a14:hiddenLine xmlns="" xmlns:a14="http://schemas.microsoft.com/office/drawing/2010/main" w="9525">
+                <a14:hiddenLine xmlns:a14="http://schemas.microsoft.com/office/drawing/2010/main" xmlns="" w="9525">
                   <a:solidFill>
                     <a:srgbClr val="000000"/>
                   </a:solidFill>
@@ -2158,7 +2158,7 @@
             </a:ln>
             <a:extLst>
               <a:ext uri="{91240B29-F687-4f45-9708-019B960494DF}">
-                <a14:hiddenLine xmlns="" xmlns:a14="http://schemas.microsoft.com/office/drawing/2010/main" w="9525">
+                <a14:hiddenLine xmlns:a14="http://schemas.microsoft.com/office/drawing/2010/main" xmlns="" w="9525">
                   <a:solidFill>
                     <a:srgbClr val="000000"/>
                   </a:solidFill>
@@ -2226,7 +2226,7 @@
             </a:ln>
             <a:extLst>
               <a:ext uri="{91240B29-F687-4f45-9708-019B960494DF}">
-                <a14:hiddenLine xmlns="" xmlns:a14="http://schemas.microsoft.com/office/drawing/2010/main" w="9525">
+                <a14:hiddenLine xmlns:a14="http://schemas.microsoft.com/office/drawing/2010/main" xmlns="" w="9525">
                   <a:solidFill>
                     <a:srgbClr val="000000"/>
                   </a:solidFill>
@@ -2316,7 +2316,7 @@
             </a:ln>
             <a:extLst>
               <a:ext uri="{91240B29-F687-4f45-9708-019B960494DF}">
-                <a14:hiddenLine xmlns="" xmlns:a14="http://schemas.microsoft.com/office/drawing/2010/main" w="9525">
+                <a14:hiddenLine xmlns:a14="http://schemas.microsoft.com/office/drawing/2010/main" xmlns="" w="9525">
                   <a:solidFill>
                     <a:srgbClr val="000000"/>
                   </a:solidFill>
@@ -2350,7 +2350,7 @@
             </a:ln>
             <a:extLst>
               <a:ext uri="{91240B29-F687-4f45-9708-019B960494DF}">
-                <a14:hiddenLine xmlns="" xmlns:a14="http://schemas.microsoft.com/office/drawing/2010/main" w="9525">
+                <a14:hiddenLine xmlns:a14="http://schemas.microsoft.com/office/drawing/2010/main" xmlns="" w="9525">
                   <a:solidFill>
                     <a:srgbClr val="000000"/>
                   </a:solidFill>
@@ -2440,7 +2440,7 @@
             </a:ln>
             <a:extLst>
               <a:ext uri="{91240B29-F687-4f45-9708-019B960494DF}">
-                <a14:hiddenLine xmlns="" xmlns:a14="http://schemas.microsoft.com/office/drawing/2010/main" w="9525">
+                <a14:hiddenLine xmlns:a14="http://schemas.microsoft.com/office/drawing/2010/main" xmlns="" w="9525">
                   <a:solidFill>
                     <a:srgbClr val="000000"/>
                   </a:solidFill>
@@ -2502,7 +2502,7 @@
             </a:ln>
             <a:extLst>
               <a:ext uri="{91240B29-F687-4f45-9708-019B960494DF}">
-                <a14:hiddenLine xmlns="" xmlns:a14="http://schemas.microsoft.com/office/drawing/2010/main" w="9525">
+                <a14:hiddenLine xmlns:a14="http://schemas.microsoft.com/office/drawing/2010/main" xmlns="" w="9525">
                   <a:solidFill>
                     <a:srgbClr val="000000"/>
                   </a:solidFill>
@@ -2564,7 +2564,7 @@
             </a:ln>
             <a:extLst>
               <a:ext uri="{91240B29-F687-4f45-9708-019B960494DF}">
-                <a14:hiddenLine xmlns="" xmlns:a14="http://schemas.microsoft.com/office/drawing/2010/main" w="9525">
+                <a14:hiddenLine xmlns:a14="http://schemas.microsoft.com/office/drawing/2010/main" xmlns="" w="9525">
                   <a:solidFill>
                     <a:srgbClr val="000000"/>
                   </a:solidFill>
@@ -2654,7 +2654,7 @@
             </a:ln>
             <a:extLst>
               <a:ext uri="{91240B29-F687-4f45-9708-019B960494DF}">
-                <a14:hiddenLine xmlns="" xmlns:a14="http://schemas.microsoft.com/office/drawing/2010/main" w="9525">
+                <a14:hiddenLine xmlns:a14="http://schemas.microsoft.com/office/drawing/2010/main" xmlns="" w="9525">
                   <a:solidFill>
                     <a:srgbClr val="000000"/>
                   </a:solidFill>
@@ -2722,7 +2722,7 @@
             </a:ln>
             <a:extLst>
               <a:ext uri="{91240B29-F687-4f45-9708-019B960494DF}">
-                <a14:hiddenLine xmlns="" xmlns:a14="http://schemas.microsoft.com/office/drawing/2010/main" w="9525">
+                <a14:hiddenLine xmlns:a14="http://schemas.microsoft.com/office/drawing/2010/main" xmlns="" w="9525">
                   <a:solidFill>
                     <a:srgbClr val="000000"/>
                   </a:solidFill>
@@ -2784,7 +2784,7 @@
             </a:ln>
             <a:extLst>
               <a:ext uri="{91240B29-F687-4f45-9708-019B960494DF}">
-                <a14:hiddenLine xmlns="" xmlns:a14="http://schemas.microsoft.com/office/drawing/2010/main" w="9525">
+                <a14:hiddenLine xmlns:a14="http://schemas.microsoft.com/office/drawing/2010/main" xmlns="" w="9525">
                   <a:solidFill>
                     <a:srgbClr val="000000"/>
                   </a:solidFill>
@@ -2874,7 +2874,7 @@
             </a:ln>
             <a:extLst>
               <a:ext uri="{91240B29-F687-4f45-9708-019B960494DF}">
-                <a14:hiddenLine xmlns="" xmlns:a14="http://schemas.microsoft.com/office/drawing/2010/main" w="9525">
+                <a14:hiddenLine xmlns:a14="http://schemas.microsoft.com/office/drawing/2010/main" xmlns="" w="9525">
                   <a:solidFill>
                     <a:srgbClr val="000000"/>
                   </a:solidFill>
@@ -2936,7 +2936,7 @@
             </a:ln>
             <a:extLst>
               <a:ext uri="{91240B29-F687-4f45-9708-019B960494DF}">
-                <a14:hiddenLine xmlns="" xmlns:a14="http://schemas.microsoft.com/office/drawing/2010/main" w="9525">
+                <a14:hiddenLine xmlns:a14="http://schemas.microsoft.com/office/drawing/2010/main" xmlns="" w="9525">
                   <a:solidFill>
                     <a:srgbClr val="000000"/>
                   </a:solidFill>
@@ -3026,7 +3026,7 @@
             </a:ln>
             <a:extLst>
               <a:ext uri="{91240B29-F687-4f45-9708-019B960494DF}">
-                <a14:hiddenLine xmlns="" xmlns:a14="http://schemas.microsoft.com/office/drawing/2010/main" w="9525">
+                <a14:hiddenLine xmlns:a14="http://schemas.microsoft.com/office/drawing/2010/main" xmlns="" w="9525">
                   <a:solidFill>
                     <a:srgbClr val="000000"/>
                   </a:solidFill>
@@ -3088,7 +3088,7 @@
             </a:ln>
             <a:extLst>
               <a:ext uri="{91240B29-F687-4f45-9708-019B960494DF}">
-                <a14:hiddenLine xmlns="" xmlns:a14="http://schemas.microsoft.com/office/drawing/2010/main" w="9525">
+                <a14:hiddenLine xmlns:a14="http://schemas.microsoft.com/office/drawing/2010/main" xmlns="" w="9525">
                   <a:solidFill>
                     <a:srgbClr val="000000"/>
                   </a:solidFill>
@@ -3178,7 +3178,7 @@
             </a:ln>
             <a:extLst>
               <a:ext uri="{91240B29-F687-4f45-9708-019B960494DF}">
-                <a14:hiddenLine xmlns="" xmlns:a14="http://schemas.microsoft.com/office/drawing/2010/main" w="9525">
+                <a14:hiddenLine xmlns:a14="http://schemas.microsoft.com/office/drawing/2010/main" xmlns="" w="9525">
                   <a:solidFill>
                     <a:srgbClr val="000000"/>
                   </a:solidFill>
@@ -3212,7 +3212,7 @@
             </a:ln>
             <a:extLst>
               <a:ext uri="{91240B29-F687-4f45-9708-019B960494DF}">
-                <a14:hiddenLine xmlns="" xmlns:a14="http://schemas.microsoft.com/office/drawing/2010/main" w="9525">
+                <a14:hiddenLine xmlns:a14="http://schemas.microsoft.com/office/drawing/2010/main" xmlns="" w="9525">
                   <a:solidFill>
                     <a:srgbClr val="000000"/>
                   </a:solidFill>
@@ -3277,7 +3277,7 @@
             </a:ln>
             <a:extLst>
               <a:ext uri="{91240B29-F687-4f45-9708-019B960494DF}">
-                <a14:hiddenLine xmlns="" xmlns:a14="http://schemas.microsoft.com/office/drawing/2010/main" w="9525">
+                <a14:hiddenLine xmlns:a14="http://schemas.microsoft.com/office/drawing/2010/main" xmlns="" w="9525">
                   <a:solidFill>
                     <a:srgbClr val="000000"/>
                   </a:solidFill>
@@ -3367,7 +3367,7 @@
             </a:ln>
             <a:extLst>
               <a:ext uri="{91240B29-F687-4f45-9708-019B960494DF}">
-                <a14:hiddenLine xmlns="" xmlns:a14="http://schemas.microsoft.com/office/drawing/2010/main" w="9525">
+                <a14:hiddenLine xmlns:a14="http://schemas.microsoft.com/office/drawing/2010/main" xmlns="" w="9525">
                   <a:solidFill>
                     <a:srgbClr val="000000"/>
                   </a:solidFill>
@@ -3429,7 +3429,7 @@
             </a:ln>
             <a:extLst>
               <a:ext uri="{91240B29-F687-4f45-9708-019B960494DF}">
-                <a14:hiddenLine xmlns="" xmlns:a14="http://schemas.microsoft.com/office/drawing/2010/main" w="9525">
+                <a14:hiddenLine xmlns:a14="http://schemas.microsoft.com/office/drawing/2010/main" xmlns="" w="9525">
                   <a:solidFill>
                     <a:srgbClr val="000000"/>
                   </a:solidFill>
@@ -3519,7 +3519,7 @@
             </a:ln>
             <a:extLst>
               <a:ext uri="{91240B29-F687-4f45-9708-019B960494DF}">
-                <a14:hiddenLine xmlns="" xmlns:a14="http://schemas.microsoft.com/office/drawing/2010/main" w="9525">
+                <a14:hiddenLine xmlns:a14="http://schemas.microsoft.com/office/drawing/2010/main" xmlns="" w="9525">
                   <a:solidFill>
                     <a:srgbClr val="000000"/>
                   </a:solidFill>
@@ -3609,7 +3609,7 @@
             </a:ln>
             <a:extLst>
               <a:ext uri="{91240B29-F687-4f45-9708-019B960494DF}">
-                <a14:hiddenLine xmlns="" xmlns:a14="http://schemas.microsoft.com/office/drawing/2010/main" w="9525">
+                <a14:hiddenLine xmlns:a14="http://schemas.microsoft.com/office/drawing/2010/main" xmlns="" w="9525">
                   <a:solidFill>
                     <a:srgbClr val="000000"/>
                   </a:solidFill>
@@ -3674,7 +3674,7 @@
             </a:ln>
             <a:extLst>
               <a:ext uri="{91240B29-F687-4f45-9708-019B960494DF}">
-                <a14:hiddenLine xmlns="" xmlns:a14="http://schemas.microsoft.com/office/drawing/2010/main" w="9525">
+                <a14:hiddenLine xmlns:a14="http://schemas.microsoft.com/office/drawing/2010/main" xmlns="" w="9525">
                   <a:solidFill>
                     <a:srgbClr val="000000"/>
                   </a:solidFill>
@@ -3736,7 +3736,7 @@
             </a:ln>
             <a:extLst>
               <a:ext uri="{91240B29-F687-4f45-9708-019B960494DF}">
-                <a14:hiddenLine xmlns="" xmlns:a14="http://schemas.microsoft.com/office/drawing/2010/main" w="9525">
+                <a14:hiddenLine xmlns:a14="http://schemas.microsoft.com/office/drawing/2010/main" xmlns="" w="9525">
                   <a:solidFill>
                     <a:srgbClr val="000000"/>
                   </a:solidFill>
@@ -3826,7 +3826,7 @@
             </a:ln>
             <a:extLst>
               <a:ext uri="{91240B29-F687-4f45-9708-019B960494DF}">
-                <a14:hiddenLine xmlns="" xmlns:a14="http://schemas.microsoft.com/office/drawing/2010/main" w="9525">
+                <a14:hiddenLine xmlns:a14="http://schemas.microsoft.com/office/drawing/2010/main" xmlns="" w="9525">
                   <a:solidFill>
                     <a:srgbClr val="000000"/>
                   </a:solidFill>
@@ -3916,7 +3916,7 @@
             </a:ln>
             <a:extLst>
               <a:ext uri="{91240B29-F687-4f45-9708-019B960494DF}">
-                <a14:hiddenLine xmlns="" xmlns:a14="http://schemas.microsoft.com/office/drawing/2010/main" w="9525">
+                <a14:hiddenLine xmlns:a14="http://schemas.microsoft.com/office/drawing/2010/main" xmlns="" w="9525">
                   <a:solidFill>
                     <a:srgbClr val="000000"/>
                   </a:solidFill>
@@ -3978,7 +3978,7 @@
             </a:ln>
             <a:extLst>
               <a:ext uri="{91240B29-F687-4f45-9708-019B960494DF}">
-                <a14:hiddenLine xmlns="" xmlns:a14="http://schemas.microsoft.com/office/drawing/2010/main" w="9525">
+                <a14:hiddenLine xmlns:a14="http://schemas.microsoft.com/office/drawing/2010/main" xmlns="" w="9525">
                   <a:solidFill>
                     <a:srgbClr val="000000"/>
                   </a:solidFill>
@@ -4098,7 +4098,7 @@
             </a:ln>
             <a:extLst>
               <a:ext uri="{91240B29-F687-4f45-9708-019B960494DF}">
-                <a14:hiddenLine xmlns="" xmlns:a14="http://schemas.microsoft.com/office/drawing/2010/main" w="9525">
+                <a14:hiddenLine xmlns:a14="http://schemas.microsoft.com/office/drawing/2010/main" xmlns="" w="9525">
                   <a:solidFill>
                     <a:srgbClr val="000000"/>
                   </a:solidFill>
@@ -4166,7 +4166,7 @@
             </a:ln>
             <a:extLst>
               <a:ext uri="{91240B29-F687-4f45-9708-019B960494DF}">
-                <a14:hiddenLine xmlns="" xmlns:a14="http://schemas.microsoft.com/office/drawing/2010/main" w="9525">
+                <a14:hiddenLine xmlns:a14="http://schemas.microsoft.com/office/drawing/2010/main" xmlns="" w="9525">
                   <a:solidFill>
                     <a:srgbClr val="000000"/>
                   </a:solidFill>
@@ -4256,7 +4256,7 @@
             </a:ln>
             <a:extLst>
               <a:ext uri="{91240B29-F687-4f45-9708-019B960494DF}">
-                <a14:hiddenLine xmlns="" xmlns:a14="http://schemas.microsoft.com/office/drawing/2010/main" w="9525">
+                <a14:hiddenLine xmlns:a14="http://schemas.microsoft.com/office/drawing/2010/main" xmlns="" w="9525">
                   <a:solidFill>
                     <a:srgbClr val="000000"/>
                   </a:solidFill>
@@ -4396,7 +4396,7 @@
           <a:p>
             <a:fld id="{78ABE3C1-DBE1-495D-B57B-2849774B866A}" type="datetimeFigureOut">
               <a:rPr lang="en-US" smtClean="0"/>
-              <a:t>5/26/2019</a:t>
+              <a:t>6/14/2019</a:t>
             </a:fld>
             <a:endParaRPr lang="en-US" dirty="0"/>
           </a:p>
@@ -4663,7 +4663,7 @@
           <a:p>
             <a:fld id="{9D6E9DEC-419B-4CC5-A080-3B06BD5A8291}" type="datetimeFigureOut">
               <a:rPr lang="en-US" smtClean="0"/>
-              <a:t>5/26/2019</a:t>
+              <a:t>6/14/2019</a:t>
             </a:fld>
             <a:endParaRPr lang="en-US" dirty="0"/>
           </a:p>
@@ -4861,7 +4861,7 @@
           <a:p>
             <a:fld id="{9D6E9DEC-419B-4CC5-A080-3B06BD5A8291}" type="datetimeFigureOut">
               <a:rPr lang="en-US" smtClean="0"/>
-              <a:t>5/26/2019</a:t>
+              <a:t>6/14/2019</a:t>
             </a:fld>
             <a:endParaRPr lang="en-US" dirty="0"/>
           </a:p>
@@ -5126,7 +5126,7 @@
           <a:p>
             <a:fld id="{9D6E9DEC-419B-4CC5-A080-3B06BD5A8291}" type="datetimeFigureOut">
               <a:rPr lang="en-US" smtClean="0"/>
-              <a:t>5/26/2019</a:t>
+              <a:t>6/14/2019</a:t>
             </a:fld>
             <a:endParaRPr lang="en-US" dirty="0"/>
           </a:p>
@@ -5562,7 +5562,7 @@
           <a:p>
             <a:fld id="{9D6E9DEC-419B-4CC5-A080-3B06BD5A8291}" type="datetimeFigureOut">
               <a:rPr lang="en-US" smtClean="0"/>
-              <a:t>5/26/2019</a:t>
+              <a:t>6/14/2019</a:t>
             </a:fld>
             <a:endParaRPr lang="en-US" dirty="0"/>
           </a:p>
@@ -6110,7 +6110,7 @@
           <a:p>
             <a:fld id="{9D6E9DEC-419B-4CC5-A080-3B06BD5A8291}" type="datetimeFigureOut">
               <a:rPr lang="en-US" smtClean="0"/>
-              <a:t>5/26/2019</a:t>
+              <a:t>6/14/2019</a:t>
             </a:fld>
             <a:endParaRPr lang="en-US" dirty="0"/>
           </a:p>
@@ -6832,7 +6832,7 @@
           <a:p>
             <a:fld id="{9D6E9DEC-419B-4CC5-A080-3B06BD5A8291}" type="datetimeFigureOut">
               <a:rPr lang="en-US" smtClean="0"/>
-              <a:t>5/26/2019</a:t>
+              <a:t>6/14/2019</a:t>
             </a:fld>
             <a:endParaRPr lang="en-US" dirty="0"/>
           </a:p>
@@ -7004,7 +7004,7 @@
           <a:p>
             <a:fld id="{1FA3F48C-C7C6-4055-9F49-3777875E72AE}" type="datetimeFigureOut">
               <a:rPr lang="en-US" smtClean="0"/>
-              <a:t>5/26/2019</a:t>
+              <a:t>6/14/2019</a:t>
             </a:fld>
             <a:endParaRPr lang="en-US" dirty="0"/>
           </a:p>
@@ -7184,7 +7184,7 @@
           <a:p>
             <a:fld id="{6178E61D-D431-422C-9764-11DAFE33AB63}" type="datetimeFigureOut">
               <a:rPr lang="en-US" smtClean="0"/>
-              <a:t>5/26/2019</a:t>
+              <a:t>6/14/2019</a:t>
             </a:fld>
             <a:endParaRPr lang="en-US" dirty="0"/>
           </a:p>
@@ -7355,7 +7355,7 @@
           <a:p>
             <a:fld id="{12DE42F4-6EEF-4EF7-8ED4-2208F0F89A08}" type="datetimeFigureOut">
               <a:rPr lang="en-US" smtClean="0"/>
-              <a:t>5/26/2019</a:t>
+              <a:t>6/14/2019</a:t>
             </a:fld>
             <a:endParaRPr lang="en-US" dirty="0"/>
           </a:p>
@@ -7605,7 +7605,7 @@
           <a:p>
             <a:fld id="{30578ACC-22D6-47C1-A373-4FD133E34F3C}" type="datetimeFigureOut">
               <a:rPr lang="en-US" smtClean="0"/>
-              <a:t>5/26/2019</a:t>
+              <a:t>6/14/2019</a:t>
             </a:fld>
             <a:endParaRPr lang="en-US" dirty="0"/>
           </a:p>
@@ -7837,7 +7837,7 @@
           <a:p>
             <a:fld id="{4E5A6C69-6797-4E8A-BF37-F2C3751466E9}" type="datetimeFigureOut">
               <a:rPr lang="en-US" smtClean="0"/>
-              <a:t>5/26/2019</a:t>
+              <a:t>6/14/2019</a:t>
             </a:fld>
             <a:endParaRPr lang="en-US" dirty="0"/>
           </a:p>
@@ -8218,7 +8218,7 @@
           <a:p>
             <a:fld id="{D82014A1-A632-4878-A0D3-F52BA7563730}" type="datetimeFigureOut">
               <a:rPr lang="en-US" smtClean="0"/>
-              <a:t>5/26/2019</a:t>
+              <a:t>6/14/2019</a:t>
             </a:fld>
             <a:endParaRPr lang="en-US" dirty="0"/>
           </a:p>
@@ -8336,7 +8336,7 @@
           <a:p>
             <a:fld id="{CE99F462-093F-4566-844B-4C71F2739DA5}" type="datetimeFigureOut">
               <a:rPr lang="en-US" smtClean="0"/>
-              <a:t>5/26/2019</a:t>
+              <a:t>6/14/2019</a:t>
             </a:fld>
             <a:endParaRPr lang="en-US" dirty="0"/>
           </a:p>
@@ -8431,7 +8431,7 @@
           <a:p>
             <a:fld id="{3D24A7AC-904D-4781-85BA-7D10C17ED021}" type="datetimeFigureOut">
               <a:rPr lang="en-US" smtClean="0"/>
-              <a:t>5/26/2019</a:t>
+              <a:t>6/14/2019</a:t>
             </a:fld>
             <a:endParaRPr lang="en-US" dirty="0"/>
           </a:p>
@@ -8680,7 +8680,7 @@
           <a:p>
             <a:fld id="{E331444B-B92B-4E27-8C94-BB93EAF5CB18}" type="datetimeFigureOut">
               <a:rPr lang="en-US" smtClean="0"/>
-              <a:t>5/26/2019</a:t>
+              <a:t>6/14/2019</a:t>
             </a:fld>
             <a:endParaRPr lang="en-US" dirty="0"/>
           </a:p>
@@ -8960,7 +8960,7 @@
           <a:p>
             <a:fld id="{363EFA5E-FA76-400D-B3DC-F0BA90E6D107}" type="datetimeFigureOut">
               <a:rPr lang="en-US" smtClean="0"/>
-              <a:t>5/26/2019</a:t>
+              <a:t>6/14/2019</a:t>
             </a:fld>
             <a:endParaRPr lang="en-US" dirty="0"/>
           </a:p>
@@ -9076,7 +9076,7 @@
           <a:noFill/>
           <a:extLst>
             <a:ext uri="{909E8E84-426E-40dd-AFC4-6F175D3DCCD1}">
-              <a14:hiddenFill xmlns="" xmlns:a14="http://schemas.microsoft.com/office/drawing/2010/main">
+              <a14:hiddenFill xmlns:a14="http://schemas.microsoft.com/office/drawing/2010/main" xmlns="">
                 <a:solidFill>
                   <a:srgbClr val="FFFFFF"/>
                 </a:solidFill>
@@ -9150,7 +9150,7 @@
               </a:ln>
               <a:extLst>
                 <a:ext uri="{91240B29-F687-4f45-9708-019B960494DF}">
-                  <a14:hiddenLine xmlns="" xmlns:a14="http://schemas.microsoft.com/office/drawing/2010/main" w="9525">
+                  <a14:hiddenLine xmlns:a14="http://schemas.microsoft.com/office/drawing/2010/main" xmlns="" w="9525">
                     <a:solidFill>
                       <a:srgbClr val="000000"/>
                     </a:solidFill>
@@ -9240,7 +9240,7 @@
               </a:ln>
               <a:extLst>
                 <a:ext uri="{91240B29-F687-4f45-9708-019B960494DF}">
-                  <a14:hiddenLine xmlns="" xmlns:a14="http://schemas.microsoft.com/office/drawing/2010/main" w="9525">
+                  <a14:hiddenLine xmlns:a14="http://schemas.microsoft.com/office/drawing/2010/main" xmlns="" w="9525">
                     <a:solidFill>
                       <a:srgbClr val="000000"/>
                     </a:solidFill>
@@ -9330,7 +9330,7 @@
               </a:ln>
               <a:extLst>
                 <a:ext uri="{91240B29-F687-4f45-9708-019B960494DF}">
-                  <a14:hiddenLine xmlns="" xmlns:a14="http://schemas.microsoft.com/office/drawing/2010/main" w="9525">
+                  <a14:hiddenLine xmlns:a14="http://schemas.microsoft.com/office/drawing/2010/main" xmlns="" w="9525">
                     <a:solidFill>
                       <a:srgbClr val="000000"/>
                     </a:solidFill>
@@ -9392,7 +9392,7 @@
               </a:ln>
               <a:extLst>
                 <a:ext uri="{91240B29-F687-4f45-9708-019B960494DF}">
-                  <a14:hiddenLine xmlns="" xmlns:a14="http://schemas.microsoft.com/office/drawing/2010/main" w="9525">
+                  <a14:hiddenLine xmlns:a14="http://schemas.microsoft.com/office/drawing/2010/main" xmlns="" w="9525">
                     <a:solidFill>
                       <a:srgbClr val="000000"/>
                     </a:solidFill>
@@ -9482,7 +9482,7 @@
               </a:ln>
               <a:extLst>
                 <a:ext uri="{91240B29-F687-4f45-9708-019B960494DF}">
-                  <a14:hiddenLine xmlns="" xmlns:a14="http://schemas.microsoft.com/office/drawing/2010/main" w="9525">
+                  <a14:hiddenLine xmlns:a14="http://schemas.microsoft.com/office/drawing/2010/main" xmlns="" w="9525">
                     <a:solidFill>
                       <a:srgbClr val="000000"/>
                     </a:solidFill>
@@ -9544,7 +9544,7 @@
               </a:ln>
               <a:extLst>
                 <a:ext uri="{91240B29-F687-4f45-9708-019B960494DF}">
-                  <a14:hiddenLine xmlns="" xmlns:a14="http://schemas.microsoft.com/office/drawing/2010/main" w="9525">
+                  <a14:hiddenLine xmlns:a14="http://schemas.microsoft.com/office/drawing/2010/main" xmlns="" w="9525">
                     <a:solidFill>
                       <a:srgbClr val="000000"/>
                     </a:solidFill>
@@ -9606,7 +9606,7 @@
               </a:ln>
               <a:extLst>
                 <a:ext uri="{91240B29-F687-4f45-9708-019B960494DF}">
-                  <a14:hiddenLine xmlns="" xmlns:a14="http://schemas.microsoft.com/office/drawing/2010/main" w="9525">
+                  <a14:hiddenLine xmlns:a14="http://schemas.microsoft.com/office/drawing/2010/main" xmlns="" w="9525">
                     <a:solidFill>
                       <a:srgbClr val="000000"/>
                     </a:solidFill>
@@ -9696,7 +9696,7 @@
               </a:ln>
               <a:extLst>
                 <a:ext uri="{91240B29-F687-4f45-9708-019B960494DF}">
-                  <a14:hiddenLine xmlns="" xmlns:a14="http://schemas.microsoft.com/office/drawing/2010/main" w="9525">
+                  <a14:hiddenLine xmlns:a14="http://schemas.microsoft.com/office/drawing/2010/main" xmlns="" w="9525">
                     <a:solidFill>
                       <a:srgbClr val="000000"/>
                     </a:solidFill>
@@ -9786,7 +9786,7 @@
               </a:ln>
               <a:extLst>
                 <a:ext uri="{91240B29-F687-4f45-9708-019B960494DF}">
-                  <a14:hiddenLine xmlns="" xmlns:a14="http://schemas.microsoft.com/office/drawing/2010/main" w="9525">
+                  <a14:hiddenLine xmlns:a14="http://schemas.microsoft.com/office/drawing/2010/main" xmlns="" w="9525">
                     <a:solidFill>
                       <a:srgbClr val="000000"/>
                     </a:solidFill>
@@ -9848,7 +9848,7 @@
               </a:ln>
               <a:extLst>
                 <a:ext uri="{91240B29-F687-4f45-9708-019B960494DF}">
-                  <a14:hiddenLine xmlns="" xmlns:a14="http://schemas.microsoft.com/office/drawing/2010/main" w="9525">
+                  <a14:hiddenLine xmlns:a14="http://schemas.microsoft.com/office/drawing/2010/main" xmlns="" w="9525">
                     <a:solidFill>
                       <a:srgbClr val="000000"/>
                     </a:solidFill>
@@ -9958,7 +9958,7 @@
               </a:ln>
               <a:extLst>
                 <a:ext uri="{91240B29-F687-4f45-9708-019B960494DF}">
-                  <a14:hiddenLine xmlns="" xmlns:a14="http://schemas.microsoft.com/office/drawing/2010/main" w="9525">
+                  <a14:hiddenLine xmlns:a14="http://schemas.microsoft.com/office/drawing/2010/main" xmlns="" w="9525">
                     <a:solidFill>
                       <a:srgbClr val="000000"/>
                     </a:solidFill>
@@ -10042,7 +10042,7 @@
               </a:ln>
               <a:extLst>
                 <a:ext uri="{91240B29-F687-4f45-9708-019B960494DF}">
-                  <a14:hiddenLine xmlns="" xmlns:a14="http://schemas.microsoft.com/office/drawing/2010/main" w="9525">
+                  <a14:hiddenLine xmlns:a14="http://schemas.microsoft.com/office/drawing/2010/main" xmlns="" w="9525">
                     <a:solidFill>
                       <a:srgbClr val="000000"/>
                     </a:solidFill>
@@ -10104,7 +10104,7 @@
               </a:ln>
               <a:extLst>
                 <a:ext uri="{91240B29-F687-4f45-9708-019B960494DF}">
-                  <a14:hiddenLine xmlns="" xmlns:a14="http://schemas.microsoft.com/office/drawing/2010/main" w="9525">
+                  <a14:hiddenLine xmlns:a14="http://schemas.microsoft.com/office/drawing/2010/main" xmlns="" w="9525">
                     <a:solidFill>
                       <a:srgbClr val="000000"/>
                     </a:solidFill>
@@ -10166,7 +10166,7 @@
               </a:ln>
               <a:extLst>
                 <a:ext uri="{91240B29-F687-4f45-9708-019B960494DF}">
-                  <a14:hiddenLine xmlns="" xmlns:a14="http://schemas.microsoft.com/office/drawing/2010/main" w="9525">
+                  <a14:hiddenLine xmlns:a14="http://schemas.microsoft.com/office/drawing/2010/main" xmlns="" w="9525">
                     <a:solidFill>
                       <a:srgbClr val="000000"/>
                     </a:solidFill>
@@ -10256,7 +10256,7 @@
               </a:ln>
               <a:extLst>
                 <a:ext uri="{91240B29-F687-4f45-9708-019B960494DF}">
-                  <a14:hiddenLine xmlns="" xmlns:a14="http://schemas.microsoft.com/office/drawing/2010/main" w="9525">
+                  <a14:hiddenLine xmlns:a14="http://schemas.microsoft.com/office/drawing/2010/main" xmlns="" w="9525">
                     <a:solidFill>
                       <a:srgbClr val="000000"/>
                     </a:solidFill>
@@ -10290,7 +10290,7 @@
               </a:ln>
               <a:extLst>
                 <a:ext uri="{91240B29-F687-4f45-9708-019B960494DF}">
-                  <a14:hiddenLine xmlns="" xmlns:a14="http://schemas.microsoft.com/office/drawing/2010/main" w="9525">
+                  <a14:hiddenLine xmlns:a14="http://schemas.microsoft.com/office/drawing/2010/main" xmlns="" w="9525">
                     <a:solidFill>
                       <a:srgbClr val="000000"/>
                     </a:solidFill>
@@ -10355,7 +10355,7 @@
               </a:ln>
               <a:extLst>
                 <a:ext uri="{91240B29-F687-4f45-9708-019B960494DF}">
-                  <a14:hiddenLine xmlns="" xmlns:a14="http://schemas.microsoft.com/office/drawing/2010/main" w="9525">
+                  <a14:hiddenLine xmlns:a14="http://schemas.microsoft.com/office/drawing/2010/main" xmlns="" w="9525">
                     <a:solidFill>
                       <a:srgbClr val="000000"/>
                     </a:solidFill>
@@ -10445,7 +10445,7 @@
               </a:ln>
               <a:extLst>
                 <a:ext uri="{91240B29-F687-4f45-9708-019B960494DF}">
-                  <a14:hiddenLine xmlns="" xmlns:a14="http://schemas.microsoft.com/office/drawing/2010/main" w="9525">
+                  <a14:hiddenLine xmlns:a14="http://schemas.microsoft.com/office/drawing/2010/main" xmlns="" w="9525">
                     <a:solidFill>
                       <a:srgbClr val="000000"/>
                     </a:solidFill>
@@ -10507,7 +10507,7 @@
               </a:ln>
               <a:extLst>
                 <a:ext uri="{91240B29-F687-4f45-9708-019B960494DF}">
-                  <a14:hiddenLine xmlns="" xmlns:a14="http://schemas.microsoft.com/office/drawing/2010/main" w="9525">
+                  <a14:hiddenLine xmlns:a14="http://schemas.microsoft.com/office/drawing/2010/main" xmlns="" w="9525">
                     <a:solidFill>
                       <a:srgbClr val="000000"/>
                     </a:solidFill>
@@ -10597,7 +10597,7 @@
               </a:ln>
               <a:extLst>
                 <a:ext uri="{91240B29-F687-4f45-9708-019B960494DF}">
-                  <a14:hiddenLine xmlns="" xmlns:a14="http://schemas.microsoft.com/office/drawing/2010/main" w="9525">
+                  <a14:hiddenLine xmlns:a14="http://schemas.microsoft.com/office/drawing/2010/main" xmlns="" w="9525">
                     <a:solidFill>
                       <a:srgbClr val="000000"/>
                     </a:solidFill>
@@ -10662,7 +10662,7 @@
               </a:ln>
               <a:extLst>
                 <a:ext uri="{91240B29-F687-4f45-9708-019B960494DF}">
-                  <a14:hiddenLine xmlns="" xmlns:a14="http://schemas.microsoft.com/office/drawing/2010/main" w="9525">
+                  <a14:hiddenLine xmlns:a14="http://schemas.microsoft.com/office/drawing/2010/main" xmlns="" w="9525">
                     <a:solidFill>
                       <a:srgbClr val="000000"/>
                     </a:solidFill>
@@ -10724,7 +10724,7 @@
               </a:ln>
               <a:extLst>
                 <a:ext uri="{91240B29-F687-4f45-9708-019B960494DF}">
-                  <a14:hiddenLine xmlns="" xmlns:a14="http://schemas.microsoft.com/office/drawing/2010/main" w="9525">
+                  <a14:hiddenLine xmlns:a14="http://schemas.microsoft.com/office/drawing/2010/main" xmlns="" w="9525">
                     <a:solidFill>
                       <a:srgbClr val="000000"/>
                     </a:solidFill>
@@ -10814,7 +10814,7 @@
               </a:ln>
               <a:extLst>
                 <a:ext uri="{91240B29-F687-4f45-9708-019B960494DF}">
-                  <a14:hiddenLine xmlns="" xmlns:a14="http://schemas.microsoft.com/office/drawing/2010/main" w="9525">
+                  <a14:hiddenLine xmlns:a14="http://schemas.microsoft.com/office/drawing/2010/main" xmlns="" w="9525">
                     <a:solidFill>
                       <a:srgbClr val="000000"/>
                     </a:solidFill>
@@ -10904,7 +10904,7 @@
               </a:ln>
               <a:extLst>
                 <a:ext uri="{91240B29-F687-4f45-9708-019B960494DF}">
-                  <a14:hiddenLine xmlns="" xmlns:a14="http://schemas.microsoft.com/office/drawing/2010/main" w="9525">
+                  <a14:hiddenLine xmlns:a14="http://schemas.microsoft.com/office/drawing/2010/main" xmlns="" w="9525">
                     <a:solidFill>
                       <a:srgbClr val="000000"/>
                     </a:solidFill>
@@ -10969,7 +10969,7 @@
               </a:ln>
               <a:extLst>
                 <a:ext uri="{91240B29-F687-4f45-9708-019B960494DF}">
-                  <a14:hiddenLine xmlns="" xmlns:a14="http://schemas.microsoft.com/office/drawing/2010/main" w="9525">
+                  <a14:hiddenLine xmlns:a14="http://schemas.microsoft.com/office/drawing/2010/main" xmlns="" w="9525">
                     <a:solidFill>
                       <a:srgbClr val="000000"/>
                     </a:solidFill>
@@ -11089,7 +11089,7 @@
               </a:ln>
               <a:extLst>
                 <a:ext uri="{91240B29-F687-4f45-9708-019B960494DF}">
-                  <a14:hiddenLine xmlns="" xmlns:a14="http://schemas.microsoft.com/office/drawing/2010/main" w="9525">
+                  <a14:hiddenLine xmlns:a14="http://schemas.microsoft.com/office/drawing/2010/main" xmlns="" w="9525">
                     <a:solidFill>
                       <a:srgbClr val="000000"/>
                     </a:solidFill>
@@ -11187,7 +11187,7 @@
               </a:ln>
               <a:extLst>
                 <a:ext uri="{91240B29-F687-4f45-9708-019B960494DF}">
-                  <a14:hiddenLine xmlns="" xmlns:a14="http://schemas.microsoft.com/office/drawing/2010/main" w="9525">
+                  <a14:hiddenLine xmlns:a14="http://schemas.microsoft.com/office/drawing/2010/main" xmlns="" w="9525">
                     <a:solidFill>
                       <a:srgbClr val="000000"/>
                     </a:solidFill>
@@ -11302,7 +11302,7 @@
               </a:ln>
               <a:extLst>
                 <a:ext uri="{91240B29-F687-4f45-9708-019B960494DF}">
-                  <a14:hiddenLine xmlns="" xmlns:a14="http://schemas.microsoft.com/office/drawing/2010/main" w="9525">
+                  <a14:hiddenLine xmlns:a14="http://schemas.microsoft.com/office/drawing/2010/main" xmlns="" w="9525">
                     <a:solidFill>
                       <a:srgbClr val="000000"/>
                     </a:solidFill>
@@ -11392,7 +11392,7 @@
               </a:ln>
               <a:extLst>
                 <a:ext uri="{91240B29-F687-4f45-9708-019B960494DF}">
-                  <a14:hiddenLine xmlns="" xmlns:a14="http://schemas.microsoft.com/office/drawing/2010/main" w="9525">
+                  <a14:hiddenLine xmlns:a14="http://schemas.microsoft.com/office/drawing/2010/main" xmlns="" w="9525">
                     <a:solidFill>
                       <a:srgbClr val="000000"/>
                     </a:solidFill>
@@ -11457,7 +11457,7 @@
               </a:ln>
               <a:extLst>
                 <a:ext uri="{91240B29-F687-4f45-9708-019B960494DF}">
-                  <a14:hiddenLine xmlns="" xmlns:a14="http://schemas.microsoft.com/office/drawing/2010/main" w="9525">
+                  <a14:hiddenLine xmlns:a14="http://schemas.microsoft.com/office/drawing/2010/main" xmlns="" w="9525">
                     <a:solidFill>
                       <a:srgbClr val="000000"/>
                     </a:solidFill>
@@ -11547,7 +11547,7 @@
               </a:ln>
               <a:extLst>
                 <a:ext uri="{91240B29-F687-4f45-9708-019B960494DF}">
-                  <a14:hiddenLine xmlns="" xmlns:a14="http://schemas.microsoft.com/office/drawing/2010/main" w="9525">
+                  <a14:hiddenLine xmlns:a14="http://schemas.microsoft.com/office/drawing/2010/main" xmlns="" w="9525">
                     <a:solidFill>
                       <a:srgbClr val="000000"/>
                     </a:solidFill>
@@ -11615,7 +11615,7 @@
               </a:ln>
               <a:extLst>
                 <a:ext uri="{91240B29-F687-4f45-9708-019B960494DF}">
-                  <a14:hiddenLine xmlns="" xmlns:a14="http://schemas.microsoft.com/office/drawing/2010/main" w="9525">
+                  <a14:hiddenLine xmlns:a14="http://schemas.microsoft.com/office/drawing/2010/main" xmlns="" w="9525">
                     <a:solidFill>
                       <a:srgbClr val="000000"/>
                     </a:solidFill>
@@ -11705,7 +11705,7 @@
               </a:ln>
               <a:extLst>
                 <a:ext uri="{91240B29-F687-4f45-9708-019B960494DF}">
-                  <a14:hiddenLine xmlns="" xmlns:a14="http://schemas.microsoft.com/office/drawing/2010/main" w="9525">
+                  <a14:hiddenLine xmlns:a14="http://schemas.microsoft.com/office/drawing/2010/main" xmlns="" w="9525">
                     <a:solidFill>
                       <a:srgbClr val="000000"/>
                     </a:solidFill>
@@ -11773,7 +11773,7 @@
               </a:ln>
               <a:extLst>
                 <a:ext uri="{91240B29-F687-4f45-9708-019B960494DF}">
-                  <a14:hiddenLine xmlns="" xmlns:a14="http://schemas.microsoft.com/office/drawing/2010/main" w="9525">
+                  <a14:hiddenLine xmlns:a14="http://schemas.microsoft.com/office/drawing/2010/main" xmlns="" w="9525">
                     <a:solidFill>
                       <a:srgbClr val="000000"/>
                     </a:solidFill>
@@ -11863,7 +11863,7 @@
               </a:ln>
               <a:extLst>
                 <a:ext uri="{91240B29-F687-4f45-9708-019B960494DF}">
-                  <a14:hiddenLine xmlns="" xmlns:a14="http://schemas.microsoft.com/office/drawing/2010/main" w="9525">
+                  <a14:hiddenLine xmlns:a14="http://schemas.microsoft.com/office/drawing/2010/main" xmlns="" w="9525">
                     <a:solidFill>
                       <a:srgbClr val="000000"/>
                     </a:solidFill>
@@ -11897,7 +11897,7 @@
               </a:ln>
               <a:extLst>
                 <a:ext uri="{91240B29-F687-4f45-9708-019B960494DF}">
-                  <a14:hiddenLine xmlns="" xmlns:a14="http://schemas.microsoft.com/office/drawing/2010/main" w="9525">
+                  <a14:hiddenLine xmlns:a14="http://schemas.microsoft.com/office/drawing/2010/main" xmlns="" w="9525">
                     <a:solidFill>
                       <a:srgbClr val="000000"/>
                     </a:solidFill>
@@ -12037,7 +12037,7 @@
           <a:p>
             <a:fld id="{9D6E9DEC-419B-4CC5-A080-3B06BD5A8291}" type="datetimeFigureOut">
               <a:rPr lang="en-US" smtClean="0"/>
-              <a:t>5/26/2019</a:t>
+              <a:t>6/14/2019</a:t>
             </a:fld>
             <a:endParaRPr lang="en-US" dirty="0"/>
           </a:p>
@@ -12627,7 +12627,7 @@
           <a:p>
             <a:r>
               <a:rPr lang="es-ES" sz="1600" dirty="0"/>
-              <a:t>El objetivo de este taller es enseñar a crear una experiencia de realidad virtual con A-</a:t>
+              <a:t>El objetivo de este taller, es enseñar a crear una experiencia de realidad virtual con A-</a:t>
             </a:r>
             <a:r>
               <a:rPr lang="es-ES" sz="1600" dirty="0" err="1"/>
@@ -12635,7 +12635,7 @@
             </a:r>
             <a:r>
               <a:rPr lang="es-ES" sz="1600" dirty="0"/>
-              <a:t>, además se añadirá el objeto previamente cread con BeetleBlocks en el primer taller, se le añadirá animación al objeto y se indicarán los pasos a seguir para visualizar el escenario de A-</a:t>
+              <a:t>. Además se añadirá el objeto previamente creado con BeetleBlocks en el primer taller, incorporándole animación al objeto y visualizándolo en un escenario de A-</a:t>
             </a:r>
             <a:r>
               <a:rPr lang="es-ES" sz="1600" dirty="0" err="1"/>
@@ -12643,7 +12643,7 @@
             </a:r>
             <a:r>
               <a:rPr lang="es-ES" sz="1600" dirty="0"/>
-              <a:t> en un smartphone.</a:t>
+              <a:t> con un smartphone, siguiendo los pasos que se indicarán.</a:t>
             </a:r>
           </a:p>
           <a:p>
@@ -12665,7 +12665,7 @@
             </a:r>
             <a:r>
               <a:rPr lang="es-ES" sz="1600" dirty="0"/>
-              <a:t> que permite crear experiencias de realidad virtual, se compone de elementos propios basados en HTML y de la importación de archivos en </a:t>
+              <a:t> que permite crear experiencias de realidad virtual y se compone de elementos propios basados en HTML y de la importación de archivos en </a:t>
             </a:r>
             <a:r>
               <a:rPr lang="es-ES" sz="1600" dirty="0" err="1"/>
@@ -12673,7 +12673,7 @@
             </a:r>
             <a:r>
               <a:rPr lang="es-ES" sz="1600" dirty="0"/>
-              <a:t> para complementar y añadir funcionalidades.</a:t>
+              <a:t>, para complementar y añadir funcionalidades.</a:t>
             </a:r>
             <a:endParaRPr lang="es-ES" sz="1800" dirty="0"/>
           </a:p>
@@ -12711,7 +12711,7 @@
               <a:t>Uso de </a:t>
             </a:r>
             <a:r>
-              <a:rPr lang="es-ES" sz="1300" dirty="0" err="1"/>
+              <a:rPr lang="es-ES" sz="1300" i="1" dirty="0" err="1"/>
               <a:t>primitives</a:t>
             </a:r>
             <a:r>
@@ -13299,7 +13299,7 @@
             </a:r>
             <a:r>
               <a:rPr lang="es-ES" sz="1800" dirty="0"/>
-              <a:t> el primer paso es crear un documento index.html y el repositorio en el que se van a incluir los archivos necesarios. Todos los comandos de terminal descritos en este taller se basan en un terminal Linux, desde la carpeta Home ejecuta:</a:t>
+              <a:t>, el primer paso, es crear un documento index.html y un repositorio en el que se van a incluir los archivos necesarios. Todos los comandos de terminal descritos en este taller, se basan en un terminal Linux, desde la carpeta Home ejecuta:</a:t>
             </a:r>
           </a:p>
           <a:p>
@@ -14357,7 +14357,7 @@
           <a:p>
             <a:r>
               <a:rPr lang="es-ES" sz="1800" dirty="0"/>
-              <a:t>A-</a:t>
+              <a:t>El método de instalación más sencillo que ofrece A-</a:t>
             </a:r>
             <a:r>
               <a:rPr lang="es-ES" sz="1800" dirty="0" err="1"/>
@@ -14365,7 +14365,7 @@
             </a:r>
             <a:r>
               <a:rPr lang="es-ES" sz="1800" dirty="0"/>
-              <a:t> puede ser utilizado desde un documento plano de HTML sin la necesidad de instalar nada. Simplemente para empezar a usarlo se debe importar en la cabecera </a:t>
+              <a:t>, consiste en su importación a un documento plano de HTML. Para empezar a usarlo se debe importar en la cabecera </a:t>
             </a:r>
             <a:r>
               <a:rPr lang="es-ES" sz="1800" u="sng" dirty="0"/>
@@ -14573,7 +14573,7 @@
             </a:r>
             <a:r>
               <a:rPr lang="en-US" sz="1800" dirty="0"/>
-              <a:t> y </a:t>
+              <a:t> y es </a:t>
             </a:r>
             <a:r>
               <a:rPr lang="en-US" sz="1800" dirty="0" err="1"/>
@@ -15134,10 +15134,10 @@
               <a:t>Uso de </a:t>
             </a:r>
             <a:r>
-              <a:rPr lang="es-ES" dirty="0" err="1"/>
+              <a:rPr lang="es-ES" i="1" dirty="0" err="1"/>
               <a:t>primitives</a:t>
             </a:r>
-            <a:endParaRPr lang="es-ES" dirty="0"/>
+            <a:endParaRPr lang="es-ES" i="1" dirty="0"/>
           </a:p>
         </p:txBody>
       </p:sp>
@@ -15179,19 +15179,19 @@
             </a:r>
             <a:r>
               <a:rPr lang="es-ES" sz="1400" dirty="0"/>
-              <a:t> consiste en cargar un </a:t>
-            </a:r>
-            <a:r>
-              <a:rPr lang="es-ES" sz="1400" dirty="0" err="1"/>
-              <a:t>primitive</a:t>
-            </a:r>
-            <a:r>
-              <a:rPr lang="es-ES" sz="1400" dirty="0"/>
-              <a:t>, plantillas de elementos que están dentro del código de A-</a:t>
+              <a:t>, consiste en cargar plantillas de elementos que están dentro del código de A-</a:t>
             </a:r>
             <a:r>
               <a:rPr lang="es-ES" sz="1400" dirty="0" err="1"/>
               <a:t>Frame</a:t>
+            </a:r>
+            <a:r>
+              <a:rPr lang="es-ES" sz="1400" dirty="0"/>
+              <a:t> conocidas como </a:t>
+            </a:r>
+            <a:r>
+              <a:rPr lang="es-ES" sz="1400" i="1" dirty="0" err="1"/>
+              <a:t>primitives</a:t>
             </a:r>
             <a:r>
               <a:rPr lang="es-ES" sz="1400" dirty="0"/>
@@ -15997,17 +15997,17 @@
             </a:r>
             <a:r>
               <a:rPr lang="es-ES" sz="2500" dirty="0"/>
-              <a:t> permite la exportación de imágenes propias dentro de la escena, a estas se les puede dar diversas propiedades.</a:t>
+              <a:t> permite la exportación de imágenes propias dentro de la escena, a éstas se les puede dar diversas propiedades.</a:t>
             </a:r>
           </a:p>
           <a:p>
             <a:pPr lvl="1"/>
             <a:r>
               <a:rPr lang="es-ES" sz="2500" dirty="0"/>
-              <a:t>Para cargar una imagen primero hay que declararla dentro de la zona de </a:t>
-            </a:r>
-            <a:r>
-              <a:rPr lang="es-ES" sz="2500" dirty="0" err="1"/>
+              <a:t>Para cargar una imagen, primero hay que declararla dentro de la zona de </a:t>
+            </a:r>
+            <a:r>
+              <a:rPr lang="es-ES" sz="2500" i="1" dirty="0" err="1"/>
               <a:t>assets</a:t>
             </a:r>
             <a:r>
@@ -16020,7 +16020,7 @@
             </a:r>
             <a:r>
               <a:rPr lang="es-ES" sz="2500" dirty="0"/>
-              <a:t> deben de declararse primero en esta zona que A-</a:t>
+              <a:t> deben declararse primero en esta zona, a la cual A-</a:t>
             </a:r>
             <a:r>
               <a:rPr lang="es-ES" sz="2500" dirty="0" err="1"/>
@@ -16028,7 +16028,7 @@
             </a:r>
             <a:r>
               <a:rPr lang="es-ES" sz="2500" dirty="0"/>
-              <a:t> la identifica como </a:t>
+              <a:t> identifica como </a:t>
             </a:r>
             <a:r>
               <a:rPr lang="es-ES" sz="2500" i="1" dirty="0"/>
@@ -16063,14 +16063,38 @@
             </a:r>
             <a:r>
               <a:rPr lang="es-ES" sz="2500" dirty="0"/>
-              <a:t> se le debe dar un identificador, para posteriormente poder llamarlo en la parte de la escena que se desee.</a:t>
+              <a:t> se le debe dar asignar</a:t>
+            </a:r>
+            <a:r>
+              <a:rPr lang="es-ES" sz="2500" dirty="0">
+                <a:solidFill>
+                  <a:srgbClr val="FF0000"/>
+                </a:solidFill>
+              </a:rPr>
+              <a:t> </a:t>
+            </a:r>
+            <a:r>
+              <a:rPr lang="es-ES" sz="2500" dirty="0"/>
+              <a:t>un identificador, para posteriormente poder invocarlo</a:t>
+            </a:r>
+            <a:r>
+              <a:rPr lang="es-ES" sz="2500" dirty="0">
+                <a:solidFill>
+                  <a:srgbClr val="FF0000"/>
+                </a:solidFill>
+              </a:rPr>
+              <a:t> </a:t>
+            </a:r>
+            <a:r>
+              <a:rPr lang="es-ES" sz="2500" dirty="0"/>
+              <a:t>en la parte de la escena que se desee.</a:t>
             </a:r>
           </a:p>
           <a:p>
             <a:pPr lvl="1"/>
             <a:r>
               <a:rPr lang="es-ES" sz="2500" dirty="0"/>
-              <a:t>En el siguiente ejemplo se muestra como declarar la imagen e invocarla posteriormente con unos valores de tamaño y posición concretos</a:t>
+              <a:t>En el siguiente ejemplo, se muestra como declarar la imagen e invocarla posteriormente con unos valores de tamaño y posición concretos</a:t>
             </a:r>
             <a:r>
               <a:rPr lang="es-ES" sz="2500" i="1" dirty="0"/>
@@ -17389,7 +17413,23 @@
               <a:t>obj</a:t>
             </a:r>
             <a:r>
-              <a:rPr lang="es-ES" sz="1400" u="sng" dirty="0">
+              <a:rPr lang="es-ES" sz="1400" dirty="0">
+                <a:effectLst>
+                  <a:outerShdw blurRad="38100" dist="38100" dir="2700000" algn="tl">
+                    <a:srgbClr val="000000">
+                      <a:alpha val="43137"/>
+                    </a:srgbClr>
+                  </a:outerShdw>
+                </a:effectLst>
+              </a:rPr>
+              <a:t>,  </a:t>
+            </a:r>
+            <a:r>
+              <a:rPr lang="es-ES" sz="1400" dirty="0"/>
+              <a:t>previamente</a:t>
+            </a:r>
+            <a:r>
+              <a:rPr lang="es-ES" sz="1400" dirty="0">
                 <a:effectLst>
                   <a:outerShdw blurRad="38100" dist="38100" dir="2700000" algn="tl">
                     <a:srgbClr val="000000">
@@ -17402,7 +17442,7 @@
             </a:r>
             <a:r>
               <a:rPr lang="es-ES" sz="1400" dirty="0"/>
-              <a:t>que se le ha dado previamente con </a:t>
+              <a:t>modificado con </a:t>
             </a:r>
             <a:r>
               <a:rPr lang="es-ES" sz="1400" dirty="0" err="1"/>
@@ -17462,7 +17502,7 @@
               <a:t> en la zona de </a:t>
             </a:r>
             <a:r>
-              <a:rPr lang="es-ES" sz="1200" u="sng" dirty="0" err="1"/>
+              <a:rPr lang="es-ES" sz="1200" i="1" u="sng" dirty="0" err="1"/>
               <a:t>assets</a:t>
             </a:r>
             <a:r>
@@ -18380,7 +18420,19 @@
             </a:r>
             <a:r>
               <a:rPr lang="es-ES" sz="1200" dirty="0"/>
-              <a:t>. Para la textura vale cualquier </a:t>
+              <a:t>. Para el formato</a:t>
+            </a:r>
+            <a:r>
+              <a:rPr lang="es-ES" sz="1200" dirty="0">
+                <a:solidFill>
+                  <a:srgbClr val="FF0000"/>
+                </a:solidFill>
+              </a:rPr>
+              <a:t> </a:t>
+            </a:r>
+            <a:r>
+              <a:rPr lang="es-ES" sz="1200" dirty="0"/>
+              <a:t>de la textura es válido cualquier </a:t>
             </a:r>
             <a:r>
               <a:rPr lang="es-ES" sz="1200" b="1" dirty="0"/>
@@ -18392,7 +18444,7 @@
             </a:r>
             <a:r>
               <a:rPr lang="es-ES" sz="1200" dirty="0"/>
-              <a:t>, es recomendable que se trate de algún tipo de imagen que sea una textura, una buena web para obtener una de forma gratuita es </a:t>
+              <a:t>, aunque es recomendable que se trate de algún tipo de imagen tipo textura, se pueden obtener ejemplos gratuitos en </a:t>
             </a:r>
             <a:r>
               <a:rPr lang="es-ES" sz="1200" dirty="0">
@@ -19411,7 +19463,7 @@
             </a:r>
             <a:r>
               <a:rPr lang="es-ES" sz="1600" dirty="0"/>
-              <a:t> nos permite añadir algo de animación básica a nuestro objeto, gracias a la importación de paquetes en JavaScript. El ejemplo expuesto aquí consigue aportarle una animación al objeto que consiste en una rotación al hacer </a:t>
+              <a:t> nos permite añadir algo de animación básica a nuestro objeto, gracias a la importación de paquetes en JavaScript. En el ejemplo expuesto, se programa una animación de rotación al hacer </a:t>
             </a:r>
             <a:r>
               <a:rPr lang="es-ES" sz="1600" dirty="0" err="1"/>
@@ -19419,7 +19471,7 @@
             </a:r>
             <a:r>
               <a:rPr lang="es-ES" sz="1600" dirty="0"/>
-              <a:t> sobre él, para hacerlo se debe importar el módulo </a:t>
+              <a:t> sobre el objeto, para esta funcionalidad se debe importar el módulo </a:t>
             </a:r>
             <a:r>
               <a:rPr lang="es-ES" sz="1600" dirty="0">
@@ -19608,7 +19660,7 @@
           <a:p>
             <a:r>
               <a:rPr lang="es-ES" sz="1650" dirty="0"/>
-              <a:t>Para añadir una animación al objeto, se debe indicar el tipo entre las propiedades del objeto, los distintos tipos de animación pueden ser desde cambiar su tamaño (</a:t>
+              <a:t>Para añadir una animación al objeto, se debe indicar el tipo entre las propiedades del objeto. Los distintos tipos de animación pueden ser desde cambiar su tamaño (</a:t>
             </a:r>
             <a:r>
               <a:rPr lang="es-ES" sz="1650" dirty="0" err="1"/>
@@ -19616,7 +19668,7 @@
             </a:r>
             <a:r>
               <a:rPr lang="es-ES" sz="1650" dirty="0"/>
-              <a:t>), mover su posición (position) o  hacer una rotación.</a:t>
+              <a:t>) a mover su posición (position) o hacer una rotación.</a:t>
             </a:r>
           </a:p>
           <a:p>
@@ -20005,15 +20057,15 @@
           <a:p>
             <a:r>
               <a:rPr lang="es-ES" sz="1650" dirty="0"/>
-              <a:t>Una buena forma de controlar las animaciones es indicar que la animación empiece cuando se </a:t>
-            </a:r>
-            <a:r>
-              <a:rPr lang="es-ES" sz="1650" dirty="0" err="1"/>
-              <a:t>interactue</a:t>
+              <a:t>Una buena forma de controlar las animaciones, es añadir un evento que de inicio </a:t>
+            </a:r>
+            <a:r>
+              <a:rPr lang="es-ES" sz="1650"/>
+              <a:t>a la </a:t>
             </a:r>
             <a:r>
               <a:rPr lang="es-ES" sz="1650" dirty="0"/>
-              <a:t> con el objeto por ejemplo hacer un </a:t>
+              <a:t>animación cuando se interactúe con el objeto, por ejemplo, hacer un </a:t>
             </a:r>
             <a:r>
               <a:rPr lang="es-ES" sz="1650" dirty="0" err="1"/>
@@ -20251,7 +20303,7 @@
             </a:r>
             <a:r>
               <a:rPr lang="es-ES" sz="1400" dirty="0"/>
-              <a:t> de forma local. Pero para visualizar la escena de A-</a:t>
+              <a:t> de forma local. Sin embargo, para visualizar la escena de A-</a:t>
             </a:r>
             <a:r>
               <a:rPr lang="es-ES" sz="1400" dirty="0" err="1"/>
@@ -20259,7 +20311,15 @@
             </a:r>
             <a:r>
               <a:rPr lang="es-ES" sz="1400" dirty="0"/>
-              <a:t> es necesario un visor, la forma más rápida y sencilla de ver obtener uno, es a través de un smartphone.</a:t>
+              <a:t> es necesario un visor, la forma más rápida y sencilla </a:t>
+            </a:r>
+            <a:r>
+              <a:rPr lang="es-ES" sz="1400"/>
+              <a:t>de obtener </a:t>
+            </a:r>
+            <a:r>
+              <a:rPr lang="es-ES" sz="1400" dirty="0"/>
+              <a:t>uno, es a través de un smartphone.</a:t>
             </a:r>
           </a:p>
           <a:p>
